--- a/conceptual_framework.pptx
+++ b/conceptual_framework.pptx
@@ -106,6 +106,11 @@
       </a:defRPr>
     </a:lvl9pPr>
   </p:defaultTextStyle>
+  <p:extLst>
+    <p:ext uri="{EFAFB233-063F-42B5-8137-9DF3F51BA10A}">
+      <p15:sldGuideLst xmlns:p15="http://schemas.microsoft.com/office/powerpoint/2012/main"/>
+    </p:ext>
+  </p:extLst>
 </p:presentation>
 </file>
 
@@ -240,7 +245,7 @@
           <a:p>
             <a:fld id="{AB28E842-BAC3-4CA2-9C9E-78DFDF0BBACD}" type="datetimeFigureOut">
               <a:rPr lang="en-US" smtClean="0"/>
-              <a:t>4/23/2023</a:t>
+              <a:t>4/24/2023</a:t>
             </a:fld>
             <a:endParaRPr lang="en-US"/>
           </a:p>
@@ -410,7 +415,7 @@
           <a:p>
             <a:fld id="{AB28E842-BAC3-4CA2-9C9E-78DFDF0BBACD}" type="datetimeFigureOut">
               <a:rPr lang="en-US" smtClean="0"/>
-              <a:t>4/23/2023</a:t>
+              <a:t>4/24/2023</a:t>
             </a:fld>
             <a:endParaRPr lang="en-US"/>
           </a:p>
@@ -590,7 +595,7 @@
           <a:p>
             <a:fld id="{AB28E842-BAC3-4CA2-9C9E-78DFDF0BBACD}" type="datetimeFigureOut">
               <a:rPr lang="en-US" smtClean="0"/>
-              <a:t>4/23/2023</a:t>
+              <a:t>4/24/2023</a:t>
             </a:fld>
             <a:endParaRPr lang="en-US"/>
           </a:p>
@@ -760,7 +765,7 @@
           <a:p>
             <a:fld id="{AB28E842-BAC3-4CA2-9C9E-78DFDF0BBACD}" type="datetimeFigureOut">
               <a:rPr lang="en-US" smtClean="0"/>
-              <a:t>4/23/2023</a:t>
+              <a:t>4/24/2023</a:t>
             </a:fld>
             <a:endParaRPr lang="en-US"/>
           </a:p>
@@ -1004,7 +1009,7 @@
           <a:p>
             <a:fld id="{AB28E842-BAC3-4CA2-9C9E-78DFDF0BBACD}" type="datetimeFigureOut">
               <a:rPr lang="en-US" smtClean="0"/>
-              <a:t>4/23/2023</a:t>
+              <a:t>4/24/2023</a:t>
             </a:fld>
             <a:endParaRPr lang="en-US"/>
           </a:p>
@@ -1236,7 +1241,7 @@
           <a:p>
             <a:fld id="{AB28E842-BAC3-4CA2-9C9E-78DFDF0BBACD}" type="datetimeFigureOut">
               <a:rPr lang="en-US" smtClean="0"/>
-              <a:t>4/23/2023</a:t>
+              <a:t>4/24/2023</a:t>
             </a:fld>
             <a:endParaRPr lang="en-US"/>
           </a:p>
@@ -1603,7 +1608,7 @@
           <a:p>
             <a:fld id="{AB28E842-BAC3-4CA2-9C9E-78DFDF0BBACD}" type="datetimeFigureOut">
               <a:rPr lang="en-US" smtClean="0"/>
-              <a:t>4/23/2023</a:t>
+              <a:t>4/24/2023</a:t>
             </a:fld>
             <a:endParaRPr lang="en-US"/>
           </a:p>
@@ -1721,7 +1726,7 @@
           <a:p>
             <a:fld id="{AB28E842-BAC3-4CA2-9C9E-78DFDF0BBACD}" type="datetimeFigureOut">
               <a:rPr lang="en-US" smtClean="0"/>
-              <a:t>4/23/2023</a:t>
+              <a:t>4/24/2023</a:t>
             </a:fld>
             <a:endParaRPr lang="en-US"/>
           </a:p>
@@ -1816,7 +1821,7 @@
           <a:p>
             <a:fld id="{AB28E842-BAC3-4CA2-9C9E-78DFDF0BBACD}" type="datetimeFigureOut">
               <a:rPr lang="en-US" smtClean="0"/>
-              <a:t>4/23/2023</a:t>
+              <a:t>4/24/2023</a:t>
             </a:fld>
             <a:endParaRPr lang="en-US"/>
           </a:p>
@@ -2093,7 +2098,7 @@
           <a:p>
             <a:fld id="{AB28E842-BAC3-4CA2-9C9E-78DFDF0BBACD}" type="datetimeFigureOut">
               <a:rPr lang="en-US" smtClean="0"/>
-              <a:t>4/23/2023</a:t>
+              <a:t>4/24/2023</a:t>
             </a:fld>
             <a:endParaRPr lang="en-US"/>
           </a:p>
@@ -2350,7 +2355,7 @@
           <a:p>
             <a:fld id="{AB28E842-BAC3-4CA2-9C9E-78DFDF0BBACD}" type="datetimeFigureOut">
               <a:rPr lang="en-US" smtClean="0"/>
-              <a:t>4/23/2023</a:t>
+              <a:t>4/24/2023</a:t>
             </a:fld>
             <a:endParaRPr lang="en-US"/>
           </a:p>
@@ -2563,7 +2568,7 @@
           <a:p>
             <a:fld id="{AB28E842-BAC3-4CA2-9C9E-78DFDF0BBACD}" type="datetimeFigureOut">
               <a:rPr lang="en-US" smtClean="0"/>
-              <a:t>4/23/2023</a:t>
+              <a:t>4/24/2023</a:t>
             </a:fld>
             <a:endParaRPr lang="en-US"/>
           </a:p>
@@ -3102,10 +3107,10 @@
       </p:sp>
       <p:grpSp>
         <p:nvGrpSpPr>
-          <p:cNvPr id="89" name="Economic factors">
+          <p:cNvPr id="2" name="Group 1">
             <a:extLst>
               <a:ext uri="{FF2B5EF4-FFF2-40B4-BE49-F238E27FC236}">
-                <a16:creationId xmlns:a16="http://schemas.microsoft.com/office/drawing/2014/main" id="{CAC0ED56-A90B-9CB4-5A5F-C01E52A9F69B}"/>
+                <a16:creationId xmlns:a16="http://schemas.microsoft.com/office/drawing/2014/main" id="{EE2EDDDC-C0BB-E992-BE4A-9E7119748BAD}"/>
               </a:ext>
             </a:extLst>
           </p:cNvPr>
@@ -3114,18 +3119,1759 @@
         </p:nvGrpSpPr>
         <p:grpSpPr>
           <a:xfrm>
-            <a:off x="4612356" y="1351016"/>
-            <a:ext cx="2999617" cy="2441288"/>
-            <a:chOff x="5983956" y="1160516"/>
-            <a:chExt cx="2999617" cy="2441288"/>
+            <a:off x="1409887" y="-1887299"/>
+            <a:ext cx="7238902" cy="8635505"/>
+            <a:chOff x="1344749" y="-1959369"/>
+            <a:chExt cx="7238902" cy="8635505"/>
           </a:xfrm>
         </p:grpSpPr>
+        <p:grpSp>
+          <p:nvGrpSpPr>
+            <p:cNvPr id="89" name="Economic factors">
+              <a:extLst>
+                <a:ext uri="{FF2B5EF4-FFF2-40B4-BE49-F238E27FC236}">
+                  <a16:creationId xmlns:a16="http://schemas.microsoft.com/office/drawing/2014/main" id="{CAC0ED56-A90B-9CB4-5A5F-C01E52A9F69B}"/>
+                </a:ext>
+              </a:extLst>
+            </p:cNvPr>
+            <p:cNvGrpSpPr/>
+            <p:nvPr/>
+          </p:nvGrpSpPr>
+          <p:grpSpPr>
+            <a:xfrm>
+              <a:off x="4612356" y="1351016"/>
+              <a:ext cx="2999617" cy="2441288"/>
+              <a:chOff x="5983956" y="1160516"/>
+              <a:chExt cx="2999617" cy="2441288"/>
+            </a:xfrm>
+          </p:grpSpPr>
+          <p:sp>
+            <p:nvSpPr>
+              <p:cNvPr id="50" name="Freeform: Shape 49">
+                <a:extLst>
+                  <a:ext uri="{FF2B5EF4-FFF2-40B4-BE49-F238E27FC236}">
+                    <a16:creationId xmlns:a16="http://schemas.microsoft.com/office/drawing/2014/main" id="{138BA9CD-D8BC-0AC6-5F75-D0110BB1041A}"/>
+                  </a:ext>
+                </a:extLst>
+              </p:cNvPr>
+              <p:cNvSpPr/>
+              <p:nvPr/>
+            </p:nvSpPr>
+            <p:spPr>
+              <a:xfrm rot="19200000">
+                <a:off x="5983956" y="1581763"/>
+                <a:ext cx="2999617" cy="2020041"/>
+              </a:xfrm>
+              <a:custGeom>
+                <a:avLst/>
+                <a:gdLst>
+                  <a:gd name="connsiteX0" fmla="*/ 2550435 w 2591848"/>
+                  <a:gd name="connsiteY0" fmla="*/ 0 h 1745436"/>
+                  <a:gd name="connsiteX1" fmla="*/ 2581976 w 2591848"/>
+                  <a:gd name="connsiteY1" fmla="*/ 232261 h 1745436"/>
+                  <a:gd name="connsiteX2" fmla="*/ 2282421 w 2591848"/>
+                  <a:gd name="connsiteY2" fmla="*/ 1682727 h 1745436"/>
+                  <a:gd name="connsiteX3" fmla="*/ 2244260 w 2591848"/>
+                  <a:gd name="connsiteY3" fmla="*/ 1745436 h 1745436"/>
+                  <a:gd name="connsiteX4" fmla="*/ 0 w 2591848"/>
+                  <a:gd name="connsiteY4" fmla="*/ 449711 h 1745436"/>
+                  <a:gd name="connsiteX5" fmla="*/ 2550435 w 2591848"/>
+                  <a:gd name="connsiteY5" fmla="*/ 0 h 1745436"/>
+                </a:gdLst>
+                <a:ahLst/>
+                <a:cxnLst>
+                  <a:cxn ang="0">
+                    <a:pos x="connsiteX0" y="connsiteY0"/>
+                  </a:cxn>
+                  <a:cxn ang="0">
+                    <a:pos x="connsiteX1" y="connsiteY1"/>
+                  </a:cxn>
+                  <a:cxn ang="0">
+                    <a:pos x="connsiteX2" y="connsiteY2"/>
+                  </a:cxn>
+                  <a:cxn ang="0">
+                    <a:pos x="connsiteX3" y="connsiteY3"/>
+                  </a:cxn>
+                  <a:cxn ang="0">
+                    <a:pos x="connsiteX4" y="connsiteY4"/>
+                  </a:cxn>
+                  <a:cxn ang="0">
+                    <a:pos x="connsiteX5" y="connsiteY5"/>
+                  </a:cxn>
+                </a:cxnLst>
+                <a:rect l="l" t="t" r="r" b="b"/>
+                <a:pathLst>
+                  <a:path w="2591848" h="1745436">
+                    <a:moveTo>
+                      <a:pt x="2550435" y="0"/>
+                    </a:moveTo>
+                    <a:lnTo>
+                      <a:pt x="2581976" y="232261"/>
+                    </a:lnTo>
+                    <a:cubicBezTo>
+                      <a:pt x="2625114" y="725320"/>
+                      <a:pt x="2527179" y="1230721"/>
+                      <a:pt x="2282421" y="1682727"/>
+                    </a:cubicBezTo>
+                    <a:lnTo>
+                      <a:pt x="2244260" y="1745436"/>
+                    </a:lnTo>
+                    <a:lnTo>
+                      <a:pt x="0" y="449711"/>
+                    </a:lnTo>
+                    <a:lnTo>
+                      <a:pt x="2550435" y="0"/>
+                    </a:lnTo>
+                    <a:close/>
+                  </a:path>
+                </a:pathLst>
+              </a:custGeom>
+              <a:solidFill>
+                <a:srgbClr val="F2761B"/>
+              </a:solidFill>
+              <a:ln>
+                <a:noFill/>
+              </a:ln>
+            </p:spPr>
+            <p:style>
+              <a:lnRef idx="2">
+                <a:schemeClr val="accent1">
+                  <a:shade val="50000"/>
+                </a:schemeClr>
+              </a:lnRef>
+              <a:fillRef idx="1">
+                <a:schemeClr val="accent1"/>
+              </a:fillRef>
+              <a:effectRef idx="0">
+                <a:schemeClr val="accent1"/>
+              </a:effectRef>
+              <a:fontRef idx="minor">
+                <a:schemeClr val="lt1"/>
+              </a:fontRef>
+            </p:style>
+            <p:txBody>
+              <a:bodyPr wrap="square" rtlCol="0" anchor="ctr">
+                <a:noAutofit/>
+              </a:bodyPr>
+              <a:lstStyle/>
+              <a:p>
+                <a:pPr algn="ctr"/>
+                <a:endParaRPr lang="en-US" sz="1400" dirty="0"/>
+              </a:p>
+            </p:txBody>
+          </p:sp>
+          <p:sp>
+            <p:nvSpPr>
+              <p:cNvPr id="80" name="TextBox 79">
+                <a:extLst>
+                  <a:ext uri="{FF2B5EF4-FFF2-40B4-BE49-F238E27FC236}">
+                    <a16:creationId xmlns:a16="http://schemas.microsoft.com/office/drawing/2014/main" id="{F246EFD2-8C85-56DA-A595-EFB92817611D}"/>
+                  </a:ext>
+                </a:extLst>
+              </p:cNvPr>
+              <p:cNvSpPr txBox="1"/>
+              <p:nvPr/>
+            </p:nvSpPr>
+            <p:spPr>
+              <a:xfrm rot="3565425">
+                <a:off x="6854734" y="1880790"/>
+                <a:ext cx="2029520" cy="588972"/>
+              </a:xfrm>
+              <a:prstGeom prst="rect">
+                <a:avLst/>
+              </a:prstGeom>
+              <a:noFill/>
+            </p:spPr>
+            <p:txBody>
+              <a:bodyPr wrap="square" rtlCol="0">
+                <a:prstTxWarp prst="textArchUp">
+                  <a:avLst/>
+                </a:prstTxWarp>
+                <a:spAutoFit/>
+              </a:bodyPr>
+              <a:lstStyle/>
+              <a:p>
+                <a:pPr algn="ctr"/>
+                <a:r>
+                  <a:rPr lang="en-US" sz="1400" dirty="0">
+                    <a:solidFill>
+                      <a:schemeClr val="bg1"/>
+                    </a:solidFill>
+                  </a:rPr>
+                  <a:t>Economic factors</a:t>
+                </a:r>
+              </a:p>
+            </p:txBody>
+          </p:sp>
+        </p:grpSp>
+        <p:grpSp>
+          <p:nvGrpSpPr>
+            <p:cNvPr id="88" name="Inequality">
+              <a:extLst>
+                <a:ext uri="{FF2B5EF4-FFF2-40B4-BE49-F238E27FC236}">
+                  <a16:creationId xmlns:a16="http://schemas.microsoft.com/office/drawing/2014/main" id="{15FA2DEE-FA7A-0A1D-C92E-3F2A67DAA6CC}"/>
+                </a:ext>
+              </a:extLst>
+            </p:cNvPr>
+            <p:cNvGrpSpPr/>
+            <p:nvPr/>
+          </p:nvGrpSpPr>
+          <p:grpSpPr>
+            <a:xfrm>
+              <a:off x="4590086" y="3041452"/>
+              <a:ext cx="2452936" cy="2977354"/>
+              <a:chOff x="5961687" y="2850952"/>
+              <a:chExt cx="2452936" cy="2977354"/>
+            </a:xfrm>
+          </p:grpSpPr>
+          <p:sp>
+            <p:nvSpPr>
+              <p:cNvPr id="54" name="Freeform: Shape 53">
+                <a:extLst>
+                  <a:ext uri="{FF2B5EF4-FFF2-40B4-BE49-F238E27FC236}">
+                    <a16:creationId xmlns:a16="http://schemas.microsoft.com/office/drawing/2014/main" id="{471AA572-7F21-D8C9-1422-0DCD1829D2BA}"/>
+                  </a:ext>
+                </a:extLst>
+              </p:cNvPr>
+              <p:cNvSpPr/>
+              <p:nvPr/>
+            </p:nvSpPr>
+            <p:spPr>
+              <a:xfrm rot="19200000">
+                <a:off x="5961687" y="2850952"/>
+                <a:ext cx="2034925" cy="2977354"/>
+              </a:xfrm>
+              <a:custGeom>
+                <a:avLst/>
+                <a:gdLst>
+                  <a:gd name="connsiteX0" fmla="*/ 876267 w 1758297"/>
+                  <a:gd name="connsiteY0" fmla="*/ 0 h 2572611"/>
+                  <a:gd name="connsiteX1" fmla="*/ 1758297 w 1758297"/>
+                  <a:gd name="connsiteY1" fmla="*/ 2423359 h 2572611"/>
+                  <a:gd name="connsiteX2" fmla="*/ 1612429 w 1758297"/>
+                  <a:gd name="connsiteY2" fmla="*/ 2472791 h 2572611"/>
+                  <a:gd name="connsiteX3" fmla="*/ 142823 w 1758297"/>
+                  <a:gd name="connsiteY3" fmla="*/ 2459213 h 2572611"/>
+                  <a:gd name="connsiteX4" fmla="*/ 0 w 1758297"/>
+                  <a:gd name="connsiteY4" fmla="*/ 2407521 h 2572611"/>
+                  <a:gd name="connsiteX5" fmla="*/ 876267 w 1758297"/>
+                  <a:gd name="connsiteY5" fmla="*/ 0 h 2572611"/>
+                </a:gdLst>
+                <a:ahLst/>
+                <a:cxnLst>
+                  <a:cxn ang="0">
+                    <a:pos x="connsiteX0" y="connsiteY0"/>
+                  </a:cxn>
+                  <a:cxn ang="0">
+                    <a:pos x="connsiteX1" y="connsiteY1"/>
+                  </a:cxn>
+                  <a:cxn ang="0">
+                    <a:pos x="connsiteX2" y="connsiteY2"/>
+                  </a:cxn>
+                  <a:cxn ang="0">
+                    <a:pos x="connsiteX3" y="connsiteY3"/>
+                  </a:cxn>
+                  <a:cxn ang="0">
+                    <a:pos x="connsiteX4" y="connsiteY4"/>
+                  </a:cxn>
+                  <a:cxn ang="0">
+                    <a:pos x="connsiteX5" y="connsiteY5"/>
+                  </a:cxn>
+                </a:cxnLst>
+                <a:rect l="l" t="t" r="r" b="b"/>
+                <a:pathLst>
+                  <a:path w="1758297" h="2572611">
+                    <a:moveTo>
+                      <a:pt x="876267" y="0"/>
+                    </a:moveTo>
+                    <a:lnTo>
+                      <a:pt x="1758297" y="2423359"/>
+                    </a:lnTo>
+                    <a:lnTo>
+                      <a:pt x="1612429" y="2472791"/>
+                    </a:lnTo>
+                    <a:cubicBezTo>
+                      <a:pt x="1134902" y="2609337"/>
+                      <a:pt x="623121" y="2606728"/>
+                      <a:pt x="142823" y="2459213"/>
+                    </a:cubicBezTo>
+                    <a:lnTo>
+                      <a:pt x="0" y="2407521"/>
+                    </a:lnTo>
+                    <a:lnTo>
+                      <a:pt x="876267" y="0"/>
+                    </a:lnTo>
+                    <a:close/>
+                  </a:path>
+                </a:pathLst>
+              </a:custGeom>
+              <a:solidFill>
+                <a:srgbClr val="A52499"/>
+              </a:solidFill>
+              <a:ln>
+                <a:noFill/>
+              </a:ln>
+            </p:spPr>
+            <p:style>
+              <a:lnRef idx="2">
+                <a:schemeClr val="accent1">
+                  <a:shade val="50000"/>
+                </a:schemeClr>
+              </a:lnRef>
+              <a:fillRef idx="1">
+                <a:schemeClr val="accent1"/>
+              </a:fillRef>
+              <a:effectRef idx="0">
+                <a:schemeClr val="accent1"/>
+              </a:effectRef>
+              <a:fontRef idx="minor">
+                <a:schemeClr val="lt1"/>
+              </a:fontRef>
+            </p:style>
+            <p:txBody>
+              <a:bodyPr wrap="square" rtlCol="0" anchor="ctr">
+                <a:noAutofit/>
+              </a:bodyPr>
+              <a:lstStyle/>
+              <a:p>
+                <a:pPr algn="ctr"/>
+                <a:endParaRPr lang="en-US" sz="1400"/>
+              </a:p>
+            </p:txBody>
+          </p:sp>
+          <p:sp>
+            <p:nvSpPr>
+              <p:cNvPr id="57" name="TextBox 56">
+                <a:extLst>
+                  <a:ext uri="{FF2B5EF4-FFF2-40B4-BE49-F238E27FC236}">
+                    <a16:creationId xmlns:a16="http://schemas.microsoft.com/office/drawing/2014/main" id="{87636759-18A7-D49B-7254-B00151143848}"/>
+                  </a:ext>
+                </a:extLst>
+              </p:cNvPr>
+              <p:cNvSpPr txBox="1"/>
+              <p:nvPr/>
+            </p:nvSpPr>
+            <p:spPr>
+              <a:xfrm rot="19020717">
+                <a:off x="6385102" y="4512056"/>
+                <a:ext cx="2029521" cy="588972"/>
+              </a:xfrm>
+              <a:prstGeom prst="rect">
+                <a:avLst/>
+              </a:prstGeom>
+              <a:noFill/>
+            </p:spPr>
+            <p:txBody>
+              <a:bodyPr wrap="square" rtlCol="0">
+                <a:prstTxWarp prst="textArchDown">
+                  <a:avLst/>
+                </a:prstTxWarp>
+                <a:spAutoFit/>
+              </a:bodyPr>
+              <a:lstStyle/>
+              <a:p>
+                <a:pPr algn="ctr"/>
+                <a:r>
+                  <a:rPr lang="en-US" sz="1400" dirty="0">
+                    <a:solidFill>
+                      <a:schemeClr val="bg1"/>
+                    </a:solidFill>
+                  </a:rPr>
+                  <a:t>(In)equality &amp; </a:t>
+                </a:r>
+              </a:p>
+              <a:p>
+                <a:pPr algn="ctr"/>
+                <a:r>
+                  <a:rPr lang="en-US" sz="1400" dirty="0">
+                    <a:solidFill>
+                      <a:schemeClr val="bg1"/>
+                    </a:solidFill>
+                  </a:rPr>
+                  <a:t>(in)equity</a:t>
+                </a:r>
+              </a:p>
+            </p:txBody>
+          </p:sp>
+        </p:grpSp>
+        <p:grpSp>
+          <p:nvGrpSpPr>
+            <p:cNvPr id="87" name="Systems and services">
+              <a:extLst>
+                <a:ext uri="{FF2B5EF4-FFF2-40B4-BE49-F238E27FC236}">
+                  <a16:creationId xmlns:a16="http://schemas.microsoft.com/office/drawing/2014/main" id="{A157D046-65BC-C867-FA55-F76B53672027}"/>
+                </a:ext>
+              </a:extLst>
+            </p:cNvPr>
+            <p:cNvGrpSpPr/>
+            <p:nvPr/>
+          </p:nvGrpSpPr>
+          <p:grpSpPr>
+            <a:xfrm>
+              <a:off x="3279216" y="3887703"/>
+              <a:ext cx="2552987" cy="2788433"/>
+              <a:chOff x="4650816" y="3697202"/>
+              <a:chExt cx="2552987" cy="2788433"/>
+            </a:xfrm>
+          </p:grpSpPr>
+          <p:sp>
+            <p:nvSpPr>
+              <p:cNvPr id="55" name="Freeform: Shape 54">
+                <a:extLst>
+                  <a:ext uri="{FF2B5EF4-FFF2-40B4-BE49-F238E27FC236}">
+                    <a16:creationId xmlns:a16="http://schemas.microsoft.com/office/drawing/2014/main" id="{1A025600-D177-E4D1-027E-A2A694C76EA1}"/>
+                  </a:ext>
+                </a:extLst>
+              </p:cNvPr>
+              <p:cNvSpPr/>
+              <p:nvPr/>
+            </p:nvSpPr>
+            <p:spPr>
+              <a:xfrm rot="19200000">
+                <a:off x="4650816" y="3697202"/>
+                <a:ext cx="2552987" cy="2788433"/>
+              </a:xfrm>
+              <a:custGeom>
+                <a:avLst/>
+                <a:gdLst>
+                  <a:gd name="connsiteX0" fmla="*/ 2205932 w 2205932"/>
+                  <a:gd name="connsiteY0" fmla="*/ 0 h 2409372"/>
+                  <a:gd name="connsiteX1" fmla="*/ 1328992 w 2205932"/>
+                  <a:gd name="connsiteY1" fmla="*/ 2409372 h 2409372"/>
+                  <a:gd name="connsiteX2" fmla="*/ 1243191 w 2205932"/>
+                  <a:gd name="connsiteY2" fmla="*/ 2378317 h 2409372"/>
+                  <a:gd name="connsiteX3" fmla="*/ 581271 w 2205932"/>
+                  <a:gd name="connsiteY3" fmla="*/ 1974235 h 2409372"/>
+                  <a:gd name="connsiteX4" fmla="*/ 68386 w 2205932"/>
+                  <a:gd name="connsiteY4" fmla="*/ 1392539 h 2409372"/>
+                  <a:gd name="connsiteX5" fmla="*/ 0 w 2205932"/>
+                  <a:gd name="connsiteY5" fmla="*/ 1273597 h 2409372"/>
+                  <a:gd name="connsiteX6" fmla="*/ 2205932 w 2205932"/>
+                  <a:gd name="connsiteY6" fmla="*/ 0 h 2409372"/>
+                </a:gdLst>
+                <a:ahLst/>
+                <a:cxnLst>
+                  <a:cxn ang="0">
+                    <a:pos x="connsiteX0" y="connsiteY0"/>
+                  </a:cxn>
+                  <a:cxn ang="0">
+                    <a:pos x="connsiteX1" y="connsiteY1"/>
+                  </a:cxn>
+                  <a:cxn ang="0">
+                    <a:pos x="connsiteX2" y="connsiteY2"/>
+                  </a:cxn>
+                  <a:cxn ang="0">
+                    <a:pos x="connsiteX3" y="connsiteY3"/>
+                  </a:cxn>
+                  <a:cxn ang="0">
+                    <a:pos x="connsiteX4" y="connsiteY4"/>
+                  </a:cxn>
+                  <a:cxn ang="0">
+                    <a:pos x="connsiteX5" y="connsiteY5"/>
+                  </a:cxn>
+                  <a:cxn ang="0">
+                    <a:pos x="connsiteX6" y="connsiteY6"/>
+                  </a:cxn>
+                </a:cxnLst>
+                <a:rect l="l" t="t" r="r" b="b"/>
+                <a:pathLst>
+                  <a:path w="2205932" h="2409372">
+                    <a:moveTo>
+                      <a:pt x="2205932" y="0"/>
+                    </a:moveTo>
+                    <a:lnTo>
+                      <a:pt x="1328992" y="2409372"/>
+                    </a:lnTo>
+                    <a:lnTo>
+                      <a:pt x="1243191" y="2378317"/>
+                    </a:lnTo>
+                    <a:cubicBezTo>
+                      <a:pt x="1009202" y="2280328"/>
+                      <a:pt x="785823" y="2145874"/>
+                      <a:pt x="581271" y="1974235"/>
+                    </a:cubicBezTo>
+                    <a:cubicBezTo>
+                      <a:pt x="376719" y="1802595"/>
+                      <a:pt x="205518" y="1605957"/>
+                      <a:pt x="68386" y="1392539"/>
+                    </a:cubicBezTo>
+                    <a:lnTo>
+                      <a:pt x="0" y="1273597"/>
+                    </a:lnTo>
+                    <a:lnTo>
+                      <a:pt x="2205932" y="0"/>
+                    </a:lnTo>
+                    <a:close/>
+                  </a:path>
+                </a:pathLst>
+              </a:custGeom>
+              <a:solidFill>
+                <a:srgbClr val="8A23A5"/>
+              </a:solidFill>
+              <a:ln>
+                <a:noFill/>
+              </a:ln>
+            </p:spPr>
+            <p:style>
+              <a:lnRef idx="2">
+                <a:schemeClr val="accent1">
+                  <a:shade val="50000"/>
+                </a:schemeClr>
+              </a:lnRef>
+              <a:fillRef idx="1">
+                <a:schemeClr val="accent1"/>
+              </a:fillRef>
+              <a:effectRef idx="0">
+                <a:schemeClr val="accent1"/>
+              </a:effectRef>
+              <a:fontRef idx="minor">
+                <a:schemeClr val="lt1"/>
+              </a:fontRef>
+            </p:style>
+            <p:txBody>
+              <a:bodyPr wrap="square" rtlCol="0" anchor="ctr">
+                <a:noAutofit/>
+              </a:bodyPr>
+              <a:lstStyle/>
+              <a:p>
+                <a:pPr algn="ctr"/>
+                <a:endParaRPr lang="en-US" sz="1400"/>
+              </a:p>
+            </p:txBody>
+          </p:sp>
+          <p:sp>
+            <p:nvSpPr>
+              <p:cNvPr id="58" name="TextBox 57">
+                <a:extLst>
+                  <a:ext uri="{FF2B5EF4-FFF2-40B4-BE49-F238E27FC236}">
+                    <a16:creationId xmlns:a16="http://schemas.microsoft.com/office/drawing/2014/main" id="{2FCF609C-D2CF-94C7-7A70-88B28CC62AA2}"/>
+                  </a:ext>
+                </a:extLst>
+              </p:cNvPr>
+              <p:cNvSpPr txBox="1"/>
+              <p:nvPr/>
+            </p:nvSpPr>
+            <p:spPr>
+              <a:xfrm>
+                <a:off x="4939908" y="5052037"/>
+                <a:ext cx="2029521" cy="588972"/>
+              </a:xfrm>
+              <a:prstGeom prst="rect">
+                <a:avLst/>
+              </a:prstGeom>
+              <a:noFill/>
+            </p:spPr>
+            <p:txBody>
+              <a:bodyPr wrap="square" rtlCol="0">
+                <a:prstTxWarp prst="textArchDown">
+                  <a:avLst/>
+                </a:prstTxWarp>
+                <a:spAutoFit/>
+              </a:bodyPr>
+              <a:lstStyle/>
+              <a:p>
+                <a:pPr algn="ctr"/>
+                <a:r>
+                  <a:rPr lang="en-US" sz="1400" dirty="0">
+                    <a:solidFill>
+                      <a:schemeClr val="bg1"/>
+                    </a:solidFill>
+                  </a:rPr>
+                  <a:t>Systems and</a:t>
+                </a:r>
+              </a:p>
+              <a:p>
+                <a:pPr algn="ctr"/>
+                <a:r>
+                  <a:rPr lang="en-US" sz="1400" dirty="0">
+                    <a:solidFill>
+                      <a:schemeClr val="bg1"/>
+                    </a:solidFill>
+                  </a:rPr>
+                  <a:t> services</a:t>
+                </a:r>
+              </a:p>
+            </p:txBody>
+          </p:sp>
+        </p:grpSp>
+        <p:grpSp>
+          <p:nvGrpSpPr>
+            <p:cNvPr id="86" name="Family structure and dynamics">
+              <a:extLst>
+                <a:ext uri="{FF2B5EF4-FFF2-40B4-BE49-F238E27FC236}">
+                  <a16:creationId xmlns:a16="http://schemas.microsoft.com/office/drawing/2014/main" id="{98E9CAD0-B091-2159-F788-ABB94C16EAD2}"/>
+                </a:ext>
+              </a:extLst>
+            </p:cNvPr>
+            <p:cNvGrpSpPr/>
+            <p:nvPr/>
+          </p:nvGrpSpPr>
+          <p:grpSpPr>
+            <a:xfrm>
+              <a:off x="2224099" y="3716639"/>
+              <a:ext cx="3054076" cy="1980682"/>
+              <a:chOff x="3595700" y="3526139"/>
+              <a:chExt cx="3054076" cy="1980682"/>
+            </a:xfrm>
+          </p:grpSpPr>
+          <p:sp>
+            <p:nvSpPr>
+              <p:cNvPr id="56" name="Freeform: Shape 55">
+                <a:extLst>
+                  <a:ext uri="{FF2B5EF4-FFF2-40B4-BE49-F238E27FC236}">
+                    <a16:creationId xmlns:a16="http://schemas.microsoft.com/office/drawing/2014/main" id="{9C2F0560-A09B-0D7B-735D-4DB66C006D96}"/>
+                  </a:ext>
+                </a:extLst>
+              </p:cNvPr>
+              <p:cNvSpPr/>
+              <p:nvPr/>
+            </p:nvSpPr>
+            <p:spPr>
+              <a:xfrm rot="19200000">
+                <a:off x="3713414" y="3526139"/>
+                <a:ext cx="2936362" cy="1980682"/>
+              </a:xfrm>
+              <a:custGeom>
+                <a:avLst/>
+                <a:gdLst>
+                  <a:gd name="connsiteX0" fmla="*/ 2537193 w 2537193"/>
+                  <a:gd name="connsiteY0" fmla="*/ 440188 h 1711428"/>
+                  <a:gd name="connsiteX1" fmla="*/ 335341 w 2537193"/>
+                  <a:gd name="connsiteY1" fmla="*/ 1711428 h 1711428"/>
+                  <a:gd name="connsiteX2" fmla="*/ 282537 w 2537193"/>
+                  <a:gd name="connsiteY2" fmla="*/ 1619589 h 1711428"/>
+                  <a:gd name="connsiteX3" fmla="*/ 13972 w 2537193"/>
+                  <a:gd name="connsiteY3" fmla="*/ 174667 h 1711428"/>
+                  <a:gd name="connsiteX4" fmla="*/ 40764 w 2537193"/>
+                  <a:gd name="connsiteY4" fmla="*/ 0 h 1711428"/>
+                  <a:gd name="connsiteX5" fmla="*/ 2537193 w 2537193"/>
+                  <a:gd name="connsiteY5" fmla="*/ 440188 h 1711428"/>
+                </a:gdLst>
+                <a:ahLst/>
+                <a:cxnLst>
+                  <a:cxn ang="0">
+                    <a:pos x="connsiteX0" y="connsiteY0"/>
+                  </a:cxn>
+                  <a:cxn ang="0">
+                    <a:pos x="connsiteX1" y="connsiteY1"/>
+                  </a:cxn>
+                  <a:cxn ang="0">
+                    <a:pos x="connsiteX2" y="connsiteY2"/>
+                  </a:cxn>
+                  <a:cxn ang="0">
+                    <a:pos x="connsiteX3" y="connsiteY3"/>
+                  </a:cxn>
+                  <a:cxn ang="0">
+                    <a:pos x="connsiteX4" y="connsiteY4"/>
+                  </a:cxn>
+                  <a:cxn ang="0">
+                    <a:pos x="connsiteX5" y="connsiteY5"/>
+                  </a:cxn>
+                </a:cxnLst>
+                <a:rect l="l" t="t" r="r" b="b"/>
+                <a:pathLst>
+                  <a:path w="2537193" h="1711428">
+                    <a:moveTo>
+                      <a:pt x="2537193" y="440188"/>
+                    </a:moveTo>
+                    <a:lnTo>
+                      <a:pt x="335341" y="1711428"/>
+                    </a:lnTo>
+                    <a:lnTo>
+                      <a:pt x="282537" y="1619589"/>
+                    </a:lnTo>
+                    <a:cubicBezTo>
+                      <a:pt x="53861" y="1172204"/>
+                      <a:pt x="-37579" y="668651"/>
+                      <a:pt x="13972" y="174667"/>
+                    </a:cubicBezTo>
+                    <a:lnTo>
+                      <a:pt x="40764" y="0"/>
+                    </a:lnTo>
+                    <a:lnTo>
+                      <a:pt x="2537193" y="440188"/>
+                    </a:lnTo>
+                    <a:close/>
+                  </a:path>
+                </a:pathLst>
+              </a:custGeom>
+              <a:solidFill>
+                <a:srgbClr val="6821A8"/>
+              </a:solidFill>
+              <a:ln>
+                <a:noFill/>
+              </a:ln>
+            </p:spPr>
+            <p:style>
+              <a:lnRef idx="2">
+                <a:schemeClr val="accent1">
+                  <a:shade val="50000"/>
+                </a:schemeClr>
+              </a:lnRef>
+              <a:fillRef idx="1">
+                <a:schemeClr val="accent1"/>
+              </a:fillRef>
+              <a:effectRef idx="0">
+                <a:schemeClr val="accent1"/>
+              </a:effectRef>
+              <a:fontRef idx="minor">
+                <a:schemeClr val="lt1"/>
+              </a:fontRef>
+            </p:style>
+            <p:txBody>
+              <a:bodyPr wrap="square" rtlCol="0" anchor="ctr">
+                <a:noAutofit/>
+              </a:bodyPr>
+              <a:lstStyle/>
+              <a:p>
+                <a:pPr algn="ctr"/>
+                <a:endParaRPr lang="en-US" sz="1400"/>
+              </a:p>
+            </p:txBody>
+          </p:sp>
+          <p:sp>
+            <p:nvSpPr>
+              <p:cNvPr id="59" name="TextBox 58">
+                <a:extLst>
+                  <a:ext uri="{FF2B5EF4-FFF2-40B4-BE49-F238E27FC236}">
+                    <a16:creationId xmlns:a16="http://schemas.microsoft.com/office/drawing/2014/main" id="{F2480180-D32D-141F-A500-82E1FCC09A3A}"/>
+                  </a:ext>
+                </a:extLst>
+              </p:cNvPr>
+              <p:cNvSpPr txBox="1"/>
+              <p:nvPr/>
+            </p:nvSpPr>
+            <p:spPr>
+              <a:xfrm rot="2545480">
+                <a:off x="3595700" y="4560696"/>
+                <a:ext cx="2029521" cy="588972"/>
+              </a:xfrm>
+              <a:prstGeom prst="rect">
+                <a:avLst/>
+              </a:prstGeom>
+              <a:noFill/>
+            </p:spPr>
+            <p:txBody>
+              <a:bodyPr wrap="square" rtlCol="0">
+                <a:prstTxWarp prst="textArchDown">
+                  <a:avLst/>
+                </a:prstTxWarp>
+                <a:spAutoFit/>
+              </a:bodyPr>
+              <a:lstStyle/>
+              <a:p>
+                <a:pPr algn="ctr"/>
+                <a:r>
+                  <a:rPr lang="en-US" sz="1400" dirty="0">
+                    <a:solidFill>
+                      <a:schemeClr val="bg1"/>
+                    </a:solidFill>
+                  </a:rPr>
+                  <a:t>Family structure</a:t>
+                </a:r>
+              </a:p>
+              <a:p>
+                <a:pPr algn="ctr"/>
+                <a:r>
+                  <a:rPr lang="en-US" sz="1400" dirty="0">
+                    <a:solidFill>
+                      <a:schemeClr val="bg1"/>
+                    </a:solidFill>
+                  </a:rPr>
+                  <a:t> and dynamics</a:t>
+                </a:r>
+              </a:p>
+            </p:txBody>
+          </p:sp>
+        </p:grpSp>
+        <p:grpSp>
+          <p:nvGrpSpPr>
+            <p:cNvPr id="85" name="Norms and rights">
+              <a:extLst>
+                <a:ext uri="{FF2B5EF4-FFF2-40B4-BE49-F238E27FC236}">
+                  <a16:creationId xmlns:a16="http://schemas.microsoft.com/office/drawing/2014/main" id="{7D1D163F-6C75-CD67-1093-E5844E9A3C50}"/>
+                </a:ext>
+              </a:extLst>
+            </p:cNvPr>
+            <p:cNvGrpSpPr/>
+            <p:nvPr/>
+          </p:nvGrpSpPr>
+          <p:grpSpPr>
+            <a:xfrm>
+              <a:off x="3564621" y="400406"/>
+              <a:ext cx="2948880" cy="2280637"/>
+              <a:chOff x="4936222" y="209905"/>
+              <a:chExt cx="2948880" cy="2280637"/>
+            </a:xfrm>
+          </p:grpSpPr>
+          <p:sp>
+            <p:nvSpPr>
+              <p:cNvPr id="48" name="Freeform: Shape 47">
+                <a:extLst>
+                  <a:ext uri="{FF2B5EF4-FFF2-40B4-BE49-F238E27FC236}">
+                    <a16:creationId xmlns:a16="http://schemas.microsoft.com/office/drawing/2014/main" id="{B03E4561-EDB2-EB87-9DE2-6CBC398AE567}"/>
+                  </a:ext>
+                </a:extLst>
+              </p:cNvPr>
+              <p:cNvSpPr/>
+              <p:nvPr/>
+            </p:nvSpPr>
+            <p:spPr>
+              <a:xfrm rot="19200000">
+                <a:off x="4936222" y="209905"/>
+                <a:ext cx="2948880" cy="2280637"/>
+              </a:xfrm>
+              <a:custGeom>
+                <a:avLst/>
+                <a:gdLst>
+                  <a:gd name="connsiteX0" fmla="*/ 1669482 w 2548008"/>
+                  <a:gd name="connsiteY0" fmla="*/ 12065 h 1970606"/>
+                  <a:gd name="connsiteX1" fmla="*/ 2547483 w 2548008"/>
+                  <a:gd name="connsiteY1" fmla="*/ 1517456 h 1970606"/>
+                  <a:gd name="connsiteX2" fmla="*/ 2548008 w 2548008"/>
+                  <a:gd name="connsiteY2" fmla="*/ 1521324 h 1970606"/>
+                  <a:gd name="connsiteX3" fmla="*/ 0 w 2548008"/>
+                  <a:gd name="connsiteY3" fmla="*/ 1970606 h 1970606"/>
+                  <a:gd name="connsiteX4" fmla="*/ 1653535 w 2548008"/>
+                  <a:gd name="connsiteY4" fmla="*/ 0 h 1970606"/>
+                  <a:gd name="connsiteX5" fmla="*/ 1669482 w 2548008"/>
+                  <a:gd name="connsiteY5" fmla="*/ 12065 h 1970606"/>
+                </a:gdLst>
+                <a:ahLst/>
+                <a:cxnLst>
+                  <a:cxn ang="0">
+                    <a:pos x="connsiteX0" y="connsiteY0"/>
+                  </a:cxn>
+                  <a:cxn ang="0">
+                    <a:pos x="connsiteX1" y="connsiteY1"/>
+                  </a:cxn>
+                  <a:cxn ang="0">
+                    <a:pos x="connsiteX2" y="connsiteY2"/>
+                  </a:cxn>
+                  <a:cxn ang="0">
+                    <a:pos x="connsiteX3" y="connsiteY3"/>
+                  </a:cxn>
+                  <a:cxn ang="0">
+                    <a:pos x="connsiteX4" y="connsiteY4"/>
+                  </a:cxn>
+                  <a:cxn ang="0">
+                    <a:pos x="connsiteX5" y="connsiteY5"/>
+                  </a:cxn>
+                </a:cxnLst>
+                <a:rect l="l" t="t" r="r" b="b"/>
+                <a:pathLst>
+                  <a:path w="2548008" h="1970606">
+                    <a:moveTo>
+                      <a:pt x="1669482" y="12065"/>
+                    </a:moveTo>
+                    <a:cubicBezTo>
+                      <a:pt x="2146770" y="412557"/>
+                      <a:pt x="2442481" y="949151"/>
+                      <a:pt x="2547483" y="1517456"/>
+                    </a:cubicBezTo>
+                    <a:lnTo>
+                      <a:pt x="2548008" y="1521324"/>
+                    </a:lnTo>
+                    <a:lnTo>
+                      <a:pt x="0" y="1970606"/>
+                    </a:lnTo>
+                    <a:lnTo>
+                      <a:pt x="1653535" y="0"/>
+                    </a:lnTo>
+                    <a:lnTo>
+                      <a:pt x="1669482" y="12065"/>
+                    </a:lnTo>
+                    <a:close/>
+                  </a:path>
+                </a:pathLst>
+              </a:custGeom>
+              <a:solidFill>
+                <a:srgbClr val="FCA208"/>
+              </a:solidFill>
+              <a:ln>
+                <a:noFill/>
+              </a:ln>
+            </p:spPr>
+            <p:style>
+              <a:lnRef idx="2">
+                <a:schemeClr val="accent1">
+                  <a:shade val="50000"/>
+                </a:schemeClr>
+              </a:lnRef>
+              <a:fillRef idx="1">
+                <a:schemeClr val="accent1"/>
+              </a:fillRef>
+              <a:effectRef idx="0">
+                <a:schemeClr val="accent1"/>
+              </a:effectRef>
+              <a:fontRef idx="minor">
+                <a:schemeClr val="lt1"/>
+              </a:fontRef>
+            </p:style>
+            <p:txBody>
+              <a:bodyPr wrap="square" rtlCol="0" anchor="ctr">
+                <a:noAutofit/>
+              </a:bodyPr>
+              <a:lstStyle/>
+              <a:p>
+                <a:pPr algn="ctr"/>
+                <a:endParaRPr lang="en-US" sz="1400"/>
+              </a:p>
+            </p:txBody>
+          </p:sp>
+          <p:sp>
+            <p:nvSpPr>
+              <p:cNvPr id="61" name="TextBox 60">
+                <a:extLst>
+                  <a:ext uri="{FF2B5EF4-FFF2-40B4-BE49-F238E27FC236}">
+                    <a16:creationId xmlns:a16="http://schemas.microsoft.com/office/drawing/2014/main" id="{DE301583-544D-E759-4AAF-2D9067479927}"/>
+                  </a:ext>
+                </a:extLst>
+              </p:cNvPr>
+              <p:cNvSpPr txBox="1"/>
+              <p:nvPr/>
+            </p:nvSpPr>
+            <p:spPr>
+              <a:xfrm rot="1334448">
+                <a:off x="5726836" y="984569"/>
+                <a:ext cx="2029521" cy="588972"/>
+              </a:xfrm>
+              <a:prstGeom prst="rect">
+                <a:avLst/>
+              </a:prstGeom>
+              <a:noFill/>
+            </p:spPr>
+            <p:txBody>
+              <a:bodyPr wrap="square" rtlCol="0">
+                <a:prstTxWarp prst="textArchUp">
+                  <a:avLst/>
+                </a:prstTxWarp>
+                <a:spAutoFit/>
+              </a:bodyPr>
+              <a:lstStyle/>
+              <a:p>
+                <a:pPr algn="ctr"/>
+                <a:r>
+                  <a:rPr lang="en-US" sz="1400" dirty="0">
+                    <a:solidFill>
+                      <a:schemeClr val="bg1"/>
+                    </a:solidFill>
+                  </a:rPr>
+                  <a:t>Norms and</a:t>
+                </a:r>
+              </a:p>
+              <a:p>
+                <a:pPr algn="ctr"/>
+                <a:r>
+                  <a:rPr lang="en-US" sz="1400" dirty="0">
+                    <a:solidFill>
+                      <a:schemeClr val="bg1"/>
+                    </a:solidFill>
+                  </a:rPr>
+                  <a:t> rights</a:t>
+                </a:r>
+              </a:p>
+            </p:txBody>
+          </p:sp>
+        </p:grpSp>
+        <p:grpSp>
+          <p:nvGrpSpPr>
+            <p:cNvPr id="84" name="Geographic and physical environment">
+              <a:extLst>
+                <a:ext uri="{FF2B5EF4-FFF2-40B4-BE49-F238E27FC236}">
+                  <a16:creationId xmlns:a16="http://schemas.microsoft.com/office/drawing/2014/main" id="{299AA849-32EA-78BC-278B-4C38EFC10012}"/>
+                </a:ext>
+              </a:extLst>
+            </p:cNvPr>
+            <p:cNvGrpSpPr/>
+            <p:nvPr/>
+          </p:nvGrpSpPr>
+          <p:grpSpPr>
+            <a:xfrm>
+              <a:off x="2948276" y="135995"/>
+              <a:ext cx="2425069" cy="2964093"/>
+              <a:chOff x="4319876" y="-54506"/>
+              <a:chExt cx="2425069" cy="2964093"/>
+            </a:xfrm>
+          </p:grpSpPr>
+          <p:sp>
+            <p:nvSpPr>
+              <p:cNvPr id="49" name="Freeform: Shape 48">
+                <a:extLst>
+                  <a:ext uri="{FF2B5EF4-FFF2-40B4-BE49-F238E27FC236}">
+                    <a16:creationId xmlns:a16="http://schemas.microsoft.com/office/drawing/2014/main" id="{D61020EA-C40E-C51C-541D-87A8E19FA64E}"/>
+                  </a:ext>
+                </a:extLst>
+              </p:cNvPr>
+              <p:cNvSpPr/>
+              <p:nvPr/>
+            </p:nvSpPr>
+            <p:spPr>
+              <a:xfrm rot="19200000">
+                <a:off x="4826522" y="-54506"/>
+                <a:ext cx="1918423" cy="2964093"/>
+              </a:xfrm>
+              <a:custGeom>
+                <a:avLst/>
+                <a:gdLst>
+                  <a:gd name="connsiteX0" fmla="*/ 1657632 w 1657632"/>
+                  <a:gd name="connsiteY0" fmla="*/ 585664 h 2561153"/>
+                  <a:gd name="connsiteX1" fmla="*/ 0 w 1657632"/>
+                  <a:gd name="connsiteY1" fmla="*/ 2561153 h 2561153"/>
+                  <a:gd name="connsiteX2" fmla="*/ 0 w 1657632"/>
+                  <a:gd name="connsiteY2" fmla="*/ 1817 h 2561153"/>
+                  <a:gd name="connsiteX3" fmla="*/ 45897 w 1657632"/>
+                  <a:gd name="connsiteY3" fmla="*/ 0 h 2561153"/>
+                  <a:gd name="connsiteX4" fmla="*/ 1470358 w 1657632"/>
+                  <a:gd name="connsiteY4" fmla="*/ 443982 h 2561153"/>
+                  <a:gd name="connsiteX5" fmla="*/ 1657632 w 1657632"/>
+                  <a:gd name="connsiteY5" fmla="*/ 585664 h 2561153"/>
+                </a:gdLst>
+                <a:ahLst/>
+                <a:cxnLst>
+                  <a:cxn ang="0">
+                    <a:pos x="connsiteX0" y="connsiteY0"/>
+                  </a:cxn>
+                  <a:cxn ang="0">
+                    <a:pos x="connsiteX1" y="connsiteY1"/>
+                  </a:cxn>
+                  <a:cxn ang="0">
+                    <a:pos x="connsiteX2" y="connsiteY2"/>
+                  </a:cxn>
+                  <a:cxn ang="0">
+                    <a:pos x="connsiteX3" y="connsiteY3"/>
+                  </a:cxn>
+                  <a:cxn ang="0">
+                    <a:pos x="connsiteX4" y="connsiteY4"/>
+                  </a:cxn>
+                  <a:cxn ang="0">
+                    <a:pos x="connsiteX5" y="connsiteY5"/>
+                  </a:cxn>
+                </a:cxnLst>
+                <a:rect l="l" t="t" r="r" b="b"/>
+                <a:pathLst>
+                  <a:path w="1657632" h="2561153">
+                    <a:moveTo>
+                      <a:pt x="1657632" y="585664"/>
+                    </a:moveTo>
+                    <a:lnTo>
+                      <a:pt x="0" y="2561153"/>
+                    </a:lnTo>
+                    <a:lnTo>
+                      <a:pt x="0" y="1817"/>
+                    </a:lnTo>
+                    <a:lnTo>
+                      <a:pt x="45897" y="0"/>
+                    </a:lnTo>
+                    <a:cubicBezTo>
+                      <a:pt x="541245" y="4047"/>
+                      <a:pt x="1037978" y="150123"/>
+                      <a:pt x="1470358" y="443982"/>
+                    </a:cubicBezTo>
+                    <a:lnTo>
+                      <a:pt x="1657632" y="585664"/>
+                    </a:lnTo>
+                    <a:close/>
+                  </a:path>
+                </a:pathLst>
+              </a:custGeom>
+              <a:solidFill>
+                <a:srgbClr val="66CB5E"/>
+              </a:solidFill>
+              <a:ln>
+                <a:noFill/>
+              </a:ln>
+            </p:spPr>
+            <p:style>
+              <a:lnRef idx="2">
+                <a:schemeClr val="accent1">
+                  <a:shade val="50000"/>
+                </a:schemeClr>
+              </a:lnRef>
+              <a:fillRef idx="1">
+                <a:schemeClr val="accent1"/>
+              </a:fillRef>
+              <a:effectRef idx="0">
+                <a:schemeClr val="accent1"/>
+              </a:effectRef>
+              <a:fontRef idx="minor">
+                <a:schemeClr val="lt1"/>
+              </a:fontRef>
+            </p:style>
+            <p:txBody>
+              <a:bodyPr wrap="square" rtlCol="0" anchor="ctr">
+                <a:noAutofit/>
+              </a:bodyPr>
+              <a:lstStyle/>
+              <a:p>
+                <a:pPr algn="ctr"/>
+                <a:endParaRPr lang="en-US" sz="1400">
+                  <a:solidFill>
+                    <a:schemeClr val="bg1"/>
+                  </a:solidFill>
+                </a:endParaRPr>
+              </a:p>
+            </p:txBody>
+          </p:sp>
+          <p:sp>
+            <p:nvSpPr>
+              <p:cNvPr id="62" name="TextBox 61">
+                <a:extLst>
+                  <a:ext uri="{FF2B5EF4-FFF2-40B4-BE49-F238E27FC236}">
+                    <a16:creationId xmlns:a16="http://schemas.microsoft.com/office/drawing/2014/main" id="{69774803-D8FA-FB35-FE18-FAC59780211C}"/>
+                  </a:ext>
+                </a:extLst>
+              </p:cNvPr>
+              <p:cNvSpPr txBox="1"/>
+              <p:nvPr/>
+            </p:nvSpPr>
+            <p:spPr>
+              <a:xfrm rot="20309908">
+                <a:off x="4319876" y="934255"/>
+                <a:ext cx="2029521" cy="588972"/>
+              </a:xfrm>
+              <a:prstGeom prst="rect">
+                <a:avLst/>
+              </a:prstGeom>
+              <a:noFill/>
+            </p:spPr>
+            <p:txBody>
+              <a:bodyPr wrap="square" rtlCol="0">
+                <a:prstTxWarp prst="textArchUp">
+                  <a:avLst/>
+                </a:prstTxWarp>
+                <a:spAutoFit/>
+              </a:bodyPr>
+              <a:lstStyle/>
+              <a:p>
+                <a:pPr algn="ctr"/>
+                <a:r>
+                  <a:rPr lang="en-US" sz="1400" dirty="0">
+                    <a:solidFill>
+                      <a:schemeClr val="bg1"/>
+                    </a:solidFill>
+                  </a:rPr>
+                  <a:t>Geographic &amp; physical</a:t>
+                </a:r>
+              </a:p>
+              <a:p>
+                <a:pPr algn="ctr"/>
+                <a:r>
+                  <a:rPr lang="en-US" sz="1400" dirty="0">
+                    <a:solidFill>
+                      <a:schemeClr val="bg1"/>
+                    </a:solidFill>
+                  </a:rPr>
+                  <a:t> environment</a:t>
+                </a:r>
+              </a:p>
+            </p:txBody>
+          </p:sp>
+        </p:grpSp>
+        <p:grpSp>
+          <p:nvGrpSpPr>
+            <p:cNvPr id="83" name="Climate change">
+              <a:extLst>
+                <a:ext uri="{FF2B5EF4-FFF2-40B4-BE49-F238E27FC236}">
+                  <a16:creationId xmlns:a16="http://schemas.microsoft.com/office/drawing/2014/main" id="{AAE98D02-997F-1A44-BEDE-20FD3032F862}"/>
+                </a:ext>
+              </a:extLst>
+            </p:cNvPr>
+            <p:cNvGrpSpPr/>
+            <p:nvPr/>
+          </p:nvGrpSpPr>
+          <p:grpSpPr>
+            <a:xfrm>
+              <a:off x="2002728" y="1340194"/>
+              <a:ext cx="1889079" cy="2986781"/>
+              <a:chOff x="3374328" y="1149693"/>
+              <a:chExt cx="1889079" cy="2986781"/>
+            </a:xfrm>
+          </p:grpSpPr>
+          <p:sp>
+            <p:nvSpPr>
+              <p:cNvPr id="51" name="Freeform: Shape 50">
+                <a:extLst>
+                  <a:ext uri="{FF2B5EF4-FFF2-40B4-BE49-F238E27FC236}">
+                    <a16:creationId xmlns:a16="http://schemas.microsoft.com/office/drawing/2014/main" id="{CBA12920-937B-D9AD-5BE1-53F3496FAEF8}"/>
+                  </a:ext>
+                </a:extLst>
+              </p:cNvPr>
+              <p:cNvSpPr/>
+              <p:nvPr/>
+            </p:nvSpPr>
+            <p:spPr>
+              <a:xfrm rot="19200000">
+                <a:off x="3374328" y="1178672"/>
+                <a:ext cx="1889079" cy="2957802"/>
+              </a:xfrm>
+              <a:custGeom>
+                <a:avLst/>
+                <a:gdLst>
+                  <a:gd name="connsiteX0" fmla="*/ 1632277 w 1632277"/>
+                  <a:gd name="connsiteY0" fmla="*/ 0 h 2555717"/>
+                  <a:gd name="connsiteX1" fmla="*/ 1632277 w 1632277"/>
+                  <a:gd name="connsiteY1" fmla="*/ 2555717 h 2555717"/>
+                  <a:gd name="connsiteX2" fmla="*/ 0 w 1632277"/>
+                  <a:gd name="connsiteY2" fmla="*/ 610446 h 2555717"/>
+                  <a:gd name="connsiteX3" fmla="*/ 63652 w 1632277"/>
+                  <a:gd name="connsiteY3" fmla="*/ 554482 h 2555717"/>
+                  <a:gd name="connsiteX4" fmla="*/ 1440065 w 1632277"/>
+                  <a:gd name="connsiteY4" fmla="*/ 7607 h 2555717"/>
+                  <a:gd name="connsiteX5" fmla="*/ 1632277 w 1632277"/>
+                  <a:gd name="connsiteY5" fmla="*/ 0 h 2555717"/>
+                </a:gdLst>
+                <a:ahLst/>
+                <a:cxnLst>
+                  <a:cxn ang="0">
+                    <a:pos x="connsiteX0" y="connsiteY0"/>
+                  </a:cxn>
+                  <a:cxn ang="0">
+                    <a:pos x="connsiteX1" y="connsiteY1"/>
+                  </a:cxn>
+                  <a:cxn ang="0">
+                    <a:pos x="connsiteX2" y="connsiteY2"/>
+                  </a:cxn>
+                  <a:cxn ang="0">
+                    <a:pos x="connsiteX3" y="connsiteY3"/>
+                  </a:cxn>
+                  <a:cxn ang="0">
+                    <a:pos x="connsiteX4" y="connsiteY4"/>
+                  </a:cxn>
+                  <a:cxn ang="0">
+                    <a:pos x="connsiteX5" y="connsiteY5"/>
+                  </a:cxn>
+                </a:cxnLst>
+                <a:rect l="l" t="t" r="r" b="b"/>
+                <a:pathLst>
+                  <a:path w="1632277" h="2555717">
+                    <a:moveTo>
+                      <a:pt x="1632277" y="0"/>
+                    </a:moveTo>
+                    <a:lnTo>
+                      <a:pt x="1632277" y="2555717"/>
+                    </a:lnTo>
+                    <a:lnTo>
+                      <a:pt x="0" y="610446"/>
+                    </a:lnTo>
+                    <a:lnTo>
+                      <a:pt x="63652" y="554482"/>
+                    </a:lnTo>
+                    <a:cubicBezTo>
+                      <a:pt x="466289" y="234953"/>
+                      <a:pt x="947005" y="50744"/>
+                      <a:pt x="1440065" y="7607"/>
+                    </a:cubicBezTo>
+                    <a:lnTo>
+                      <a:pt x="1632277" y="0"/>
+                    </a:lnTo>
+                    <a:close/>
+                  </a:path>
+                </a:pathLst>
+              </a:custGeom>
+              <a:solidFill>
+                <a:srgbClr val="21A684"/>
+              </a:solidFill>
+              <a:ln>
+                <a:noFill/>
+              </a:ln>
+            </p:spPr>
+            <p:style>
+              <a:lnRef idx="2">
+                <a:schemeClr val="accent1">
+                  <a:shade val="50000"/>
+                </a:schemeClr>
+              </a:lnRef>
+              <a:fillRef idx="1">
+                <a:schemeClr val="accent1"/>
+              </a:fillRef>
+              <a:effectRef idx="0">
+                <a:schemeClr val="accent1"/>
+              </a:effectRef>
+              <a:fontRef idx="minor">
+                <a:schemeClr val="lt1"/>
+              </a:fontRef>
+            </p:style>
+            <p:txBody>
+              <a:bodyPr wrap="square" rtlCol="0" anchor="ctr">
+                <a:noAutofit/>
+              </a:bodyPr>
+              <a:lstStyle/>
+              <a:p>
+                <a:pPr algn="ctr"/>
+                <a:endParaRPr lang="en-US" sz="1400">
+                  <a:solidFill>
+                    <a:schemeClr val="bg1"/>
+                  </a:solidFill>
+                </a:endParaRPr>
+              </a:p>
+            </p:txBody>
+          </p:sp>
+          <p:sp>
+            <p:nvSpPr>
+              <p:cNvPr id="63" name="TextBox 62">
+                <a:extLst>
+                  <a:ext uri="{FF2B5EF4-FFF2-40B4-BE49-F238E27FC236}">
+                    <a16:creationId xmlns:a16="http://schemas.microsoft.com/office/drawing/2014/main" id="{F47FCA39-C70A-1960-B591-225564834849}"/>
+                  </a:ext>
+                </a:extLst>
+              </p:cNvPr>
+              <p:cNvSpPr txBox="1"/>
+              <p:nvPr/>
+            </p:nvSpPr>
+            <p:spPr>
+              <a:xfrm rot="17823125">
+                <a:off x="3147293" y="1991226"/>
+                <a:ext cx="2029520" cy="346454"/>
+              </a:xfrm>
+              <a:prstGeom prst="rect">
+                <a:avLst/>
+              </a:prstGeom>
+              <a:noFill/>
+            </p:spPr>
+            <p:txBody>
+              <a:bodyPr wrap="square" rtlCol="0">
+                <a:prstTxWarp prst="textArchUp">
+                  <a:avLst/>
+                </a:prstTxWarp>
+                <a:spAutoFit/>
+              </a:bodyPr>
+              <a:lstStyle/>
+              <a:p>
+                <a:pPr algn="ctr"/>
+                <a:r>
+                  <a:rPr lang="en-US" sz="1400" dirty="0">
+                    <a:solidFill>
+                      <a:schemeClr val="bg1"/>
+                    </a:solidFill>
+                  </a:rPr>
+                  <a:t>Climate </a:t>
+                </a:r>
+              </a:p>
+              <a:p>
+                <a:pPr algn="ctr"/>
+                <a:r>
+                  <a:rPr lang="en-US" sz="1400" dirty="0">
+                    <a:solidFill>
+                      <a:schemeClr val="bg1"/>
+                    </a:solidFill>
+                  </a:rPr>
+                  <a:t>change</a:t>
+                </a:r>
+              </a:p>
+            </p:txBody>
+          </p:sp>
+        </p:grpSp>
+        <p:grpSp>
+          <p:nvGrpSpPr>
+            <p:cNvPr id="82" name="Social environment">
+              <a:extLst>
+                <a:ext uri="{FF2B5EF4-FFF2-40B4-BE49-F238E27FC236}">
+                  <a16:creationId xmlns:a16="http://schemas.microsoft.com/office/drawing/2014/main" id="{7843AF88-3BC9-B428-7AD9-C5F7E1249C52}"/>
+                </a:ext>
+              </a:extLst>
+            </p:cNvPr>
+            <p:cNvGrpSpPr/>
+            <p:nvPr/>
+          </p:nvGrpSpPr>
+          <p:grpSpPr>
+            <a:xfrm>
+              <a:off x="1344749" y="2324508"/>
+              <a:ext cx="2891407" cy="2426736"/>
+              <a:chOff x="2716349" y="2134008"/>
+              <a:chExt cx="2891407" cy="2426736"/>
+            </a:xfrm>
+          </p:grpSpPr>
+          <p:sp>
+            <p:nvSpPr>
+              <p:cNvPr id="53" name="Shape - Social Environment">
+                <a:extLst>
+                  <a:ext uri="{FF2B5EF4-FFF2-40B4-BE49-F238E27FC236}">
+                    <a16:creationId xmlns:a16="http://schemas.microsoft.com/office/drawing/2014/main" id="{306BC7FD-CD70-45CF-A1D9-E25683527D54}"/>
+                  </a:ext>
+                </a:extLst>
+              </p:cNvPr>
+              <p:cNvSpPr/>
+              <p:nvPr/>
+            </p:nvSpPr>
+            <p:spPr>
+              <a:xfrm rot="19200000">
+                <a:off x="2716349" y="2134008"/>
+                <a:ext cx="2891407" cy="2253013"/>
+              </a:xfrm>
+              <a:custGeom>
+                <a:avLst/>
+                <a:gdLst>
+                  <a:gd name="connsiteX0" fmla="*/ 864842 w 2498348"/>
+                  <a:gd name="connsiteY0" fmla="*/ 0 h 1946737"/>
+                  <a:gd name="connsiteX1" fmla="*/ 2498348 w 2498348"/>
+                  <a:gd name="connsiteY1" fmla="*/ 1946737 h 1946737"/>
+                  <a:gd name="connsiteX2" fmla="*/ 0 w 2498348"/>
+                  <a:gd name="connsiteY2" fmla="*/ 1506210 h 1946737"/>
+                  <a:gd name="connsiteX3" fmla="*/ 9537 w 2498348"/>
+                  <a:gd name="connsiteY3" fmla="*/ 1444029 h 1946737"/>
+                  <a:gd name="connsiteX4" fmla="*/ 561188 w 2498348"/>
+                  <a:gd name="connsiteY4" fmla="*/ 302419 h 1946737"/>
+                  <a:gd name="connsiteX5" fmla="*/ 740856 w 2498348"/>
+                  <a:gd name="connsiteY5" fmla="*/ 109010 h 1946737"/>
+                  <a:gd name="connsiteX6" fmla="*/ 864842 w 2498348"/>
+                  <a:gd name="connsiteY6" fmla="*/ 0 h 1946737"/>
+                </a:gdLst>
+                <a:ahLst/>
+                <a:cxnLst>
+                  <a:cxn ang="0">
+                    <a:pos x="connsiteX0" y="connsiteY0"/>
+                  </a:cxn>
+                  <a:cxn ang="0">
+                    <a:pos x="connsiteX1" y="connsiteY1"/>
+                  </a:cxn>
+                  <a:cxn ang="0">
+                    <a:pos x="connsiteX2" y="connsiteY2"/>
+                  </a:cxn>
+                  <a:cxn ang="0">
+                    <a:pos x="connsiteX3" y="connsiteY3"/>
+                  </a:cxn>
+                  <a:cxn ang="0">
+                    <a:pos x="connsiteX4" y="connsiteY4"/>
+                  </a:cxn>
+                  <a:cxn ang="0">
+                    <a:pos x="connsiteX5" y="connsiteY5"/>
+                  </a:cxn>
+                  <a:cxn ang="0">
+                    <a:pos x="connsiteX6" y="connsiteY6"/>
+                  </a:cxn>
+                </a:cxnLst>
+                <a:rect l="l" t="t" r="r" b="b"/>
+                <a:pathLst>
+                  <a:path w="2498348" h="1946737">
+                    <a:moveTo>
+                      <a:pt x="864842" y="0"/>
+                    </a:moveTo>
+                    <a:lnTo>
+                      <a:pt x="2498348" y="1946737"/>
+                    </a:lnTo>
+                    <a:lnTo>
+                      <a:pt x="0" y="1506210"/>
+                    </a:lnTo>
+                    <a:lnTo>
+                      <a:pt x="9537" y="1444029"/>
+                    </a:lnTo>
+                    <a:cubicBezTo>
+                      <a:pt x="92348" y="1036557"/>
+                      <a:pt x="275122" y="643339"/>
+                      <a:pt x="561188" y="302419"/>
+                    </a:cubicBezTo>
+                    <a:cubicBezTo>
+                      <a:pt x="618401" y="234235"/>
+                      <a:pt x="678392" y="169757"/>
+                      <a:pt x="740856" y="109010"/>
+                    </a:cubicBezTo>
+                    <a:lnTo>
+                      <a:pt x="864842" y="0"/>
+                    </a:lnTo>
+                    <a:close/>
+                  </a:path>
+                </a:pathLst>
+              </a:custGeom>
+              <a:solidFill>
+                <a:srgbClr val="3F5F7A"/>
+              </a:solidFill>
+              <a:ln>
+                <a:noFill/>
+              </a:ln>
+            </p:spPr>
+            <p:style>
+              <a:lnRef idx="2">
+                <a:schemeClr val="accent1">
+                  <a:shade val="50000"/>
+                </a:schemeClr>
+              </a:lnRef>
+              <a:fillRef idx="1">
+                <a:schemeClr val="accent1"/>
+              </a:fillRef>
+              <a:effectRef idx="0">
+                <a:schemeClr val="accent1"/>
+              </a:effectRef>
+              <a:fontRef idx="minor">
+                <a:schemeClr val="lt1"/>
+              </a:fontRef>
+            </p:style>
+            <p:txBody>
+              <a:bodyPr wrap="square" rtlCol="0" anchor="ctr">
+                <a:noAutofit/>
+              </a:bodyPr>
+              <a:lstStyle/>
+              <a:p>
+                <a:pPr algn="ctr"/>
+                <a:endParaRPr lang="en-US" sz="1400"/>
+              </a:p>
+            </p:txBody>
+          </p:sp>
+          <p:sp>
+            <p:nvSpPr>
+              <p:cNvPr id="64" name="Text- Social Environment">
+                <a:extLst>
+                  <a:ext uri="{FF2B5EF4-FFF2-40B4-BE49-F238E27FC236}">
+                    <a16:creationId xmlns:a16="http://schemas.microsoft.com/office/drawing/2014/main" id="{848A2BE2-18A7-FF8A-6DBD-216C090DB44E}"/>
+                  </a:ext>
+                </a:extLst>
+              </p:cNvPr>
+              <p:cNvSpPr txBox="1"/>
+              <p:nvPr/>
+            </p:nvSpPr>
+            <p:spPr>
+              <a:xfrm rot="15655923">
+                <a:off x="2974676" y="3251498"/>
+                <a:ext cx="2029520" cy="588972"/>
+              </a:xfrm>
+              <a:prstGeom prst="rect">
+                <a:avLst/>
+              </a:prstGeom>
+              <a:noFill/>
+            </p:spPr>
+            <p:txBody>
+              <a:bodyPr wrap="square" rtlCol="0">
+                <a:prstTxWarp prst="textArchUp">
+                  <a:avLst/>
+                </a:prstTxWarp>
+                <a:spAutoFit/>
+              </a:bodyPr>
+              <a:lstStyle/>
+              <a:p>
+                <a:pPr algn="ctr"/>
+                <a:r>
+                  <a:rPr lang="en-US" sz="1400" dirty="0">
+                    <a:solidFill>
+                      <a:schemeClr val="bg1"/>
+                    </a:solidFill>
+                  </a:rPr>
+                  <a:t>Social</a:t>
+                </a:r>
+              </a:p>
+              <a:p>
+                <a:pPr algn="ctr"/>
+                <a:r>
+                  <a:rPr lang="en-US" sz="1400" dirty="0">
+                    <a:solidFill>
+                      <a:schemeClr val="bg1"/>
+                    </a:solidFill>
+                  </a:rPr>
+                  <a:t> environment</a:t>
+                </a:r>
+              </a:p>
+            </p:txBody>
+          </p:sp>
+        </p:grpSp>
+        <p:grpSp>
+          <p:nvGrpSpPr>
+            <p:cNvPr id="81" name="Goverment and political factors">
+              <a:extLst>
+                <a:ext uri="{FF2B5EF4-FFF2-40B4-BE49-F238E27FC236}">
+                  <a16:creationId xmlns:a16="http://schemas.microsoft.com/office/drawing/2014/main" id="{D30D712E-EE6C-C004-CDE7-ABD540C7BE6F}"/>
+                </a:ext>
+              </a:extLst>
+            </p:cNvPr>
+            <p:cNvGrpSpPr/>
+            <p:nvPr/>
+          </p:nvGrpSpPr>
+          <p:grpSpPr>
+            <a:xfrm>
+              <a:off x="5249844" y="2218790"/>
+              <a:ext cx="2596257" cy="2806998"/>
+              <a:chOff x="6621444" y="2028290"/>
+              <a:chExt cx="2596257" cy="2806998"/>
+            </a:xfrm>
+          </p:grpSpPr>
+          <p:sp>
+            <p:nvSpPr>
+              <p:cNvPr id="52" name="Freeform: Shape 51">
+                <a:extLst>
+                  <a:ext uri="{FF2B5EF4-FFF2-40B4-BE49-F238E27FC236}">
+                    <a16:creationId xmlns:a16="http://schemas.microsoft.com/office/drawing/2014/main" id="{C4724E0E-19AA-79A2-C419-480103DED0DE}"/>
+                  </a:ext>
+                </a:extLst>
+              </p:cNvPr>
+              <p:cNvSpPr/>
+              <p:nvPr/>
+            </p:nvSpPr>
+            <p:spPr>
+              <a:xfrm rot="19200000">
+                <a:off x="6621444" y="2028290"/>
+                <a:ext cx="2596257" cy="2806998"/>
+              </a:xfrm>
+              <a:custGeom>
+                <a:avLst/>
+                <a:gdLst>
+                  <a:gd name="connsiteX0" fmla="*/ 2243321 w 2243321"/>
+                  <a:gd name="connsiteY0" fmla="*/ 1295182 h 2425414"/>
+                  <a:gd name="connsiteX1" fmla="*/ 2151597 w 2243321"/>
+                  <a:gd name="connsiteY1" fmla="*/ 1445908 h 2425414"/>
+                  <a:gd name="connsiteX2" fmla="*/ 1992325 w 2243321"/>
+                  <a:gd name="connsiteY2" fmla="*/ 1656432 h 2425414"/>
+                  <a:gd name="connsiteX3" fmla="*/ 963852 w 2243321"/>
+                  <a:gd name="connsiteY3" fmla="*/ 2397940 h 2425414"/>
+                  <a:gd name="connsiteX4" fmla="*/ 882778 w 2243321"/>
+                  <a:gd name="connsiteY4" fmla="*/ 2425414 h 2425414"/>
+                  <a:gd name="connsiteX5" fmla="*/ 0 w 2243321"/>
+                  <a:gd name="connsiteY5" fmla="*/ 0 h 2425414"/>
+                  <a:gd name="connsiteX6" fmla="*/ 2243321 w 2243321"/>
+                  <a:gd name="connsiteY6" fmla="*/ 1295182 h 2425414"/>
+                </a:gdLst>
+                <a:ahLst/>
+                <a:cxnLst>
+                  <a:cxn ang="0">
+                    <a:pos x="connsiteX0" y="connsiteY0"/>
+                  </a:cxn>
+                  <a:cxn ang="0">
+                    <a:pos x="connsiteX1" y="connsiteY1"/>
+                  </a:cxn>
+                  <a:cxn ang="0">
+                    <a:pos x="connsiteX2" y="connsiteY2"/>
+                  </a:cxn>
+                  <a:cxn ang="0">
+                    <a:pos x="connsiteX3" y="connsiteY3"/>
+                  </a:cxn>
+                  <a:cxn ang="0">
+                    <a:pos x="connsiteX4" y="connsiteY4"/>
+                  </a:cxn>
+                  <a:cxn ang="0">
+                    <a:pos x="connsiteX5" y="connsiteY5"/>
+                  </a:cxn>
+                  <a:cxn ang="0">
+                    <a:pos x="connsiteX6" y="connsiteY6"/>
+                  </a:cxn>
+                </a:cxnLst>
+                <a:rect l="l" t="t" r="r" b="b"/>
+                <a:pathLst>
+                  <a:path w="2243321" h="2425414">
+                    <a:moveTo>
+                      <a:pt x="2243321" y="1295182"/>
+                    </a:moveTo>
+                    <a:lnTo>
+                      <a:pt x="2151597" y="1445908"/>
+                    </a:lnTo>
+                    <a:cubicBezTo>
+                      <a:pt x="2102620" y="1517972"/>
+                      <a:pt x="2049539" y="1588248"/>
+                      <a:pt x="1992325" y="1656432"/>
+                    </a:cubicBezTo>
+                    <a:cubicBezTo>
+                      <a:pt x="1706260" y="1997352"/>
+                      <a:pt x="1350754" y="2245630"/>
+                      <a:pt x="963852" y="2397940"/>
+                    </a:cubicBezTo>
+                    <a:lnTo>
+                      <a:pt x="882778" y="2425414"/>
+                    </a:lnTo>
+                    <a:lnTo>
+                      <a:pt x="0" y="0"/>
+                    </a:lnTo>
+                    <a:lnTo>
+                      <a:pt x="2243321" y="1295182"/>
+                    </a:lnTo>
+                    <a:close/>
+                  </a:path>
+                </a:pathLst>
+              </a:custGeom>
+              <a:solidFill>
+                <a:srgbClr val="DF5436"/>
+              </a:solidFill>
+              <a:ln>
+                <a:noFill/>
+              </a:ln>
+            </p:spPr>
+            <p:style>
+              <a:lnRef idx="2">
+                <a:schemeClr val="accent1">
+                  <a:shade val="50000"/>
+                </a:schemeClr>
+              </a:lnRef>
+              <a:fillRef idx="1">
+                <a:schemeClr val="accent1"/>
+              </a:fillRef>
+              <a:effectRef idx="0">
+                <a:schemeClr val="accent1"/>
+              </a:effectRef>
+              <a:fontRef idx="minor">
+                <a:schemeClr val="lt1"/>
+              </a:fontRef>
+            </p:style>
+            <p:txBody>
+              <a:bodyPr wrap="square" rtlCol="0" anchor="ctr">
+                <a:noAutofit/>
+              </a:bodyPr>
+              <a:lstStyle/>
+              <a:p>
+                <a:pPr algn="ctr"/>
+                <a:endParaRPr lang="en-US" sz="1400">
+                  <a:solidFill>
+                    <a:schemeClr val="bg1"/>
+                  </a:solidFill>
+                </a:endParaRPr>
+              </a:p>
+            </p:txBody>
+          </p:sp>
+          <p:sp>
+            <p:nvSpPr>
+              <p:cNvPr id="60" name="TextBox 59">
+                <a:extLst>
+                  <a:ext uri="{FF2B5EF4-FFF2-40B4-BE49-F238E27FC236}">
+                    <a16:creationId xmlns:a16="http://schemas.microsoft.com/office/drawing/2014/main" id="{5A386FF7-9859-42C0-E34C-B0EB0624A588}"/>
+                  </a:ext>
+                </a:extLst>
+              </p:cNvPr>
+              <p:cNvSpPr txBox="1"/>
+              <p:nvPr/>
+            </p:nvSpPr>
+            <p:spPr>
+              <a:xfrm rot="6127233">
+                <a:off x="7077374" y="3289371"/>
+                <a:ext cx="2029520" cy="588972"/>
+              </a:xfrm>
+              <a:prstGeom prst="rect">
+                <a:avLst/>
+              </a:prstGeom>
+              <a:noFill/>
+            </p:spPr>
+            <p:txBody>
+              <a:bodyPr wrap="square" rtlCol="0">
+                <a:prstTxWarp prst="textArchUp">
+                  <a:avLst/>
+                </a:prstTxWarp>
+                <a:spAutoFit/>
+              </a:bodyPr>
+              <a:lstStyle/>
+              <a:p>
+                <a:pPr algn="ctr"/>
+                <a:r>
+                  <a:rPr lang="en-US" sz="1400" dirty="0">
+                    <a:solidFill>
+                      <a:schemeClr val="bg1"/>
+                    </a:solidFill>
+                  </a:rPr>
+                  <a:t>Government and</a:t>
+                </a:r>
+              </a:p>
+              <a:p>
+                <a:pPr algn="ctr"/>
+                <a:r>
+                  <a:rPr lang="en-US" sz="1400" dirty="0">
+                    <a:solidFill>
+                      <a:schemeClr val="bg1"/>
+                    </a:solidFill>
+                  </a:rPr>
+                  <a:t> political factors</a:t>
+                </a:r>
+              </a:p>
+            </p:txBody>
+          </p:sp>
+        </p:grpSp>
         <p:sp>
           <p:nvSpPr>
-            <p:cNvPr id="50" name="Freeform: Shape 49">
+            <p:cNvPr id="65" name="Freeform: Shape 64">
               <a:extLst>
                 <a:ext uri="{FF2B5EF4-FFF2-40B4-BE49-F238E27FC236}">
-                  <a16:creationId xmlns:a16="http://schemas.microsoft.com/office/drawing/2014/main" id="{138BA9CD-D8BC-0AC6-5F75-D0110BB1041A}"/>
+                  <a16:creationId xmlns:a16="http://schemas.microsoft.com/office/drawing/2014/main" id="{9FFB2C9E-1022-9832-092E-AE7028115787}"/>
                 </a:ext>
               </a:extLst>
             </p:cNvPr>
@@ -3134,24 +4880,34 @@
           </p:nvSpPr>
           <p:spPr>
             <a:xfrm rot="19200000">
-              <a:off x="5983956" y="1581763"/>
-              <a:ext cx="2999617" cy="2020041"/>
+              <a:off x="2387687" y="2097853"/>
+              <a:ext cx="2790558" cy="1532568"/>
             </a:xfrm>
             <a:custGeom>
               <a:avLst/>
               <a:gdLst>
-                <a:gd name="connsiteX0" fmla="*/ 2550435 w 2591848"/>
-                <a:gd name="connsiteY0" fmla="*/ 0 h 1745436"/>
-                <a:gd name="connsiteX1" fmla="*/ 2581976 w 2591848"/>
-                <a:gd name="connsiteY1" fmla="*/ 232261 h 1745436"/>
-                <a:gd name="connsiteX2" fmla="*/ 2282421 w 2591848"/>
-                <a:gd name="connsiteY2" fmla="*/ 1682727 h 1745436"/>
-                <a:gd name="connsiteX3" fmla="*/ 2244260 w 2591848"/>
-                <a:gd name="connsiteY3" fmla="*/ 1745436 h 1745436"/>
-                <a:gd name="connsiteX4" fmla="*/ 0 w 2591848"/>
-                <a:gd name="connsiteY4" fmla="*/ 449711 h 1745436"/>
-                <a:gd name="connsiteX5" fmla="*/ 2550435 w 2591848"/>
-                <a:gd name="connsiteY5" fmla="*/ 0 h 1745436"/>
+                <a:gd name="connsiteX0" fmla="*/ 2458737 w 2479025"/>
+                <a:gd name="connsiteY0" fmla="*/ 353740 h 1361475"/>
+                <a:gd name="connsiteX1" fmla="*/ 2479025 w 2479025"/>
+                <a:gd name="connsiteY1" fmla="*/ 372586 h 1361475"/>
+                <a:gd name="connsiteX2" fmla="*/ 2047393 w 2479025"/>
+                <a:gd name="connsiteY2" fmla="*/ 886985 h 1361475"/>
+                <a:gd name="connsiteX3" fmla="*/ 2027105 w 2479025"/>
+                <a:gd name="connsiteY3" fmla="*/ 868139 h 1361475"/>
+                <a:gd name="connsiteX4" fmla="*/ 843203 w 2479025"/>
+                <a:gd name="connsiteY4" fmla="*/ 971717 h 1361475"/>
+                <a:gd name="connsiteX5" fmla="*/ 683535 w 2479025"/>
+                <a:gd name="connsiteY5" fmla="*/ 1264738 h 1361475"/>
+                <a:gd name="connsiteX6" fmla="*/ 663841 w 2479025"/>
+                <a:gd name="connsiteY6" fmla="*/ 1361475 h 1361475"/>
+                <a:gd name="connsiteX7" fmla="*/ 0 w 2479025"/>
+                <a:gd name="connsiteY7" fmla="*/ 1244422 h 1361475"/>
+                <a:gd name="connsiteX8" fmla="*/ 5371 w 2479025"/>
+                <a:gd name="connsiteY8" fmla="*/ 1209413 h 1361475"/>
+                <a:gd name="connsiteX9" fmla="*/ 328804 w 2479025"/>
+                <a:gd name="connsiteY9" fmla="*/ 540085 h 1361475"/>
+                <a:gd name="connsiteX10" fmla="*/ 2458737 w 2479025"/>
+                <a:gd name="connsiteY10" fmla="*/ 353740 h 1361475"/>
               </a:gdLst>
               <a:ahLst/>
               <a:cxnLst>
@@ -3173,215 +4929,72 @@
                 <a:cxn ang="0">
                   <a:pos x="connsiteX5" y="connsiteY5"/>
                 </a:cxn>
+                <a:cxn ang="0">
+                  <a:pos x="connsiteX6" y="connsiteY6"/>
+                </a:cxn>
+                <a:cxn ang="0">
+                  <a:pos x="connsiteX7" y="connsiteY7"/>
+                </a:cxn>
+                <a:cxn ang="0">
+                  <a:pos x="connsiteX8" y="connsiteY8"/>
+                </a:cxn>
+                <a:cxn ang="0">
+                  <a:pos x="connsiteX9" y="connsiteY9"/>
+                </a:cxn>
+                <a:cxn ang="0">
+                  <a:pos x="connsiteX10" y="connsiteY10"/>
+                </a:cxn>
               </a:cxnLst>
               <a:rect l="l" t="t" r="r" b="b"/>
               <a:pathLst>
-                <a:path w="2591848" h="1745436">
+                <a:path w="2479025" h="1361475">
                   <a:moveTo>
-                    <a:pt x="2550435" y="0"/>
+                    <a:pt x="2458737" y="353740"/>
                   </a:moveTo>
                   <a:lnTo>
-                    <a:pt x="2581976" y="232261"/>
+                    <a:pt x="2479025" y="372586"/>
+                  </a:lnTo>
+                  <a:lnTo>
+                    <a:pt x="2047393" y="886985"/>
+                  </a:lnTo>
+                  <a:lnTo>
+                    <a:pt x="2027105" y="868139"/>
                   </a:lnTo>
                   <a:cubicBezTo>
-                    <a:pt x="2625114" y="725320"/>
-                    <a:pt x="2527179" y="1230721"/>
-                    <a:pt x="2282421" y="1682727"/>
+                    <a:pt x="1671577" y="569815"/>
+                    <a:pt x="1141527" y="616189"/>
+                    <a:pt x="843203" y="971717"/>
+                  </a:cubicBezTo>
+                  <a:cubicBezTo>
+                    <a:pt x="768622" y="1060599"/>
+                    <a:pt x="715585" y="1160388"/>
+                    <a:pt x="683535" y="1264738"/>
                   </a:cubicBezTo>
                   <a:lnTo>
-                    <a:pt x="2244260" y="1745436"/>
+                    <a:pt x="663841" y="1361475"/>
                   </a:lnTo>
                   <a:lnTo>
-                    <a:pt x="0" y="449711"/>
+                    <a:pt x="0" y="1244422"/>
                   </a:lnTo>
                   <a:lnTo>
-                    <a:pt x="2550435" y="0"/>
+                    <a:pt x="5371" y="1209413"/>
                   </a:lnTo>
+                  <a:cubicBezTo>
+                    <a:pt x="53923" y="970511"/>
+                    <a:pt x="161083" y="739967"/>
+                    <a:pt x="328804" y="540085"/>
+                  </a:cubicBezTo>
+                  <a:cubicBezTo>
+                    <a:pt x="865511" y="-99538"/>
+                    <a:pt x="1819115" y="-182967"/>
+                    <a:pt x="2458737" y="353740"/>
+                  </a:cubicBezTo>
                   <a:close/>
                 </a:path>
               </a:pathLst>
             </a:custGeom>
             <a:solidFill>
-              <a:srgbClr val="F2761B"/>
-            </a:solidFill>
-            <a:ln>
-              <a:noFill/>
-            </a:ln>
-          </p:spPr>
-          <p:style>
-            <a:lnRef idx="2">
-              <a:schemeClr val="accent1">
-                <a:shade val="50000"/>
-              </a:schemeClr>
-            </a:lnRef>
-            <a:fillRef idx="1">
-              <a:schemeClr val="accent1"/>
-            </a:fillRef>
-            <a:effectRef idx="0">
-              <a:schemeClr val="accent1"/>
-            </a:effectRef>
-            <a:fontRef idx="minor">
-              <a:schemeClr val="lt1"/>
-            </a:fontRef>
-          </p:style>
-          <p:txBody>
-            <a:bodyPr wrap="square" rtlCol="0" anchor="ctr">
-              <a:noAutofit/>
-            </a:bodyPr>
-            <a:lstStyle/>
-            <a:p>
-              <a:pPr algn="ctr"/>
-              <a:endParaRPr lang="en-US" sz="1400" dirty="0"/>
-            </a:p>
-          </p:txBody>
-        </p:sp>
-        <p:sp>
-          <p:nvSpPr>
-            <p:cNvPr id="80" name="TextBox 79">
-              <a:extLst>
-                <a:ext uri="{FF2B5EF4-FFF2-40B4-BE49-F238E27FC236}">
-                  <a16:creationId xmlns:a16="http://schemas.microsoft.com/office/drawing/2014/main" id="{F246EFD2-8C85-56DA-A595-EFB92817611D}"/>
-                </a:ext>
-              </a:extLst>
-            </p:cNvPr>
-            <p:cNvSpPr txBox="1"/>
-            <p:nvPr/>
-          </p:nvSpPr>
-          <p:spPr>
-            <a:xfrm rot="3565425">
-              <a:off x="6854734" y="1880790"/>
-              <a:ext cx="2029520" cy="588972"/>
-            </a:xfrm>
-            <a:prstGeom prst="rect">
-              <a:avLst/>
-            </a:prstGeom>
-            <a:noFill/>
-          </p:spPr>
-          <p:txBody>
-            <a:bodyPr wrap="square" rtlCol="0">
-              <a:prstTxWarp prst="textArchUp">
-                <a:avLst/>
-              </a:prstTxWarp>
-              <a:spAutoFit/>
-            </a:bodyPr>
-            <a:lstStyle/>
-            <a:p>
-              <a:pPr algn="ctr"/>
-              <a:r>
-                <a:rPr lang="en-US" sz="1400" dirty="0">
-                  <a:solidFill>
-                    <a:schemeClr val="bg1"/>
-                  </a:solidFill>
-                </a:rPr>
-                <a:t>Economic factors</a:t>
-              </a:r>
-            </a:p>
-          </p:txBody>
-        </p:sp>
-      </p:grpSp>
-      <p:grpSp>
-        <p:nvGrpSpPr>
-          <p:cNvPr id="88" name="Inequality">
-            <a:extLst>
-              <a:ext uri="{FF2B5EF4-FFF2-40B4-BE49-F238E27FC236}">
-                <a16:creationId xmlns:a16="http://schemas.microsoft.com/office/drawing/2014/main" id="{15FA2DEE-FA7A-0A1D-C92E-3F2A67DAA6CC}"/>
-              </a:ext>
-            </a:extLst>
-          </p:cNvPr>
-          <p:cNvGrpSpPr/>
-          <p:nvPr/>
-        </p:nvGrpSpPr>
-        <p:grpSpPr>
-          <a:xfrm>
-            <a:off x="4590086" y="3041452"/>
-            <a:ext cx="2452936" cy="2977354"/>
-            <a:chOff x="5961687" y="2850952"/>
-            <a:chExt cx="2452936" cy="2977354"/>
-          </a:xfrm>
-        </p:grpSpPr>
-        <p:sp>
-          <p:nvSpPr>
-            <p:cNvPr id="54" name="Freeform: Shape 53">
-              <a:extLst>
-                <a:ext uri="{FF2B5EF4-FFF2-40B4-BE49-F238E27FC236}">
-                  <a16:creationId xmlns:a16="http://schemas.microsoft.com/office/drawing/2014/main" id="{471AA572-7F21-D8C9-1422-0DCD1829D2BA}"/>
-                </a:ext>
-              </a:extLst>
-            </p:cNvPr>
-            <p:cNvSpPr/>
-            <p:nvPr/>
-          </p:nvSpPr>
-          <p:spPr>
-            <a:xfrm rot="19200000">
-              <a:off x="5961687" y="2850952"/>
-              <a:ext cx="2034925" cy="2977354"/>
-            </a:xfrm>
-            <a:custGeom>
-              <a:avLst/>
-              <a:gdLst>
-                <a:gd name="connsiteX0" fmla="*/ 876267 w 1758297"/>
-                <a:gd name="connsiteY0" fmla="*/ 0 h 2572611"/>
-                <a:gd name="connsiteX1" fmla="*/ 1758297 w 1758297"/>
-                <a:gd name="connsiteY1" fmla="*/ 2423359 h 2572611"/>
-                <a:gd name="connsiteX2" fmla="*/ 1612429 w 1758297"/>
-                <a:gd name="connsiteY2" fmla="*/ 2472791 h 2572611"/>
-                <a:gd name="connsiteX3" fmla="*/ 142823 w 1758297"/>
-                <a:gd name="connsiteY3" fmla="*/ 2459213 h 2572611"/>
-                <a:gd name="connsiteX4" fmla="*/ 0 w 1758297"/>
-                <a:gd name="connsiteY4" fmla="*/ 2407521 h 2572611"/>
-                <a:gd name="connsiteX5" fmla="*/ 876267 w 1758297"/>
-                <a:gd name="connsiteY5" fmla="*/ 0 h 2572611"/>
-              </a:gdLst>
-              <a:ahLst/>
-              <a:cxnLst>
-                <a:cxn ang="0">
-                  <a:pos x="connsiteX0" y="connsiteY0"/>
-                </a:cxn>
-                <a:cxn ang="0">
-                  <a:pos x="connsiteX1" y="connsiteY1"/>
-                </a:cxn>
-                <a:cxn ang="0">
-                  <a:pos x="connsiteX2" y="connsiteY2"/>
-                </a:cxn>
-                <a:cxn ang="0">
-                  <a:pos x="connsiteX3" y="connsiteY3"/>
-                </a:cxn>
-                <a:cxn ang="0">
-                  <a:pos x="connsiteX4" y="connsiteY4"/>
-                </a:cxn>
-                <a:cxn ang="0">
-                  <a:pos x="connsiteX5" y="connsiteY5"/>
-                </a:cxn>
-              </a:cxnLst>
-              <a:rect l="l" t="t" r="r" b="b"/>
-              <a:pathLst>
-                <a:path w="1758297" h="2572611">
-                  <a:moveTo>
-                    <a:pt x="876267" y="0"/>
-                  </a:moveTo>
-                  <a:lnTo>
-                    <a:pt x="1758297" y="2423359"/>
-                  </a:lnTo>
-                  <a:lnTo>
-                    <a:pt x="1612429" y="2472791"/>
-                  </a:lnTo>
-                  <a:cubicBezTo>
-                    <a:pt x="1134902" y="2609337"/>
-                    <a:pt x="623121" y="2606728"/>
-                    <a:pt x="142823" y="2459213"/>
-                  </a:cubicBezTo>
-                  <a:lnTo>
-                    <a:pt x="0" y="2407521"/>
-                  </a:lnTo>
-                  <a:lnTo>
-                    <a:pt x="876267" y="0"/>
-                  </a:lnTo>
-                  <a:close/>
-                </a:path>
-              </a:pathLst>
-            </a:custGeom>
-            <a:solidFill>
-              <a:srgbClr val="A52499"/>
+              <a:srgbClr val="349853"/>
             </a:solidFill>
             <a:ln>
               <a:noFill/>
@@ -3416,85 +5029,10 @@
         </p:sp>
         <p:sp>
           <p:nvSpPr>
-            <p:cNvPr id="57" name="TextBox 56">
+            <p:cNvPr id="66" name="Freeform: Shape 65">
               <a:extLst>
                 <a:ext uri="{FF2B5EF4-FFF2-40B4-BE49-F238E27FC236}">
-                  <a16:creationId xmlns:a16="http://schemas.microsoft.com/office/drawing/2014/main" id="{87636759-18A7-D49B-7254-B00151143848}"/>
-                </a:ext>
-              </a:extLst>
-            </p:cNvPr>
-            <p:cNvSpPr txBox="1"/>
-            <p:nvPr/>
-          </p:nvSpPr>
-          <p:spPr>
-            <a:xfrm rot="19020717">
-              <a:off x="6385102" y="4512056"/>
-              <a:ext cx="2029521" cy="588972"/>
-            </a:xfrm>
-            <a:prstGeom prst="rect">
-              <a:avLst/>
-            </a:prstGeom>
-            <a:noFill/>
-          </p:spPr>
-          <p:txBody>
-            <a:bodyPr wrap="square" rtlCol="0">
-              <a:prstTxWarp prst="textArchDown">
-                <a:avLst/>
-              </a:prstTxWarp>
-              <a:spAutoFit/>
-            </a:bodyPr>
-            <a:lstStyle/>
-            <a:p>
-              <a:pPr algn="ctr"/>
-              <a:r>
-                <a:rPr lang="en-US" sz="1400" dirty="0">
-                  <a:solidFill>
-                    <a:schemeClr val="bg1"/>
-                  </a:solidFill>
-                </a:rPr>
-                <a:t>(In)equality &amp; </a:t>
-              </a:r>
-            </a:p>
-            <a:p>
-              <a:pPr algn="ctr"/>
-              <a:r>
-                <a:rPr lang="en-US" sz="1400" dirty="0">
-                  <a:solidFill>
-                    <a:schemeClr val="bg1"/>
-                  </a:solidFill>
-                </a:rPr>
-                <a:t>(in)equity</a:t>
-              </a:r>
-            </a:p>
-          </p:txBody>
-        </p:sp>
-      </p:grpSp>
-      <p:grpSp>
-        <p:nvGrpSpPr>
-          <p:cNvPr id="87" name="Systems and services">
-            <a:extLst>
-              <a:ext uri="{FF2B5EF4-FFF2-40B4-BE49-F238E27FC236}">
-                <a16:creationId xmlns:a16="http://schemas.microsoft.com/office/drawing/2014/main" id="{A157D046-65BC-C867-FA55-F76B53672027}"/>
-              </a:ext>
-            </a:extLst>
-          </p:cNvPr>
-          <p:cNvGrpSpPr/>
-          <p:nvPr/>
-        </p:nvGrpSpPr>
-        <p:grpSpPr>
-          <a:xfrm>
-            <a:off x="3279216" y="3887703"/>
-            <a:ext cx="2552987" cy="2788433"/>
-            <a:chOff x="4650816" y="3697202"/>
-            <a:chExt cx="2552987" cy="2788433"/>
-          </a:xfrm>
-        </p:grpSpPr>
-        <p:sp>
-          <p:nvSpPr>
-            <p:cNvPr id="55" name="Freeform: Shape 54">
-              <a:extLst>
-                <a:ext uri="{FF2B5EF4-FFF2-40B4-BE49-F238E27FC236}">
-                  <a16:creationId xmlns:a16="http://schemas.microsoft.com/office/drawing/2014/main" id="{1A025600-D177-E4D1-027E-A2A694C76EA1}"/>
+                  <a16:creationId xmlns:a16="http://schemas.microsoft.com/office/drawing/2014/main" id="{CABDBD12-81D2-3403-077C-0961BDE37D0D}"/>
                 </a:ext>
               </a:extLst>
             </p:cNvPr>
@@ -3503,26 +5041,34 @@
           </p:nvSpPr>
           <p:spPr>
             <a:xfrm rot="19200000">
-              <a:off x="4650816" y="3697202"/>
-              <a:ext cx="2552987" cy="2788433"/>
+              <a:off x="4818555" y="1426546"/>
+              <a:ext cx="1338540" cy="2859228"/>
             </a:xfrm>
             <a:custGeom>
               <a:avLst/>
               <a:gdLst>
-                <a:gd name="connsiteX0" fmla="*/ 2205932 w 2205932"/>
-                <a:gd name="connsiteY0" fmla="*/ 0 h 2409372"/>
-                <a:gd name="connsiteX1" fmla="*/ 1328992 w 2205932"/>
-                <a:gd name="connsiteY1" fmla="*/ 2409372 h 2409372"/>
-                <a:gd name="connsiteX2" fmla="*/ 1243191 w 2205932"/>
-                <a:gd name="connsiteY2" fmla="*/ 2378317 h 2409372"/>
-                <a:gd name="connsiteX3" fmla="*/ 581271 w 2205932"/>
-                <a:gd name="connsiteY3" fmla="*/ 1974235 h 2409372"/>
-                <a:gd name="connsiteX4" fmla="*/ 68386 w 2205932"/>
-                <a:gd name="connsiteY4" fmla="*/ 1392539 h 2409372"/>
-                <a:gd name="connsiteX5" fmla="*/ 0 w 2205932"/>
-                <a:gd name="connsiteY5" fmla="*/ 1273597 h 2409372"/>
-                <a:gd name="connsiteX6" fmla="*/ 2205932 w 2205932"/>
-                <a:gd name="connsiteY6" fmla="*/ 0 h 2409372"/>
+                <a:gd name="connsiteX0" fmla="*/ 676020 w 1189108"/>
+                <a:gd name="connsiteY0" fmla="*/ 0 h 2540029"/>
+                <a:gd name="connsiteX1" fmla="*/ 762420 w 1189108"/>
+                <a:gd name="connsiteY1" fmla="*/ 80261 h 2540029"/>
+                <a:gd name="connsiteX2" fmla="*/ 835369 w 1189108"/>
+                <a:gd name="connsiteY2" fmla="*/ 2104855 h 2540029"/>
+                <a:gd name="connsiteX3" fmla="*/ 232374 w 1189108"/>
+                <a:gd name="connsiteY3" fmla="*/ 2539602 h 2540029"/>
+                <a:gd name="connsiteX4" fmla="*/ 231117 w 1189108"/>
+                <a:gd name="connsiteY4" fmla="*/ 2540029 h 2540029"/>
+                <a:gd name="connsiteX5" fmla="*/ 0 w 1189108"/>
+                <a:gd name="connsiteY5" fmla="*/ 1905041 h 2540029"/>
+                <a:gd name="connsiteX6" fmla="*/ 60126 w 1189108"/>
+                <a:gd name="connsiteY6" fmla="*/ 1881348 h 2540029"/>
+                <a:gd name="connsiteX7" fmla="*/ 320970 w 1189108"/>
+                <a:gd name="connsiteY7" fmla="*/ 1673223 h 2540029"/>
+                <a:gd name="connsiteX8" fmla="*/ 280422 w 1189108"/>
+                <a:gd name="connsiteY8" fmla="*/ 547873 h 2540029"/>
+                <a:gd name="connsiteX9" fmla="*/ 244388 w 1189108"/>
+                <a:gd name="connsiteY9" fmla="*/ 514399 h 2540029"/>
+                <a:gd name="connsiteX10" fmla="*/ 676020 w 1189108"/>
+                <a:gd name="connsiteY10" fmla="*/ 0 h 2540029"/>
               </a:gdLst>
               <a:ahLst/>
               <a:cxnLst>
@@ -3547,41 +5093,69 @@
                 <a:cxn ang="0">
                   <a:pos x="connsiteX6" y="connsiteY6"/>
                 </a:cxn>
+                <a:cxn ang="0">
+                  <a:pos x="connsiteX7" y="connsiteY7"/>
+                </a:cxn>
+                <a:cxn ang="0">
+                  <a:pos x="connsiteX8" y="connsiteY8"/>
+                </a:cxn>
+                <a:cxn ang="0">
+                  <a:pos x="connsiteX9" y="connsiteY9"/>
+                </a:cxn>
+                <a:cxn ang="0">
+                  <a:pos x="connsiteX10" y="connsiteY10"/>
+                </a:cxn>
               </a:cxnLst>
               <a:rect l="l" t="t" r="r" b="b"/>
               <a:pathLst>
-                <a:path w="2205932" h="2409372">
+                <a:path w="1189108" h="2540029">
                   <a:moveTo>
-                    <a:pt x="2205932" y="0"/>
+                    <a:pt x="676020" y="0"/>
                   </a:moveTo>
                   <a:lnTo>
-                    <a:pt x="1328992" y="2409372"/>
+                    <a:pt x="762420" y="80261"/>
+                  </a:lnTo>
+                  <a:cubicBezTo>
+                    <a:pt x="1296653" y="629603"/>
+                    <a:pt x="1338532" y="1505209"/>
+                    <a:pt x="835369" y="2104855"/>
+                  </a:cubicBezTo>
+                  <a:cubicBezTo>
+                    <a:pt x="667648" y="2304737"/>
+                    <a:pt x="459215" y="2450303"/>
+                    <a:pt x="232374" y="2539602"/>
+                  </a:cubicBezTo>
+                  <a:lnTo>
+                    <a:pt x="231117" y="2540029"/>
                   </a:lnTo>
                   <a:lnTo>
-                    <a:pt x="1243191" y="2378317"/>
+                    <a:pt x="0" y="1905041"/>
+                  </a:lnTo>
+                  <a:lnTo>
+                    <a:pt x="60126" y="1881348"/>
                   </a:lnTo>
                   <a:cubicBezTo>
-                    <a:pt x="1009202" y="2280328"/>
-                    <a:pt x="785823" y="2145874"/>
-                    <a:pt x="581271" y="1974235"/>
+                    <a:pt x="157326" y="1831665"/>
+                    <a:pt x="246389" y="1762105"/>
+                    <a:pt x="320970" y="1673223"/>
                   </a:cubicBezTo>
                   <a:cubicBezTo>
-                    <a:pt x="376719" y="1802595"/>
-                    <a:pt x="205518" y="1605957"/>
-                    <a:pt x="68386" y="1392539"/>
+                    <a:pt x="600649" y="1339915"/>
+                    <a:pt x="577371" y="853219"/>
+                    <a:pt x="280422" y="547873"/>
                   </a:cubicBezTo>
                   <a:lnTo>
-                    <a:pt x="0" y="1273597"/>
+                    <a:pt x="244388" y="514399"/>
                   </a:lnTo>
                   <a:lnTo>
-                    <a:pt x="2205932" y="0"/>
+                    <a:pt x="676020" y="0"/>
                   </a:lnTo>
                   <a:close/>
                 </a:path>
               </a:pathLst>
             </a:custGeom>
             <a:solidFill>
-              <a:srgbClr val="8A23A5"/>
+              <a:srgbClr val="E56A0D"/>
             </a:solidFill>
             <a:ln>
               <a:noFill/>
@@ -3616,85 +5190,10 @@
         </p:sp>
         <p:sp>
           <p:nvSpPr>
-            <p:cNvPr id="58" name="TextBox 57">
+            <p:cNvPr id="67" name="Freeform: Shape 66">
               <a:extLst>
                 <a:ext uri="{FF2B5EF4-FFF2-40B4-BE49-F238E27FC236}">
-                  <a16:creationId xmlns:a16="http://schemas.microsoft.com/office/drawing/2014/main" id="{2FCF609C-D2CF-94C7-7A70-88B28CC62AA2}"/>
-                </a:ext>
-              </a:extLst>
-            </p:cNvPr>
-            <p:cNvSpPr txBox="1"/>
-            <p:nvPr/>
-          </p:nvSpPr>
-          <p:spPr>
-            <a:xfrm>
-              <a:off x="4939908" y="5052037"/>
-              <a:ext cx="2029521" cy="588972"/>
-            </a:xfrm>
-            <a:prstGeom prst="rect">
-              <a:avLst/>
-            </a:prstGeom>
-            <a:noFill/>
-          </p:spPr>
-          <p:txBody>
-            <a:bodyPr wrap="square" rtlCol="0">
-              <a:prstTxWarp prst="textArchDown">
-                <a:avLst/>
-              </a:prstTxWarp>
-              <a:spAutoFit/>
-            </a:bodyPr>
-            <a:lstStyle/>
-            <a:p>
-              <a:pPr algn="ctr"/>
-              <a:r>
-                <a:rPr lang="en-US" sz="1400" dirty="0">
-                  <a:solidFill>
-                    <a:schemeClr val="bg1"/>
-                  </a:solidFill>
-                </a:rPr>
-                <a:t>Systems and</a:t>
-              </a:r>
-            </a:p>
-            <a:p>
-              <a:pPr algn="ctr"/>
-              <a:r>
-                <a:rPr lang="en-US" sz="1400" dirty="0">
-                  <a:solidFill>
-                    <a:schemeClr val="bg1"/>
-                  </a:solidFill>
-                </a:rPr>
-                <a:t> services</a:t>
-              </a:r>
-            </a:p>
-          </p:txBody>
-        </p:sp>
-      </p:grpSp>
-      <p:grpSp>
-        <p:nvGrpSpPr>
-          <p:cNvPr id="86" name="Family structure and dynamics">
-            <a:extLst>
-              <a:ext uri="{FF2B5EF4-FFF2-40B4-BE49-F238E27FC236}">
-                <a16:creationId xmlns:a16="http://schemas.microsoft.com/office/drawing/2014/main" id="{98E9CAD0-B091-2159-F788-ABB94C16EAD2}"/>
-              </a:ext>
-            </a:extLst>
-          </p:cNvPr>
-          <p:cNvGrpSpPr/>
-          <p:nvPr/>
-        </p:nvGrpSpPr>
-        <p:grpSpPr>
-          <a:xfrm>
-            <a:off x="2224099" y="3716639"/>
-            <a:ext cx="3054076" cy="1980682"/>
-            <a:chOff x="3595700" y="3526139"/>
-            <a:chExt cx="3054076" cy="1980682"/>
-          </a:xfrm>
-        </p:grpSpPr>
-        <p:sp>
-          <p:nvSpPr>
-            <p:cNvPr id="56" name="Freeform: Shape 55">
-              <a:extLst>
-                <a:ext uri="{FF2B5EF4-FFF2-40B4-BE49-F238E27FC236}">
-                  <a16:creationId xmlns:a16="http://schemas.microsoft.com/office/drawing/2014/main" id="{9C2F0560-A09B-0D7B-735D-4DB66C006D96}"/>
+                  <a16:creationId xmlns:a16="http://schemas.microsoft.com/office/drawing/2014/main" id="{A6EC1003-FADC-59FB-B5D7-6EE74FD66FBB}"/>
                 </a:ext>
               </a:extLst>
             </p:cNvPr>
@@ -3703,24 +5202,34 @@
           </p:nvSpPr>
           <p:spPr>
             <a:xfrm rot="19200000">
-              <a:off x="3713414" y="3526139"/>
-              <a:ext cx="2936362" cy="1980682"/>
+              <a:off x="3476608" y="3295582"/>
+              <a:ext cx="2315612" cy="1992763"/>
             </a:xfrm>
             <a:custGeom>
               <a:avLst/>
               <a:gdLst>
-                <a:gd name="connsiteX0" fmla="*/ 2537193 w 2537193"/>
-                <a:gd name="connsiteY0" fmla="*/ 440188 h 1711428"/>
-                <a:gd name="connsiteX1" fmla="*/ 335341 w 2537193"/>
-                <a:gd name="connsiteY1" fmla="*/ 1711428 h 1711428"/>
-                <a:gd name="connsiteX2" fmla="*/ 282537 w 2537193"/>
-                <a:gd name="connsiteY2" fmla="*/ 1619589 h 1711428"/>
-                <a:gd name="connsiteX3" fmla="*/ 13972 w 2537193"/>
-                <a:gd name="connsiteY3" fmla="*/ 174667 h 1711428"/>
-                <a:gd name="connsiteX4" fmla="*/ 40764 w 2537193"/>
-                <a:gd name="connsiteY4" fmla="*/ 0 h 1711428"/>
-                <a:gd name="connsiteX5" fmla="*/ 2537193 w 2537193"/>
-                <a:gd name="connsiteY5" fmla="*/ 440188 h 1711428"/>
+                <a:gd name="connsiteX0" fmla="*/ 1826139 w 2057102"/>
+                <a:gd name="connsiteY0" fmla="*/ 1033751 h 1770295"/>
+                <a:gd name="connsiteX1" fmla="*/ 2057102 w 2057102"/>
+                <a:gd name="connsiteY1" fmla="*/ 1668320 h 1770295"/>
+                <a:gd name="connsiteX2" fmla="*/ 1928886 w 2057102"/>
+                <a:gd name="connsiteY2" fmla="*/ 1711770 h 1770295"/>
+                <a:gd name="connsiteX3" fmla="*/ 540084 w 2057102"/>
+                <a:gd name="connsiteY3" fmla="*/ 1416556 h 1770295"/>
+                <a:gd name="connsiteX4" fmla="*/ 8192 w 2057102"/>
+                <a:gd name="connsiteY4" fmla="*/ 100117 h 1770295"/>
+                <a:gd name="connsiteX5" fmla="*/ 23549 w 2057102"/>
+                <a:gd name="connsiteY5" fmla="*/ 0 h 1770295"/>
+                <a:gd name="connsiteX6" fmla="*/ 686951 w 2057102"/>
+                <a:gd name="connsiteY6" fmla="*/ 116976 h 1770295"/>
+                <a:gd name="connsiteX7" fmla="*/ 676069 w 2057102"/>
+                <a:gd name="connsiteY7" fmla="*/ 170427 h 1770295"/>
+                <a:gd name="connsiteX8" fmla="*/ 971716 w 2057102"/>
+                <a:gd name="connsiteY8" fmla="*/ 902157 h 1770295"/>
+                <a:gd name="connsiteX9" fmla="*/ 1743668 w 2057102"/>
+                <a:gd name="connsiteY9" fmla="*/ 1066249 h 1770295"/>
+                <a:gd name="connsiteX10" fmla="*/ 1826139 w 2057102"/>
+                <a:gd name="connsiteY10" fmla="*/ 1033751 h 1770295"/>
               </a:gdLst>
               <a:ahLst/>
               <a:cxnLst>
@@ -3742,36 +5251,72 @@
                 <a:cxn ang="0">
                   <a:pos x="connsiteX5" y="connsiteY5"/>
                 </a:cxn>
+                <a:cxn ang="0">
+                  <a:pos x="connsiteX6" y="connsiteY6"/>
+                </a:cxn>
+                <a:cxn ang="0">
+                  <a:pos x="connsiteX7" y="connsiteY7"/>
+                </a:cxn>
+                <a:cxn ang="0">
+                  <a:pos x="connsiteX8" y="connsiteY8"/>
+                </a:cxn>
+                <a:cxn ang="0">
+                  <a:pos x="connsiteX9" y="connsiteY9"/>
+                </a:cxn>
+                <a:cxn ang="0">
+                  <a:pos x="connsiteX10" y="connsiteY10"/>
+                </a:cxn>
               </a:cxnLst>
               <a:rect l="l" t="t" r="r" b="b"/>
               <a:pathLst>
-                <a:path w="2537193" h="1711428">
+                <a:path w="2057102" h="1770295">
                   <a:moveTo>
-                    <a:pt x="2537193" y="440188"/>
+                    <a:pt x="1826139" y="1033751"/>
                   </a:moveTo>
                   <a:lnTo>
-                    <a:pt x="335341" y="1711428"/>
+                    <a:pt x="2057102" y="1668320"/>
                   </a:lnTo>
                   <a:lnTo>
-                    <a:pt x="282537" y="1619589"/>
+                    <a:pt x="1928886" y="1711770"/>
                   </a:lnTo>
                   <a:cubicBezTo>
-                    <a:pt x="53861" y="1172204"/>
-                    <a:pt x="-37579" y="668651"/>
-                    <a:pt x="13972" y="174667"/>
+                    <a:pt x="1462261" y="1845199"/>
+                    <a:pt x="939848" y="1751998"/>
+                    <a:pt x="540084" y="1416556"/>
+                  </a:cubicBezTo>
+                  <a:cubicBezTo>
+                    <a:pt x="140320" y="1081114"/>
+                    <a:pt x="-42181" y="582822"/>
+                    <a:pt x="8192" y="100117"/>
                   </a:cubicBezTo>
                   <a:lnTo>
-                    <a:pt x="40764" y="0"/>
+                    <a:pt x="23549" y="0"/>
                   </a:lnTo>
                   <a:lnTo>
-                    <a:pt x="2537193" y="440188"/>
+                    <a:pt x="686951" y="116976"/>
+                  </a:lnTo>
+                  <a:lnTo>
+                    <a:pt x="676069" y="170427"/>
+                  </a:lnTo>
+                  <a:cubicBezTo>
+                    <a:pt x="648070" y="438734"/>
+                    <a:pt x="749511" y="715705"/>
+                    <a:pt x="971716" y="902157"/>
+                  </a:cubicBezTo>
+                  <a:cubicBezTo>
+                    <a:pt x="1193921" y="1088609"/>
+                    <a:pt x="1484299" y="1140414"/>
+                    <a:pt x="1743668" y="1066249"/>
+                  </a:cubicBezTo>
+                  <a:lnTo>
+                    <a:pt x="1826139" y="1033751"/>
                   </a:lnTo>
                   <a:close/>
                 </a:path>
               </a:pathLst>
             </a:custGeom>
             <a:solidFill>
-              <a:srgbClr val="6821A8"/>
+              <a:srgbClr val="5C176F"/>
             </a:solidFill>
             <a:ln>
               <a:noFill/>
@@ -3806,10 +5351,10 @@
         </p:sp>
         <p:sp>
           <p:nvSpPr>
-            <p:cNvPr id="59" name="TextBox 58">
+            <p:cNvPr id="68" name="Structural">
               <a:extLst>
                 <a:ext uri="{FF2B5EF4-FFF2-40B4-BE49-F238E27FC236}">
-                  <a16:creationId xmlns:a16="http://schemas.microsoft.com/office/drawing/2014/main" id="{F2480180-D32D-141F-A500-82E1FCC09A3A}"/>
+                  <a16:creationId xmlns:a16="http://schemas.microsoft.com/office/drawing/2014/main" id="{08CFB97E-F175-6745-1FE5-4C8529FB8AC4}"/>
                 </a:ext>
               </a:extLst>
             </p:cNvPr>
@@ -3817,9 +5362,99 @@
             <p:nvPr/>
           </p:nvSpPr>
           <p:spPr>
-            <a:xfrm rot="2545480">
-              <a:off x="3595700" y="4560696"/>
-              <a:ext cx="2029521" cy="588972"/>
+            <a:xfrm rot="3870556">
+              <a:off x="2275819" y="1833495"/>
+              <a:ext cx="3674519" cy="3778263"/>
+            </a:xfrm>
+            <a:prstGeom prst="rect">
+              <a:avLst/>
+            </a:prstGeom>
+            <a:noFill/>
+          </p:spPr>
+          <p:txBody>
+            <a:bodyPr wrap="square" rtlCol="0">
+              <a:prstTxWarp prst="textArchUp">
+                <a:avLst>
+                  <a:gd name="adj" fmla="val 5925716"/>
+                </a:avLst>
+              </a:prstTxWarp>
+              <a:spAutoFit/>
+            </a:bodyPr>
+            <a:lstStyle/>
+            <a:p>
+              <a:pPr algn="ctr"/>
+              <a:r>
+                <a:rPr lang="en-US" dirty="0">
+                  <a:solidFill>
+                    <a:srgbClr val="FCE1CC"/>
+                  </a:solidFill>
+                </a:rPr>
+                <a:t>Structural</a:t>
+              </a:r>
+            </a:p>
+          </p:txBody>
+        </p:sp>
+        <p:sp>
+          <p:nvSpPr>
+            <p:cNvPr id="69" name="Environmental">
+              <a:extLst>
+                <a:ext uri="{FF2B5EF4-FFF2-40B4-BE49-F238E27FC236}">
+                  <a16:creationId xmlns:a16="http://schemas.microsoft.com/office/drawing/2014/main" id="{3A6845C0-6EB4-E4BB-47F6-EE3777049671}"/>
+                </a:ext>
+              </a:extLst>
+            </p:cNvPr>
+            <p:cNvSpPr txBox="1"/>
+            <p:nvPr/>
+          </p:nvSpPr>
+          <p:spPr>
+            <a:xfrm rot="18542443">
+              <a:off x="4001667" y="1615939"/>
+              <a:ext cx="3499655" cy="5664312"/>
+            </a:xfrm>
+            <a:prstGeom prst="rect">
+              <a:avLst/>
+            </a:prstGeom>
+            <a:noFill/>
+          </p:spPr>
+          <p:txBody>
+            <a:bodyPr wrap="square" rtlCol="0">
+              <a:prstTxWarp prst="textArchUp">
+                <a:avLst>
+                  <a:gd name="adj" fmla="val 5436175"/>
+                </a:avLst>
+              </a:prstTxWarp>
+              <a:spAutoFit/>
+            </a:bodyPr>
+            <a:lstStyle/>
+            <a:p>
+              <a:pPr algn="ctr"/>
+              <a:r>
+                <a:rPr lang="en-US" dirty="0">
+                  <a:solidFill>
+                    <a:srgbClr val="D9F3E1"/>
+                  </a:solidFill>
+                </a:rPr>
+                <a:t>Environmental</a:t>
+              </a:r>
+            </a:p>
+          </p:txBody>
+        </p:sp>
+        <p:sp>
+          <p:nvSpPr>
+            <p:cNvPr id="70" name="Social">
+              <a:extLst>
+                <a:ext uri="{FF2B5EF4-FFF2-40B4-BE49-F238E27FC236}">
+                  <a16:creationId xmlns:a16="http://schemas.microsoft.com/office/drawing/2014/main" id="{10ACFA22-D957-0215-18C1-E297480C1428}"/>
+                </a:ext>
+              </a:extLst>
+            </p:cNvPr>
+            <p:cNvSpPr txBox="1"/>
+            <p:nvPr/>
+          </p:nvSpPr>
+          <p:spPr>
+            <a:xfrm rot="21437792">
+              <a:off x="1888840" y="-1959369"/>
+              <a:ext cx="5188577" cy="6701089"/>
             </a:xfrm>
             <a:prstGeom prst="rect">
               <a:avLst/>
@@ -3837,54 +5472,22 @@
             <a:p>
               <a:pPr algn="ctr"/>
               <a:r>
-                <a:rPr lang="en-US" sz="1400" dirty="0">
+                <a:rPr lang="en-US" dirty="0">
                   <a:solidFill>
-                    <a:schemeClr val="bg1"/>
+                    <a:srgbClr val="F0D5F7"/>
                   </a:solidFill>
                 </a:rPr>
-                <a:t>Family structure</a:t>
-              </a:r>
-            </a:p>
-            <a:p>
-              <a:pPr algn="ctr"/>
-              <a:r>
-                <a:rPr lang="en-US" sz="1400" dirty="0">
-                  <a:solidFill>
-                    <a:schemeClr val="bg1"/>
-                  </a:solidFill>
-                </a:rPr>
-                <a:t> and dynamics</a:t>
+                <a:t>Social</a:t>
               </a:r>
             </a:p>
           </p:txBody>
         </p:sp>
-      </p:grpSp>
-      <p:grpSp>
-        <p:nvGrpSpPr>
-          <p:cNvPr id="85" name="Norms and rights">
-            <a:extLst>
-              <a:ext uri="{FF2B5EF4-FFF2-40B4-BE49-F238E27FC236}">
-                <a16:creationId xmlns:a16="http://schemas.microsoft.com/office/drawing/2014/main" id="{7D1D163F-6C75-CD67-1093-E5844E9A3C50}"/>
-              </a:ext>
-            </a:extLst>
-          </p:cNvPr>
-          <p:cNvGrpSpPr/>
-          <p:nvPr/>
-        </p:nvGrpSpPr>
-        <p:grpSpPr>
-          <a:xfrm>
-            <a:off x="3564621" y="400406"/>
-            <a:ext cx="2948880" cy="2280637"/>
-            <a:chOff x="4936222" y="209905"/>
-            <a:chExt cx="2948880" cy="2280637"/>
-          </a:xfrm>
-        </p:grpSpPr>
         <p:sp>
           <p:nvSpPr>
-            <p:cNvPr id="48" name="Freeform: Shape 47">
+            <p:cNvPr id="71" name="Oval 70">
               <a:extLst>
                 <a:ext uri="{FF2B5EF4-FFF2-40B4-BE49-F238E27FC236}">
-                  <a16:creationId xmlns:a16="http://schemas.microsoft.com/office/drawing/2014/main" id="{B03E4561-EDB2-EB87-9DE2-6CBC398AE567}"/>
+                  <a16:creationId xmlns:a16="http://schemas.microsoft.com/office/drawing/2014/main" id="{54FD8948-900D-61FE-A45D-5C788A557734}"/>
                 </a:ext>
               </a:extLst>
             </p:cNvPr>
@@ -3892,25 +5495,282 @@
             <p:nvPr/>
           </p:nvSpPr>
           <p:spPr>
-            <a:xfrm rot="19200000">
-              <a:off x="4936222" y="209905"/>
-              <a:ext cx="2948880" cy="2280637"/>
+            <a:xfrm>
+              <a:off x="3862812" y="2664536"/>
+              <a:ext cx="1465224" cy="1465224"/>
+            </a:xfrm>
+            <a:prstGeom prst="ellipse">
+              <a:avLst/>
+            </a:prstGeom>
+            <a:solidFill>
+              <a:schemeClr val="bg1"/>
+            </a:solidFill>
+            <a:ln>
+              <a:solidFill>
+                <a:schemeClr val="bg1"/>
+              </a:solidFill>
+            </a:ln>
+          </p:spPr>
+          <p:style>
+            <a:lnRef idx="2">
+              <a:schemeClr val="accent1">
+                <a:shade val="50000"/>
+              </a:schemeClr>
+            </a:lnRef>
+            <a:fillRef idx="1">
+              <a:schemeClr val="accent1"/>
+            </a:fillRef>
+            <a:effectRef idx="0">
+              <a:schemeClr val="accent1"/>
+            </a:effectRef>
+            <a:fontRef idx="minor">
+              <a:schemeClr val="lt1"/>
+            </a:fontRef>
+          </p:style>
+          <p:txBody>
+            <a:bodyPr rtlCol="0" anchor="ctr"/>
+            <a:lstStyle/>
+            <a:p>
+              <a:pPr algn="ctr"/>
+              <a:endParaRPr lang="en-US"/>
+            </a:p>
+          </p:txBody>
+        </p:sp>
+        <p:sp>
+          <p:nvSpPr>
+            <p:cNvPr id="72" name="Oval 71">
+              <a:extLst>
+                <a:ext uri="{FF2B5EF4-FFF2-40B4-BE49-F238E27FC236}">
+                  <a16:creationId xmlns:a16="http://schemas.microsoft.com/office/drawing/2014/main" id="{B363FF65-15EE-65E3-4D27-D6470A449DD5}"/>
+                </a:ext>
+              </a:extLst>
+            </p:cNvPr>
+            <p:cNvSpPr/>
+            <p:nvPr/>
+          </p:nvSpPr>
+          <p:spPr>
+            <a:xfrm rot="4920898" flipV="1">
+              <a:off x="3864305" y="2673036"/>
+              <a:ext cx="1461826" cy="1464686"/>
+            </a:xfrm>
+            <a:prstGeom prst="ellipse">
+              <a:avLst/>
+            </a:prstGeom>
+            <a:solidFill>
+              <a:srgbClr val="CAF5FE"/>
+            </a:solidFill>
+            <a:ln w="57150">
+              <a:noFill/>
+            </a:ln>
+          </p:spPr>
+          <p:style>
+            <a:lnRef idx="2">
+              <a:schemeClr val="accent1">
+                <a:shade val="50000"/>
+              </a:schemeClr>
+            </a:lnRef>
+            <a:fillRef idx="1">
+              <a:schemeClr val="accent1"/>
+            </a:fillRef>
+            <a:effectRef idx="0">
+              <a:schemeClr val="accent1"/>
+            </a:effectRef>
+            <a:fontRef idx="minor">
+              <a:schemeClr val="lt1"/>
+            </a:fontRef>
+          </p:style>
+          <p:txBody>
+            <a:bodyPr rtlCol="0" anchor="ctr"/>
+            <a:lstStyle/>
+            <a:p>
+              <a:pPr algn="ctr"/>
+              <a:endParaRPr lang="en-US" dirty="0">
+                <a:solidFill>
+                  <a:schemeClr val="tx1"/>
+                </a:solidFill>
+              </a:endParaRPr>
+            </a:p>
+          </p:txBody>
+        </p:sp>
+        <p:sp>
+          <p:nvSpPr>
+            <p:cNvPr id="73" name="TextBox 72">
+              <a:extLst>
+                <a:ext uri="{FF2B5EF4-FFF2-40B4-BE49-F238E27FC236}">
+                  <a16:creationId xmlns:a16="http://schemas.microsoft.com/office/drawing/2014/main" id="{5844AD9D-8A74-1E93-B6E2-FF1D606AFB32}"/>
+                </a:ext>
+              </a:extLst>
+            </p:cNvPr>
+            <p:cNvSpPr txBox="1"/>
+            <p:nvPr/>
+          </p:nvSpPr>
+          <p:spPr>
+            <a:xfrm>
+              <a:off x="4086413" y="3494226"/>
+              <a:ext cx="1135207" cy="338554"/>
+            </a:xfrm>
+            <a:prstGeom prst="rect">
+              <a:avLst/>
+            </a:prstGeom>
+            <a:noFill/>
+          </p:spPr>
+          <p:txBody>
+            <a:bodyPr wrap="square" rtlCol="0">
+              <a:spAutoFit/>
+            </a:bodyPr>
+            <a:lstStyle/>
+            <a:p>
+              <a:pPr algn="ctr"/>
+              <a:r>
+                <a:rPr lang="en-US" sz="1600" dirty="0">
+                  <a:solidFill>
+                    <a:srgbClr val="02687C"/>
+                  </a:solidFill>
+                </a:rPr>
+                <a:t>Individual</a:t>
+              </a:r>
+            </a:p>
+          </p:txBody>
+        </p:sp>
+        <p:pic>
+          <p:nvPicPr>
+            <p:cNvPr id="74" name="Graphic 73" descr="User outline">
+              <a:extLst>
+                <a:ext uri="{FF2B5EF4-FFF2-40B4-BE49-F238E27FC236}">
+                  <a16:creationId xmlns:a16="http://schemas.microsoft.com/office/drawing/2014/main" id="{1C0CCEE1-8312-56AA-AB6D-F3BDA9362C63}"/>
+                </a:ext>
+              </a:extLst>
+            </p:cNvPr>
+            <p:cNvPicPr>
+              <a:picLocks noChangeAspect="1"/>
+            </p:cNvPicPr>
+            <p:nvPr/>
+          </p:nvPicPr>
+          <p:blipFill>
+            <a:blip r:embed="rId2">
+              <a:extLst>
+                <a:ext uri="{28A0092B-C50C-407E-A947-70E740481C1C}">
+                  <a14:useLocalDpi xmlns:a14="http://schemas.microsoft.com/office/drawing/2010/main" val="0"/>
+                </a:ext>
+                <a:ext uri="{96DAC541-7B7A-43D3-8B79-37D633B846F1}">
+                  <asvg:svgBlip xmlns:asvg="http://schemas.microsoft.com/office/drawing/2016/SVG/main" r:embed="rId3"/>
+                </a:ext>
+              </a:extLst>
+            </a:blip>
+            <a:stretch>
+              <a:fillRect/>
+            </a:stretch>
+          </p:blipFill>
+          <p:spPr>
+            <a:xfrm>
+              <a:off x="4222465" y="2762806"/>
+              <a:ext cx="809513" cy="809513"/>
+            </a:xfrm>
+            <a:prstGeom prst="rect">
+              <a:avLst/>
+            </a:prstGeom>
+          </p:spPr>
+        </p:pic>
+        <p:sp>
+          <p:nvSpPr>
+            <p:cNvPr id="75" name="Freeform: Shape 74">
+              <a:extLst>
+                <a:ext uri="{FF2B5EF4-FFF2-40B4-BE49-F238E27FC236}">
+                  <a16:creationId xmlns:a16="http://schemas.microsoft.com/office/drawing/2014/main" id="{23033C31-E179-8CDE-6286-D7E04D67B939}"/>
+                </a:ext>
+              </a:extLst>
+            </p:cNvPr>
+            <p:cNvSpPr/>
+            <p:nvPr/>
+          </p:nvSpPr>
+          <p:spPr>
+            <a:xfrm rot="20400000">
+              <a:off x="4194267" y="1565948"/>
+              <a:ext cx="1121999" cy="1057787"/>
             </a:xfrm>
             <a:custGeom>
               <a:avLst/>
               <a:gdLst>
-                <a:gd name="connsiteX0" fmla="*/ 1669482 w 2548008"/>
-                <a:gd name="connsiteY0" fmla="*/ 12065 h 1970606"/>
-                <a:gd name="connsiteX1" fmla="*/ 2547483 w 2548008"/>
-                <a:gd name="connsiteY1" fmla="*/ 1517456 h 1970606"/>
-                <a:gd name="connsiteX2" fmla="*/ 2548008 w 2548008"/>
-                <a:gd name="connsiteY2" fmla="*/ 1521324 h 1970606"/>
-                <a:gd name="connsiteX3" fmla="*/ 0 w 2548008"/>
-                <a:gd name="connsiteY3" fmla="*/ 1970606 h 1970606"/>
-                <a:gd name="connsiteX4" fmla="*/ 1653535 w 2548008"/>
-                <a:gd name="connsiteY4" fmla="*/ 0 h 1970606"/>
-                <a:gd name="connsiteX5" fmla="*/ 1669482 w 2548008"/>
-                <a:gd name="connsiteY5" fmla="*/ 12065 h 1970606"/>
+                <a:gd name="connsiteX0" fmla="*/ 494375 w 1113065"/>
+                <a:gd name="connsiteY0" fmla="*/ 86819 h 1057787"/>
+                <a:gd name="connsiteX1" fmla="*/ 1086813 w 1113065"/>
+                <a:gd name="connsiteY1" fmla="*/ 403664 h 1057787"/>
+                <a:gd name="connsiteX2" fmla="*/ 1113065 w 1113065"/>
+                <a:gd name="connsiteY2" fmla="*/ 426732 h 1057787"/>
+                <a:gd name="connsiteX3" fmla="*/ 583546 w 1113065"/>
+                <a:gd name="connsiteY3" fmla="*/ 1057787 h 1057787"/>
+                <a:gd name="connsiteX4" fmla="*/ 572460 w 1113065"/>
+                <a:gd name="connsiteY4" fmla="*/ 1048044 h 1057787"/>
+                <a:gd name="connsiteX5" fmla="*/ 62148 w 1113065"/>
+                <a:gd name="connsiteY5" fmla="*/ 831567 h 1057787"/>
+                <a:gd name="connsiteX6" fmla="*/ 0 w 1113065"/>
+                <a:gd name="connsiteY6" fmla="*/ 826263 h 1057787"/>
+                <a:gd name="connsiteX7" fmla="*/ 0 w 1113065"/>
+                <a:gd name="connsiteY7" fmla="*/ 10 h 1057787"/>
+                <a:gd name="connsiteX8" fmla="*/ 2280 w 1113065"/>
+                <a:gd name="connsiteY8" fmla="*/ 0 h 1057787"/>
+                <a:gd name="connsiteX9" fmla="*/ 494375 w 1113065"/>
+                <a:gd name="connsiteY9" fmla="*/ 86819 h 1057787"/>
+                <a:gd name="connsiteX0" fmla="*/ 503309 w 1121999"/>
+                <a:gd name="connsiteY0" fmla="*/ 86819 h 1057787"/>
+                <a:gd name="connsiteX1" fmla="*/ 1095747 w 1121999"/>
+                <a:gd name="connsiteY1" fmla="*/ 403664 h 1057787"/>
+                <a:gd name="connsiteX2" fmla="*/ 1121999 w 1121999"/>
+                <a:gd name="connsiteY2" fmla="*/ 426732 h 1057787"/>
+                <a:gd name="connsiteX3" fmla="*/ 592480 w 1121999"/>
+                <a:gd name="connsiteY3" fmla="*/ 1057787 h 1057787"/>
+                <a:gd name="connsiteX4" fmla="*/ 581394 w 1121999"/>
+                <a:gd name="connsiteY4" fmla="*/ 1048044 h 1057787"/>
+                <a:gd name="connsiteX5" fmla="*/ 71082 w 1121999"/>
+                <a:gd name="connsiteY5" fmla="*/ 831567 h 1057787"/>
+                <a:gd name="connsiteX6" fmla="*/ 0 w 1121999"/>
+                <a:gd name="connsiteY6" fmla="*/ 767261 h 1057787"/>
+                <a:gd name="connsiteX7" fmla="*/ 8934 w 1121999"/>
+                <a:gd name="connsiteY7" fmla="*/ 10 h 1057787"/>
+                <a:gd name="connsiteX8" fmla="*/ 11214 w 1121999"/>
+                <a:gd name="connsiteY8" fmla="*/ 0 h 1057787"/>
+                <a:gd name="connsiteX9" fmla="*/ 503309 w 1121999"/>
+                <a:gd name="connsiteY9" fmla="*/ 86819 h 1057787"/>
+                <a:gd name="connsiteX0" fmla="*/ 503309 w 1121999"/>
+                <a:gd name="connsiteY0" fmla="*/ 86819 h 1057787"/>
+                <a:gd name="connsiteX1" fmla="*/ 1095747 w 1121999"/>
+                <a:gd name="connsiteY1" fmla="*/ 403664 h 1057787"/>
+                <a:gd name="connsiteX2" fmla="*/ 1121999 w 1121999"/>
+                <a:gd name="connsiteY2" fmla="*/ 426732 h 1057787"/>
+                <a:gd name="connsiteX3" fmla="*/ 592480 w 1121999"/>
+                <a:gd name="connsiteY3" fmla="*/ 1057787 h 1057787"/>
+                <a:gd name="connsiteX4" fmla="*/ 581394 w 1121999"/>
+                <a:gd name="connsiteY4" fmla="*/ 1048044 h 1057787"/>
+                <a:gd name="connsiteX5" fmla="*/ 201498 w 1121999"/>
+                <a:gd name="connsiteY5" fmla="*/ 800479 h 1057787"/>
+                <a:gd name="connsiteX6" fmla="*/ 0 w 1121999"/>
+                <a:gd name="connsiteY6" fmla="*/ 767261 h 1057787"/>
+                <a:gd name="connsiteX7" fmla="*/ 8934 w 1121999"/>
+                <a:gd name="connsiteY7" fmla="*/ 10 h 1057787"/>
+                <a:gd name="connsiteX8" fmla="*/ 11214 w 1121999"/>
+                <a:gd name="connsiteY8" fmla="*/ 0 h 1057787"/>
+                <a:gd name="connsiteX9" fmla="*/ 503309 w 1121999"/>
+                <a:gd name="connsiteY9" fmla="*/ 86819 h 1057787"/>
+                <a:gd name="connsiteX0" fmla="*/ 503309 w 1121999"/>
+                <a:gd name="connsiteY0" fmla="*/ 86819 h 1057787"/>
+                <a:gd name="connsiteX1" fmla="*/ 1095747 w 1121999"/>
+                <a:gd name="connsiteY1" fmla="*/ 403664 h 1057787"/>
+                <a:gd name="connsiteX2" fmla="*/ 1121999 w 1121999"/>
+                <a:gd name="connsiteY2" fmla="*/ 426732 h 1057787"/>
+                <a:gd name="connsiteX3" fmla="*/ 592480 w 1121999"/>
+                <a:gd name="connsiteY3" fmla="*/ 1057787 h 1057787"/>
+                <a:gd name="connsiteX4" fmla="*/ 620866 w 1121999"/>
+                <a:gd name="connsiteY4" fmla="*/ 1037070 h 1057787"/>
+                <a:gd name="connsiteX5" fmla="*/ 201498 w 1121999"/>
+                <a:gd name="connsiteY5" fmla="*/ 800479 h 1057787"/>
+                <a:gd name="connsiteX6" fmla="*/ 0 w 1121999"/>
+                <a:gd name="connsiteY6" fmla="*/ 767261 h 1057787"/>
+                <a:gd name="connsiteX7" fmla="*/ 8934 w 1121999"/>
+                <a:gd name="connsiteY7" fmla="*/ 10 h 1057787"/>
+                <a:gd name="connsiteX8" fmla="*/ 11214 w 1121999"/>
+                <a:gd name="connsiteY8" fmla="*/ 0 h 1057787"/>
+                <a:gd name="connsiteX9" fmla="*/ 503309 w 1121999"/>
+                <a:gd name="connsiteY9" fmla="*/ 86819 h 1057787"/>
               </a:gdLst>
               <a:ahLst/>
               <a:cxnLst>
@@ -3932,37 +5792,74 @@
                 <a:cxn ang="0">
                   <a:pos x="connsiteX5" y="connsiteY5"/>
                 </a:cxn>
+                <a:cxn ang="0">
+                  <a:pos x="connsiteX6" y="connsiteY6"/>
+                </a:cxn>
+                <a:cxn ang="0">
+                  <a:pos x="connsiteX7" y="connsiteY7"/>
+                </a:cxn>
+                <a:cxn ang="0">
+                  <a:pos x="connsiteX8" y="connsiteY8"/>
+                </a:cxn>
+                <a:cxn ang="0">
+                  <a:pos x="connsiteX9" y="connsiteY9"/>
+                </a:cxn>
               </a:cxnLst>
               <a:rect l="l" t="t" r="r" b="b"/>
               <a:pathLst>
-                <a:path w="2548008" h="1970606">
+                <a:path w="1121999" h="1057787">
                   <a:moveTo>
-                    <a:pt x="1669482" y="12065"/>
+                    <a:pt x="503309" y="86819"/>
                   </a:moveTo>
                   <a:cubicBezTo>
-                    <a:pt x="2146770" y="412557"/>
-                    <a:pt x="2442481" y="949151"/>
-                    <a:pt x="2547483" y="1517456"/>
+                    <a:pt x="715776" y="154627"/>
+                    <a:pt x="917063" y="260902"/>
+                    <a:pt x="1095747" y="403664"/>
                   </a:cubicBezTo>
                   <a:lnTo>
-                    <a:pt x="2548008" y="1521324"/>
+                    <a:pt x="1121999" y="426732"/>
                   </a:lnTo>
                   <a:lnTo>
-                    <a:pt x="0" y="1970606"/>
+                    <a:pt x="592480" y="1057787"/>
                   </a:lnTo>
                   <a:lnTo>
-                    <a:pt x="1653535" y="0"/>
+                    <a:pt x="620866" y="1037070"/>
+                  </a:lnTo>
+                  <a:cubicBezTo>
+                    <a:pt x="471887" y="918041"/>
+                    <a:pt x="385583" y="824530"/>
+                    <a:pt x="201498" y="800479"/>
+                  </a:cubicBezTo>
+                  <a:lnTo>
+                    <a:pt x="0" y="767261"/>
                   </a:lnTo>
                   <a:lnTo>
-                    <a:pt x="1669482" y="12065"/>
+                    <a:pt x="8934" y="10"/>
                   </a:lnTo>
+                  <a:lnTo>
+                    <a:pt x="11214" y="0"/>
+                  </a:lnTo>
+                  <a:cubicBezTo>
+                    <a:pt x="178321" y="6744"/>
+                    <a:pt x="343960" y="35963"/>
+                    <a:pt x="503309" y="86819"/>
+                  </a:cubicBezTo>
                   <a:close/>
                 </a:path>
               </a:pathLst>
             </a:custGeom>
-            <a:solidFill>
-              <a:srgbClr val="FCA208"/>
-            </a:solidFill>
+            <a:gradFill flip="none" rotWithShape="1">
+              <a:gsLst>
+                <a:gs pos="12000">
+                  <a:srgbClr val="349853"/>
+                </a:gs>
+                <a:gs pos="62000">
+                  <a:srgbClr val="E56A0D"/>
+                </a:gs>
+              </a:gsLst>
+              <a:lin ang="1200000" scaled="0"/>
+              <a:tileRect/>
+            </a:gradFill>
             <a:ln>
               <a:noFill/>
             </a:ln>
@@ -3990,91 +5887,16 @@
             <a:lstStyle/>
             <a:p>
               <a:pPr algn="ctr"/>
-              <a:endParaRPr lang="en-US" sz="1400"/>
+              <a:endParaRPr lang="en-US"/>
             </a:p>
           </p:txBody>
         </p:sp>
         <p:sp>
           <p:nvSpPr>
-            <p:cNvPr id="61" name="TextBox 60">
+            <p:cNvPr id="76" name="Freeform: Shape 75">
               <a:extLst>
                 <a:ext uri="{FF2B5EF4-FFF2-40B4-BE49-F238E27FC236}">
-                  <a16:creationId xmlns:a16="http://schemas.microsoft.com/office/drawing/2014/main" id="{DE301583-544D-E759-4AAF-2D9067479927}"/>
-                </a:ext>
-              </a:extLst>
-            </p:cNvPr>
-            <p:cNvSpPr txBox="1"/>
-            <p:nvPr/>
-          </p:nvSpPr>
-          <p:spPr>
-            <a:xfrm rot="1334448">
-              <a:off x="5726836" y="984569"/>
-              <a:ext cx="2029521" cy="588972"/>
-            </a:xfrm>
-            <a:prstGeom prst="rect">
-              <a:avLst/>
-            </a:prstGeom>
-            <a:noFill/>
-          </p:spPr>
-          <p:txBody>
-            <a:bodyPr wrap="square" rtlCol="0">
-              <a:prstTxWarp prst="textArchUp">
-                <a:avLst/>
-              </a:prstTxWarp>
-              <a:spAutoFit/>
-            </a:bodyPr>
-            <a:lstStyle/>
-            <a:p>
-              <a:pPr algn="ctr"/>
-              <a:r>
-                <a:rPr lang="en-US" sz="1400" dirty="0">
-                  <a:solidFill>
-                    <a:schemeClr val="bg1"/>
-                  </a:solidFill>
-                </a:rPr>
-                <a:t>Norms and</a:t>
-              </a:r>
-            </a:p>
-            <a:p>
-              <a:pPr algn="ctr"/>
-              <a:r>
-                <a:rPr lang="en-US" sz="1400" dirty="0">
-                  <a:solidFill>
-                    <a:schemeClr val="bg1"/>
-                  </a:solidFill>
-                </a:rPr>
-                <a:t> rights</a:t>
-              </a:r>
-            </a:p>
-          </p:txBody>
-        </p:sp>
-      </p:grpSp>
-      <p:grpSp>
-        <p:nvGrpSpPr>
-          <p:cNvPr id="84" name="Geographic and physical environment">
-            <a:extLst>
-              <a:ext uri="{FF2B5EF4-FFF2-40B4-BE49-F238E27FC236}">
-                <a16:creationId xmlns:a16="http://schemas.microsoft.com/office/drawing/2014/main" id="{299AA849-32EA-78BC-278B-4C38EFC10012}"/>
-              </a:ext>
-            </a:extLst>
-          </p:cNvPr>
-          <p:cNvGrpSpPr/>
-          <p:nvPr/>
-        </p:nvGrpSpPr>
-        <p:grpSpPr>
-          <a:xfrm>
-            <a:off x="2948276" y="135995"/>
-            <a:ext cx="2425069" cy="2964093"/>
-            <a:chOff x="4319876" y="-54506"/>
-            <a:chExt cx="2425069" cy="2964093"/>
-          </a:xfrm>
-        </p:grpSpPr>
-        <p:sp>
-          <p:nvSpPr>
-            <p:cNvPr id="49" name="Freeform: Shape 48">
-              <a:extLst>
-                <a:ext uri="{FF2B5EF4-FFF2-40B4-BE49-F238E27FC236}">
-                  <a16:creationId xmlns:a16="http://schemas.microsoft.com/office/drawing/2014/main" id="{D61020EA-C40E-C51C-541D-87A8E19FA64E}"/>
+                  <a16:creationId xmlns:a16="http://schemas.microsoft.com/office/drawing/2014/main" id="{5BED302B-8D07-31A1-97B5-39F92C8459CA}"/>
                 </a:ext>
               </a:extLst>
             </p:cNvPr>
@@ -4082,25 +5904,93 @@
             <p:nvPr/>
           </p:nvSpPr>
           <p:spPr>
-            <a:xfrm rot="19200000">
-              <a:off x="4826522" y="-54506"/>
-              <a:ext cx="1918423" cy="2964093"/>
+            <a:xfrm rot="12785248">
+              <a:off x="2907396" y="3546197"/>
+              <a:ext cx="1121999" cy="1057787"/>
             </a:xfrm>
             <a:custGeom>
               <a:avLst/>
               <a:gdLst>
-                <a:gd name="connsiteX0" fmla="*/ 1657632 w 1657632"/>
-                <a:gd name="connsiteY0" fmla="*/ 585664 h 2561153"/>
-                <a:gd name="connsiteX1" fmla="*/ 0 w 1657632"/>
-                <a:gd name="connsiteY1" fmla="*/ 2561153 h 2561153"/>
-                <a:gd name="connsiteX2" fmla="*/ 0 w 1657632"/>
-                <a:gd name="connsiteY2" fmla="*/ 1817 h 2561153"/>
-                <a:gd name="connsiteX3" fmla="*/ 45897 w 1657632"/>
-                <a:gd name="connsiteY3" fmla="*/ 0 h 2561153"/>
-                <a:gd name="connsiteX4" fmla="*/ 1470358 w 1657632"/>
-                <a:gd name="connsiteY4" fmla="*/ 443982 h 2561153"/>
-                <a:gd name="connsiteX5" fmla="*/ 1657632 w 1657632"/>
-                <a:gd name="connsiteY5" fmla="*/ 585664 h 2561153"/>
+                <a:gd name="connsiteX0" fmla="*/ 494375 w 1113065"/>
+                <a:gd name="connsiteY0" fmla="*/ 86819 h 1057787"/>
+                <a:gd name="connsiteX1" fmla="*/ 1086813 w 1113065"/>
+                <a:gd name="connsiteY1" fmla="*/ 403664 h 1057787"/>
+                <a:gd name="connsiteX2" fmla="*/ 1113065 w 1113065"/>
+                <a:gd name="connsiteY2" fmla="*/ 426732 h 1057787"/>
+                <a:gd name="connsiteX3" fmla="*/ 583546 w 1113065"/>
+                <a:gd name="connsiteY3" fmla="*/ 1057787 h 1057787"/>
+                <a:gd name="connsiteX4" fmla="*/ 572460 w 1113065"/>
+                <a:gd name="connsiteY4" fmla="*/ 1048044 h 1057787"/>
+                <a:gd name="connsiteX5" fmla="*/ 62148 w 1113065"/>
+                <a:gd name="connsiteY5" fmla="*/ 831567 h 1057787"/>
+                <a:gd name="connsiteX6" fmla="*/ 0 w 1113065"/>
+                <a:gd name="connsiteY6" fmla="*/ 826263 h 1057787"/>
+                <a:gd name="connsiteX7" fmla="*/ 0 w 1113065"/>
+                <a:gd name="connsiteY7" fmla="*/ 10 h 1057787"/>
+                <a:gd name="connsiteX8" fmla="*/ 2280 w 1113065"/>
+                <a:gd name="connsiteY8" fmla="*/ 0 h 1057787"/>
+                <a:gd name="connsiteX9" fmla="*/ 494375 w 1113065"/>
+                <a:gd name="connsiteY9" fmla="*/ 86819 h 1057787"/>
+                <a:gd name="connsiteX0" fmla="*/ 503309 w 1121999"/>
+                <a:gd name="connsiteY0" fmla="*/ 86819 h 1057787"/>
+                <a:gd name="connsiteX1" fmla="*/ 1095747 w 1121999"/>
+                <a:gd name="connsiteY1" fmla="*/ 403664 h 1057787"/>
+                <a:gd name="connsiteX2" fmla="*/ 1121999 w 1121999"/>
+                <a:gd name="connsiteY2" fmla="*/ 426732 h 1057787"/>
+                <a:gd name="connsiteX3" fmla="*/ 592480 w 1121999"/>
+                <a:gd name="connsiteY3" fmla="*/ 1057787 h 1057787"/>
+                <a:gd name="connsiteX4" fmla="*/ 581394 w 1121999"/>
+                <a:gd name="connsiteY4" fmla="*/ 1048044 h 1057787"/>
+                <a:gd name="connsiteX5" fmla="*/ 71082 w 1121999"/>
+                <a:gd name="connsiteY5" fmla="*/ 831567 h 1057787"/>
+                <a:gd name="connsiteX6" fmla="*/ 0 w 1121999"/>
+                <a:gd name="connsiteY6" fmla="*/ 767261 h 1057787"/>
+                <a:gd name="connsiteX7" fmla="*/ 8934 w 1121999"/>
+                <a:gd name="connsiteY7" fmla="*/ 10 h 1057787"/>
+                <a:gd name="connsiteX8" fmla="*/ 11214 w 1121999"/>
+                <a:gd name="connsiteY8" fmla="*/ 0 h 1057787"/>
+                <a:gd name="connsiteX9" fmla="*/ 503309 w 1121999"/>
+                <a:gd name="connsiteY9" fmla="*/ 86819 h 1057787"/>
+                <a:gd name="connsiteX0" fmla="*/ 503309 w 1121999"/>
+                <a:gd name="connsiteY0" fmla="*/ 86819 h 1057787"/>
+                <a:gd name="connsiteX1" fmla="*/ 1095747 w 1121999"/>
+                <a:gd name="connsiteY1" fmla="*/ 403664 h 1057787"/>
+                <a:gd name="connsiteX2" fmla="*/ 1121999 w 1121999"/>
+                <a:gd name="connsiteY2" fmla="*/ 426732 h 1057787"/>
+                <a:gd name="connsiteX3" fmla="*/ 592480 w 1121999"/>
+                <a:gd name="connsiteY3" fmla="*/ 1057787 h 1057787"/>
+                <a:gd name="connsiteX4" fmla="*/ 581394 w 1121999"/>
+                <a:gd name="connsiteY4" fmla="*/ 1048044 h 1057787"/>
+                <a:gd name="connsiteX5" fmla="*/ 201498 w 1121999"/>
+                <a:gd name="connsiteY5" fmla="*/ 800479 h 1057787"/>
+                <a:gd name="connsiteX6" fmla="*/ 0 w 1121999"/>
+                <a:gd name="connsiteY6" fmla="*/ 767261 h 1057787"/>
+                <a:gd name="connsiteX7" fmla="*/ 8934 w 1121999"/>
+                <a:gd name="connsiteY7" fmla="*/ 10 h 1057787"/>
+                <a:gd name="connsiteX8" fmla="*/ 11214 w 1121999"/>
+                <a:gd name="connsiteY8" fmla="*/ 0 h 1057787"/>
+                <a:gd name="connsiteX9" fmla="*/ 503309 w 1121999"/>
+                <a:gd name="connsiteY9" fmla="*/ 86819 h 1057787"/>
+                <a:gd name="connsiteX0" fmla="*/ 503309 w 1121999"/>
+                <a:gd name="connsiteY0" fmla="*/ 86819 h 1057787"/>
+                <a:gd name="connsiteX1" fmla="*/ 1095747 w 1121999"/>
+                <a:gd name="connsiteY1" fmla="*/ 403664 h 1057787"/>
+                <a:gd name="connsiteX2" fmla="*/ 1121999 w 1121999"/>
+                <a:gd name="connsiteY2" fmla="*/ 426732 h 1057787"/>
+                <a:gd name="connsiteX3" fmla="*/ 592480 w 1121999"/>
+                <a:gd name="connsiteY3" fmla="*/ 1057787 h 1057787"/>
+                <a:gd name="connsiteX4" fmla="*/ 620866 w 1121999"/>
+                <a:gd name="connsiteY4" fmla="*/ 1037070 h 1057787"/>
+                <a:gd name="connsiteX5" fmla="*/ 201498 w 1121999"/>
+                <a:gd name="connsiteY5" fmla="*/ 800479 h 1057787"/>
+                <a:gd name="connsiteX6" fmla="*/ 0 w 1121999"/>
+                <a:gd name="connsiteY6" fmla="*/ 767261 h 1057787"/>
+                <a:gd name="connsiteX7" fmla="*/ 8934 w 1121999"/>
+                <a:gd name="connsiteY7" fmla="*/ 10 h 1057787"/>
+                <a:gd name="connsiteX8" fmla="*/ 11214 w 1121999"/>
+                <a:gd name="connsiteY8" fmla="*/ 0 h 1057787"/>
+                <a:gd name="connsiteX9" fmla="*/ 503309 w 1121999"/>
+                <a:gd name="connsiteY9" fmla="*/ 86819 h 1057787"/>
               </a:gdLst>
               <a:ahLst/>
               <a:cxnLst>
@@ -4122,37 +6012,74 @@
                 <a:cxn ang="0">
                   <a:pos x="connsiteX5" y="connsiteY5"/>
                 </a:cxn>
+                <a:cxn ang="0">
+                  <a:pos x="connsiteX6" y="connsiteY6"/>
+                </a:cxn>
+                <a:cxn ang="0">
+                  <a:pos x="connsiteX7" y="connsiteY7"/>
+                </a:cxn>
+                <a:cxn ang="0">
+                  <a:pos x="connsiteX8" y="connsiteY8"/>
+                </a:cxn>
+                <a:cxn ang="0">
+                  <a:pos x="connsiteX9" y="connsiteY9"/>
+                </a:cxn>
               </a:cxnLst>
               <a:rect l="l" t="t" r="r" b="b"/>
               <a:pathLst>
-                <a:path w="1657632" h="2561153">
+                <a:path w="1121999" h="1057787">
                   <a:moveTo>
-                    <a:pt x="1657632" y="585664"/>
+                    <a:pt x="503309" y="86819"/>
                   </a:moveTo>
+                  <a:cubicBezTo>
+                    <a:pt x="715776" y="154627"/>
+                    <a:pt x="917063" y="260902"/>
+                    <a:pt x="1095747" y="403664"/>
+                  </a:cubicBezTo>
                   <a:lnTo>
-                    <a:pt x="0" y="2561153"/>
+                    <a:pt x="1121999" y="426732"/>
                   </a:lnTo>
                   <a:lnTo>
-                    <a:pt x="0" y="1817"/>
+                    <a:pt x="592480" y="1057787"/>
                   </a:lnTo>
                   <a:lnTo>
-                    <a:pt x="45897" y="0"/>
+                    <a:pt x="620866" y="1037070"/>
                   </a:lnTo>
                   <a:cubicBezTo>
-                    <a:pt x="541245" y="4047"/>
-                    <a:pt x="1037978" y="150123"/>
-                    <a:pt x="1470358" y="443982"/>
+                    <a:pt x="471887" y="918041"/>
+                    <a:pt x="385583" y="824530"/>
+                    <a:pt x="201498" y="800479"/>
                   </a:cubicBezTo>
                   <a:lnTo>
-                    <a:pt x="1657632" y="585664"/>
+                    <a:pt x="0" y="767261"/>
                   </a:lnTo>
+                  <a:lnTo>
+                    <a:pt x="8934" y="10"/>
+                  </a:lnTo>
+                  <a:lnTo>
+                    <a:pt x="11214" y="0"/>
+                  </a:lnTo>
+                  <a:cubicBezTo>
+                    <a:pt x="178321" y="6744"/>
+                    <a:pt x="343960" y="35963"/>
+                    <a:pt x="503309" y="86819"/>
+                  </a:cubicBezTo>
                   <a:close/>
                 </a:path>
               </a:pathLst>
             </a:custGeom>
-            <a:solidFill>
-              <a:srgbClr val="66CB5E"/>
-            </a:solidFill>
+            <a:gradFill flip="none" rotWithShape="1">
+              <a:gsLst>
+                <a:gs pos="12000">
+                  <a:srgbClr val="5C176F"/>
+                </a:gs>
+                <a:gs pos="62000">
+                  <a:srgbClr val="349853"/>
+                </a:gs>
+              </a:gsLst>
+              <a:lin ang="1200000" scaled="0"/>
+              <a:tileRect/>
+            </a:gradFill>
             <a:ln>
               <a:noFill/>
             </a:ln>
@@ -4180,95 +6107,16 @@
             <a:lstStyle/>
             <a:p>
               <a:pPr algn="ctr"/>
-              <a:endParaRPr lang="en-US" sz="1400">
-                <a:solidFill>
-                  <a:schemeClr val="bg1"/>
-                </a:solidFill>
-              </a:endParaRPr>
+              <a:endParaRPr lang="en-US"/>
             </a:p>
           </p:txBody>
         </p:sp>
         <p:sp>
           <p:nvSpPr>
-            <p:cNvPr id="62" name="TextBox 61">
+            <p:cNvPr id="77" name="Freeform: Shape 76">
               <a:extLst>
                 <a:ext uri="{FF2B5EF4-FFF2-40B4-BE49-F238E27FC236}">
-                  <a16:creationId xmlns:a16="http://schemas.microsoft.com/office/drawing/2014/main" id="{69774803-D8FA-FB35-FE18-FAC59780211C}"/>
-                </a:ext>
-              </a:extLst>
-            </p:cNvPr>
-            <p:cNvSpPr txBox="1"/>
-            <p:nvPr/>
-          </p:nvSpPr>
-          <p:spPr>
-            <a:xfrm rot="20309908">
-              <a:off x="4319876" y="934255"/>
-              <a:ext cx="2029521" cy="588972"/>
-            </a:xfrm>
-            <a:prstGeom prst="rect">
-              <a:avLst/>
-            </a:prstGeom>
-            <a:noFill/>
-          </p:spPr>
-          <p:txBody>
-            <a:bodyPr wrap="square" rtlCol="0">
-              <a:prstTxWarp prst="textArchUp">
-                <a:avLst/>
-              </a:prstTxWarp>
-              <a:spAutoFit/>
-            </a:bodyPr>
-            <a:lstStyle/>
-            <a:p>
-              <a:pPr algn="ctr"/>
-              <a:r>
-                <a:rPr lang="en-US" sz="1400" dirty="0">
-                  <a:solidFill>
-                    <a:schemeClr val="bg1"/>
-                  </a:solidFill>
-                </a:rPr>
-                <a:t>Geographic &amp; physical</a:t>
-              </a:r>
-            </a:p>
-            <a:p>
-              <a:pPr algn="ctr"/>
-              <a:r>
-                <a:rPr lang="en-US" sz="1400" dirty="0">
-                  <a:solidFill>
-                    <a:schemeClr val="bg1"/>
-                  </a:solidFill>
-                </a:rPr>
-                <a:t> environment</a:t>
-              </a:r>
-            </a:p>
-          </p:txBody>
-        </p:sp>
-      </p:grpSp>
-      <p:grpSp>
-        <p:nvGrpSpPr>
-          <p:cNvPr id="83" name="Climate change">
-            <a:extLst>
-              <a:ext uri="{FF2B5EF4-FFF2-40B4-BE49-F238E27FC236}">
-                <a16:creationId xmlns:a16="http://schemas.microsoft.com/office/drawing/2014/main" id="{AAE98D02-997F-1A44-BEDE-20FD3032F862}"/>
-              </a:ext>
-            </a:extLst>
-          </p:cNvPr>
-          <p:cNvGrpSpPr/>
-          <p:nvPr/>
-        </p:nvGrpSpPr>
-        <p:grpSpPr>
-          <a:xfrm>
-            <a:off x="2002728" y="1340194"/>
-            <a:ext cx="1889079" cy="2986781"/>
-            <a:chOff x="3374328" y="1149693"/>
-            <a:chExt cx="1889079" cy="2986781"/>
-          </a:xfrm>
-        </p:grpSpPr>
-        <p:sp>
-          <p:nvSpPr>
-            <p:cNvPr id="51" name="Freeform: Shape 50">
-              <a:extLst>
-                <a:ext uri="{FF2B5EF4-FFF2-40B4-BE49-F238E27FC236}">
-                  <a16:creationId xmlns:a16="http://schemas.microsoft.com/office/drawing/2014/main" id="{CBA12920-937B-D9AD-5BE1-53F3496FAEF8}"/>
+                  <a16:creationId xmlns:a16="http://schemas.microsoft.com/office/drawing/2014/main" id="{9F6C5DBF-C71D-687C-75F4-A0C297EAB464}"/>
                 </a:ext>
               </a:extLst>
             </p:cNvPr>
@@ -4276,25 +6124,193 @@
             <p:nvPr/>
           </p:nvSpPr>
           <p:spPr>
-            <a:xfrm rot="19200000">
-              <a:off x="3374328" y="1178672"/>
-              <a:ext cx="1889079" cy="2957802"/>
+            <a:xfrm rot="6106247">
+              <a:off x="5028017" y="3583353"/>
+              <a:ext cx="1323552" cy="1009114"/>
             </a:xfrm>
             <a:custGeom>
               <a:avLst/>
               <a:gdLst>
-                <a:gd name="connsiteX0" fmla="*/ 1632277 w 1632277"/>
-                <a:gd name="connsiteY0" fmla="*/ 0 h 2555717"/>
-                <a:gd name="connsiteX1" fmla="*/ 1632277 w 1632277"/>
-                <a:gd name="connsiteY1" fmla="*/ 2555717 h 2555717"/>
-                <a:gd name="connsiteX2" fmla="*/ 0 w 1632277"/>
-                <a:gd name="connsiteY2" fmla="*/ 610446 h 2555717"/>
-                <a:gd name="connsiteX3" fmla="*/ 63652 w 1632277"/>
-                <a:gd name="connsiteY3" fmla="*/ 554482 h 2555717"/>
-                <a:gd name="connsiteX4" fmla="*/ 1440065 w 1632277"/>
-                <a:gd name="connsiteY4" fmla="*/ 7607 h 2555717"/>
-                <a:gd name="connsiteX5" fmla="*/ 1632277 w 1632277"/>
-                <a:gd name="connsiteY5" fmla="*/ 0 h 2555717"/>
+                <a:gd name="connsiteX0" fmla="*/ 494375 w 1113065"/>
+                <a:gd name="connsiteY0" fmla="*/ 86819 h 1057787"/>
+                <a:gd name="connsiteX1" fmla="*/ 1086813 w 1113065"/>
+                <a:gd name="connsiteY1" fmla="*/ 403664 h 1057787"/>
+                <a:gd name="connsiteX2" fmla="*/ 1113065 w 1113065"/>
+                <a:gd name="connsiteY2" fmla="*/ 426732 h 1057787"/>
+                <a:gd name="connsiteX3" fmla="*/ 583546 w 1113065"/>
+                <a:gd name="connsiteY3" fmla="*/ 1057787 h 1057787"/>
+                <a:gd name="connsiteX4" fmla="*/ 572460 w 1113065"/>
+                <a:gd name="connsiteY4" fmla="*/ 1048044 h 1057787"/>
+                <a:gd name="connsiteX5" fmla="*/ 62148 w 1113065"/>
+                <a:gd name="connsiteY5" fmla="*/ 831567 h 1057787"/>
+                <a:gd name="connsiteX6" fmla="*/ 0 w 1113065"/>
+                <a:gd name="connsiteY6" fmla="*/ 826263 h 1057787"/>
+                <a:gd name="connsiteX7" fmla="*/ 0 w 1113065"/>
+                <a:gd name="connsiteY7" fmla="*/ 10 h 1057787"/>
+                <a:gd name="connsiteX8" fmla="*/ 2280 w 1113065"/>
+                <a:gd name="connsiteY8" fmla="*/ 0 h 1057787"/>
+                <a:gd name="connsiteX9" fmla="*/ 494375 w 1113065"/>
+                <a:gd name="connsiteY9" fmla="*/ 86819 h 1057787"/>
+                <a:gd name="connsiteX0" fmla="*/ 503309 w 1121999"/>
+                <a:gd name="connsiteY0" fmla="*/ 86819 h 1057787"/>
+                <a:gd name="connsiteX1" fmla="*/ 1095747 w 1121999"/>
+                <a:gd name="connsiteY1" fmla="*/ 403664 h 1057787"/>
+                <a:gd name="connsiteX2" fmla="*/ 1121999 w 1121999"/>
+                <a:gd name="connsiteY2" fmla="*/ 426732 h 1057787"/>
+                <a:gd name="connsiteX3" fmla="*/ 592480 w 1121999"/>
+                <a:gd name="connsiteY3" fmla="*/ 1057787 h 1057787"/>
+                <a:gd name="connsiteX4" fmla="*/ 581394 w 1121999"/>
+                <a:gd name="connsiteY4" fmla="*/ 1048044 h 1057787"/>
+                <a:gd name="connsiteX5" fmla="*/ 71082 w 1121999"/>
+                <a:gd name="connsiteY5" fmla="*/ 831567 h 1057787"/>
+                <a:gd name="connsiteX6" fmla="*/ 0 w 1121999"/>
+                <a:gd name="connsiteY6" fmla="*/ 767261 h 1057787"/>
+                <a:gd name="connsiteX7" fmla="*/ 8934 w 1121999"/>
+                <a:gd name="connsiteY7" fmla="*/ 10 h 1057787"/>
+                <a:gd name="connsiteX8" fmla="*/ 11214 w 1121999"/>
+                <a:gd name="connsiteY8" fmla="*/ 0 h 1057787"/>
+                <a:gd name="connsiteX9" fmla="*/ 503309 w 1121999"/>
+                <a:gd name="connsiteY9" fmla="*/ 86819 h 1057787"/>
+                <a:gd name="connsiteX0" fmla="*/ 503309 w 1121999"/>
+                <a:gd name="connsiteY0" fmla="*/ 86819 h 1057787"/>
+                <a:gd name="connsiteX1" fmla="*/ 1095747 w 1121999"/>
+                <a:gd name="connsiteY1" fmla="*/ 403664 h 1057787"/>
+                <a:gd name="connsiteX2" fmla="*/ 1121999 w 1121999"/>
+                <a:gd name="connsiteY2" fmla="*/ 426732 h 1057787"/>
+                <a:gd name="connsiteX3" fmla="*/ 592480 w 1121999"/>
+                <a:gd name="connsiteY3" fmla="*/ 1057787 h 1057787"/>
+                <a:gd name="connsiteX4" fmla="*/ 581394 w 1121999"/>
+                <a:gd name="connsiteY4" fmla="*/ 1048044 h 1057787"/>
+                <a:gd name="connsiteX5" fmla="*/ 201498 w 1121999"/>
+                <a:gd name="connsiteY5" fmla="*/ 800479 h 1057787"/>
+                <a:gd name="connsiteX6" fmla="*/ 0 w 1121999"/>
+                <a:gd name="connsiteY6" fmla="*/ 767261 h 1057787"/>
+                <a:gd name="connsiteX7" fmla="*/ 8934 w 1121999"/>
+                <a:gd name="connsiteY7" fmla="*/ 10 h 1057787"/>
+                <a:gd name="connsiteX8" fmla="*/ 11214 w 1121999"/>
+                <a:gd name="connsiteY8" fmla="*/ 0 h 1057787"/>
+                <a:gd name="connsiteX9" fmla="*/ 503309 w 1121999"/>
+                <a:gd name="connsiteY9" fmla="*/ 86819 h 1057787"/>
+                <a:gd name="connsiteX0" fmla="*/ 503309 w 1121999"/>
+                <a:gd name="connsiteY0" fmla="*/ 86819 h 1057787"/>
+                <a:gd name="connsiteX1" fmla="*/ 1095747 w 1121999"/>
+                <a:gd name="connsiteY1" fmla="*/ 403664 h 1057787"/>
+                <a:gd name="connsiteX2" fmla="*/ 1121999 w 1121999"/>
+                <a:gd name="connsiteY2" fmla="*/ 426732 h 1057787"/>
+                <a:gd name="connsiteX3" fmla="*/ 592480 w 1121999"/>
+                <a:gd name="connsiteY3" fmla="*/ 1057787 h 1057787"/>
+                <a:gd name="connsiteX4" fmla="*/ 620866 w 1121999"/>
+                <a:gd name="connsiteY4" fmla="*/ 1037070 h 1057787"/>
+                <a:gd name="connsiteX5" fmla="*/ 201498 w 1121999"/>
+                <a:gd name="connsiteY5" fmla="*/ 800479 h 1057787"/>
+                <a:gd name="connsiteX6" fmla="*/ 0 w 1121999"/>
+                <a:gd name="connsiteY6" fmla="*/ 767261 h 1057787"/>
+                <a:gd name="connsiteX7" fmla="*/ 8934 w 1121999"/>
+                <a:gd name="connsiteY7" fmla="*/ 10 h 1057787"/>
+                <a:gd name="connsiteX8" fmla="*/ 11214 w 1121999"/>
+                <a:gd name="connsiteY8" fmla="*/ 0 h 1057787"/>
+                <a:gd name="connsiteX9" fmla="*/ 503309 w 1121999"/>
+                <a:gd name="connsiteY9" fmla="*/ 86819 h 1057787"/>
+                <a:gd name="connsiteX0" fmla="*/ 503309 w 1121999"/>
+                <a:gd name="connsiteY0" fmla="*/ 86819 h 1037070"/>
+                <a:gd name="connsiteX1" fmla="*/ 1095747 w 1121999"/>
+                <a:gd name="connsiteY1" fmla="*/ 403664 h 1037070"/>
+                <a:gd name="connsiteX2" fmla="*/ 1121999 w 1121999"/>
+                <a:gd name="connsiteY2" fmla="*/ 426732 h 1037070"/>
+                <a:gd name="connsiteX3" fmla="*/ 636479 w 1121999"/>
+                <a:gd name="connsiteY3" fmla="*/ 1012132 h 1037070"/>
+                <a:gd name="connsiteX4" fmla="*/ 620866 w 1121999"/>
+                <a:gd name="connsiteY4" fmla="*/ 1037070 h 1037070"/>
+                <a:gd name="connsiteX5" fmla="*/ 201498 w 1121999"/>
+                <a:gd name="connsiteY5" fmla="*/ 800479 h 1037070"/>
+                <a:gd name="connsiteX6" fmla="*/ 0 w 1121999"/>
+                <a:gd name="connsiteY6" fmla="*/ 767261 h 1037070"/>
+                <a:gd name="connsiteX7" fmla="*/ 8934 w 1121999"/>
+                <a:gd name="connsiteY7" fmla="*/ 10 h 1037070"/>
+                <a:gd name="connsiteX8" fmla="*/ 11214 w 1121999"/>
+                <a:gd name="connsiteY8" fmla="*/ 0 h 1037070"/>
+                <a:gd name="connsiteX9" fmla="*/ 503309 w 1121999"/>
+                <a:gd name="connsiteY9" fmla="*/ 86819 h 1037070"/>
+                <a:gd name="connsiteX0" fmla="*/ 503309 w 1121999"/>
+                <a:gd name="connsiteY0" fmla="*/ 86819 h 1012132"/>
+                <a:gd name="connsiteX1" fmla="*/ 1095747 w 1121999"/>
+                <a:gd name="connsiteY1" fmla="*/ 403664 h 1012132"/>
+                <a:gd name="connsiteX2" fmla="*/ 1121999 w 1121999"/>
+                <a:gd name="connsiteY2" fmla="*/ 426732 h 1012132"/>
+                <a:gd name="connsiteX3" fmla="*/ 636479 w 1121999"/>
+                <a:gd name="connsiteY3" fmla="*/ 1012132 h 1012132"/>
+                <a:gd name="connsiteX4" fmla="*/ 621059 w 1121999"/>
+                <a:gd name="connsiteY4" fmla="*/ 1002975 h 1012132"/>
+                <a:gd name="connsiteX5" fmla="*/ 201498 w 1121999"/>
+                <a:gd name="connsiteY5" fmla="*/ 800479 h 1012132"/>
+                <a:gd name="connsiteX6" fmla="*/ 0 w 1121999"/>
+                <a:gd name="connsiteY6" fmla="*/ 767261 h 1012132"/>
+                <a:gd name="connsiteX7" fmla="*/ 8934 w 1121999"/>
+                <a:gd name="connsiteY7" fmla="*/ 10 h 1012132"/>
+                <a:gd name="connsiteX8" fmla="*/ 11214 w 1121999"/>
+                <a:gd name="connsiteY8" fmla="*/ 0 h 1012132"/>
+                <a:gd name="connsiteX9" fmla="*/ 503309 w 1121999"/>
+                <a:gd name="connsiteY9" fmla="*/ 86819 h 1012132"/>
+                <a:gd name="connsiteX0" fmla="*/ 634977 w 1253667"/>
+                <a:gd name="connsiteY0" fmla="*/ 86809 h 1012122"/>
+                <a:gd name="connsiteX1" fmla="*/ 1227415 w 1253667"/>
+                <a:gd name="connsiteY1" fmla="*/ 403654 h 1012122"/>
+                <a:gd name="connsiteX2" fmla="*/ 1253667 w 1253667"/>
+                <a:gd name="connsiteY2" fmla="*/ 426722 h 1012122"/>
+                <a:gd name="connsiteX3" fmla="*/ 768147 w 1253667"/>
+                <a:gd name="connsiteY3" fmla="*/ 1012122 h 1012122"/>
+                <a:gd name="connsiteX4" fmla="*/ 752727 w 1253667"/>
+                <a:gd name="connsiteY4" fmla="*/ 1002965 h 1012122"/>
+                <a:gd name="connsiteX5" fmla="*/ 333166 w 1253667"/>
+                <a:gd name="connsiteY5" fmla="*/ 800469 h 1012122"/>
+                <a:gd name="connsiteX6" fmla="*/ 131668 w 1253667"/>
+                <a:gd name="connsiteY6" fmla="*/ 767251 h 1012122"/>
+                <a:gd name="connsiteX7" fmla="*/ 140602 w 1253667"/>
+                <a:gd name="connsiteY7" fmla="*/ 0 h 1012122"/>
+                <a:gd name="connsiteX8" fmla="*/ 0 w 1253667"/>
+                <a:gd name="connsiteY8" fmla="*/ 3008 h 1012122"/>
+                <a:gd name="connsiteX9" fmla="*/ 634977 w 1253667"/>
+                <a:gd name="connsiteY9" fmla="*/ 86809 h 1012122"/>
+                <a:gd name="connsiteX0" fmla="*/ 694562 w 1313252"/>
+                <a:gd name="connsiteY0" fmla="*/ 86809 h 1012122"/>
+                <a:gd name="connsiteX1" fmla="*/ 1287000 w 1313252"/>
+                <a:gd name="connsiteY1" fmla="*/ 403654 h 1012122"/>
+                <a:gd name="connsiteX2" fmla="*/ 1313252 w 1313252"/>
+                <a:gd name="connsiteY2" fmla="*/ 426722 h 1012122"/>
+                <a:gd name="connsiteX3" fmla="*/ 827732 w 1313252"/>
+                <a:gd name="connsiteY3" fmla="*/ 1012122 h 1012122"/>
+                <a:gd name="connsiteX4" fmla="*/ 812312 w 1313252"/>
+                <a:gd name="connsiteY4" fmla="*/ 1002965 h 1012122"/>
+                <a:gd name="connsiteX5" fmla="*/ 392751 w 1313252"/>
+                <a:gd name="connsiteY5" fmla="*/ 800469 h 1012122"/>
+                <a:gd name="connsiteX6" fmla="*/ 0 w 1313252"/>
+                <a:gd name="connsiteY6" fmla="*/ 794943 h 1012122"/>
+                <a:gd name="connsiteX7" fmla="*/ 200187 w 1313252"/>
+                <a:gd name="connsiteY7" fmla="*/ 0 h 1012122"/>
+                <a:gd name="connsiteX8" fmla="*/ 59585 w 1313252"/>
+                <a:gd name="connsiteY8" fmla="*/ 3008 h 1012122"/>
+                <a:gd name="connsiteX9" fmla="*/ 694562 w 1313252"/>
+                <a:gd name="connsiteY9" fmla="*/ 86809 h 1012122"/>
+                <a:gd name="connsiteX0" fmla="*/ 704862 w 1323552"/>
+                <a:gd name="connsiteY0" fmla="*/ 83801 h 1009114"/>
+                <a:gd name="connsiteX1" fmla="*/ 1297300 w 1323552"/>
+                <a:gd name="connsiteY1" fmla="*/ 400646 h 1009114"/>
+                <a:gd name="connsiteX2" fmla="*/ 1323552 w 1323552"/>
+                <a:gd name="connsiteY2" fmla="*/ 423714 h 1009114"/>
+                <a:gd name="connsiteX3" fmla="*/ 838032 w 1323552"/>
+                <a:gd name="connsiteY3" fmla="*/ 1009114 h 1009114"/>
+                <a:gd name="connsiteX4" fmla="*/ 822612 w 1323552"/>
+                <a:gd name="connsiteY4" fmla="*/ 999957 h 1009114"/>
+                <a:gd name="connsiteX5" fmla="*/ 403051 w 1323552"/>
+                <a:gd name="connsiteY5" fmla="*/ 797461 h 1009114"/>
+                <a:gd name="connsiteX6" fmla="*/ 10300 w 1323552"/>
+                <a:gd name="connsiteY6" fmla="*/ 791935 h 1009114"/>
+                <a:gd name="connsiteX7" fmla="*/ 0 w 1323552"/>
+                <a:gd name="connsiteY7" fmla="*/ 14097 h 1009114"/>
+                <a:gd name="connsiteX8" fmla="*/ 69885 w 1323552"/>
+                <a:gd name="connsiteY8" fmla="*/ 0 h 1009114"/>
+                <a:gd name="connsiteX9" fmla="*/ 704862 w 1323552"/>
+                <a:gd name="connsiteY9" fmla="*/ 83801 h 1009114"/>
               </a:gdLst>
               <a:ahLst/>
               <a:cxnLst>
@@ -4316,37 +6332,74 @@
                 <a:cxn ang="0">
                   <a:pos x="connsiteX5" y="connsiteY5"/>
                 </a:cxn>
+                <a:cxn ang="0">
+                  <a:pos x="connsiteX6" y="connsiteY6"/>
+                </a:cxn>
+                <a:cxn ang="0">
+                  <a:pos x="connsiteX7" y="connsiteY7"/>
+                </a:cxn>
+                <a:cxn ang="0">
+                  <a:pos x="connsiteX8" y="connsiteY8"/>
+                </a:cxn>
+                <a:cxn ang="0">
+                  <a:pos x="connsiteX9" y="connsiteY9"/>
+                </a:cxn>
               </a:cxnLst>
               <a:rect l="l" t="t" r="r" b="b"/>
               <a:pathLst>
-                <a:path w="1632277" h="2555717">
+                <a:path w="1323552" h="1009114">
                   <a:moveTo>
-                    <a:pt x="1632277" y="0"/>
+                    <a:pt x="704862" y="83801"/>
                   </a:moveTo>
+                  <a:cubicBezTo>
+                    <a:pt x="917329" y="151609"/>
+                    <a:pt x="1118616" y="257884"/>
+                    <a:pt x="1297300" y="400646"/>
+                  </a:cubicBezTo>
                   <a:lnTo>
-                    <a:pt x="1632277" y="2555717"/>
+                    <a:pt x="1323552" y="423714"/>
                   </a:lnTo>
                   <a:lnTo>
-                    <a:pt x="0" y="610446"/>
+                    <a:pt x="838032" y="1009114"/>
                   </a:lnTo>
                   <a:lnTo>
-                    <a:pt x="63652" y="554482"/>
+                    <a:pt x="822612" y="999957"/>
                   </a:lnTo>
                   <a:cubicBezTo>
-                    <a:pt x="466289" y="234953"/>
-                    <a:pt x="947005" y="50744"/>
-                    <a:pt x="1440065" y="7607"/>
+                    <a:pt x="673633" y="880928"/>
+                    <a:pt x="587136" y="821512"/>
+                    <a:pt x="403051" y="797461"/>
                   </a:cubicBezTo>
                   <a:lnTo>
-                    <a:pt x="1632277" y="0"/>
+                    <a:pt x="10300" y="791935"/>
                   </a:lnTo>
+                  <a:lnTo>
+                    <a:pt x="0" y="14097"/>
+                  </a:lnTo>
+                  <a:lnTo>
+                    <a:pt x="69885" y="0"/>
+                  </a:lnTo>
+                  <a:cubicBezTo>
+                    <a:pt x="236992" y="6744"/>
+                    <a:pt x="545513" y="32945"/>
+                    <a:pt x="704862" y="83801"/>
+                  </a:cubicBezTo>
                   <a:close/>
                 </a:path>
               </a:pathLst>
             </a:custGeom>
-            <a:solidFill>
-              <a:srgbClr val="21A684"/>
-            </a:solidFill>
+            <a:gradFill flip="none" rotWithShape="1">
+              <a:gsLst>
+                <a:gs pos="21000">
+                  <a:srgbClr val="E56A0D"/>
+                </a:gs>
+                <a:gs pos="62000">
+                  <a:srgbClr val="5C176F"/>
+                </a:gs>
+              </a:gsLst>
+              <a:lin ang="1200000" scaled="0"/>
+              <a:tileRect/>
+            </a:gradFill>
             <a:ln>
               <a:noFill/>
             </a:ln>
@@ -4374,95 +6427,16 @@
             <a:lstStyle/>
             <a:p>
               <a:pPr algn="ctr"/>
-              <a:endParaRPr lang="en-US" sz="1400">
-                <a:solidFill>
-                  <a:schemeClr val="bg1"/>
-                </a:solidFill>
-              </a:endParaRPr>
+              <a:endParaRPr lang="en-US"/>
             </a:p>
           </p:txBody>
         </p:sp>
         <p:sp>
           <p:nvSpPr>
-            <p:cNvPr id="63" name="TextBox 62">
+            <p:cNvPr id="78" name="Circle: Hollow 77">
               <a:extLst>
                 <a:ext uri="{FF2B5EF4-FFF2-40B4-BE49-F238E27FC236}">
-                  <a16:creationId xmlns:a16="http://schemas.microsoft.com/office/drawing/2014/main" id="{F47FCA39-C70A-1960-B591-225564834849}"/>
-                </a:ext>
-              </a:extLst>
-            </p:cNvPr>
-            <p:cNvSpPr txBox="1"/>
-            <p:nvPr/>
-          </p:nvSpPr>
-          <p:spPr>
-            <a:xfrm rot="17823125">
-              <a:off x="3147293" y="1991226"/>
-              <a:ext cx="2029520" cy="346454"/>
-            </a:xfrm>
-            <a:prstGeom prst="rect">
-              <a:avLst/>
-            </a:prstGeom>
-            <a:noFill/>
-          </p:spPr>
-          <p:txBody>
-            <a:bodyPr wrap="square" rtlCol="0">
-              <a:prstTxWarp prst="textArchUp">
-                <a:avLst/>
-              </a:prstTxWarp>
-              <a:spAutoFit/>
-            </a:bodyPr>
-            <a:lstStyle/>
-            <a:p>
-              <a:pPr algn="ctr"/>
-              <a:r>
-                <a:rPr lang="en-US" sz="1400" dirty="0">
-                  <a:solidFill>
-                    <a:schemeClr val="bg1"/>
-                  </a:solidFill>
-                </a:rPr>
-                <a:t>Climate </a:t>
-              </a:r>
-            </a:p>
-            <a:p>
-              <a:pPr algn="ctr"/>
-              <a:r>
-                <a:rPr lang="en-US" sz="1400" dirty="0">
-                  <a:solidFill>
-                    <a:schemeClr val="bg1"/>
-                  </a:solidFill>
-                </a:rPr>
-                <a:t>change</a:t>
-              </a:r>
-            </a:p>
-          </p:txBody>
-        </p:sp>
-      </p:grpSp>
-      <p:grpSp>
-        <p:nvGrpSpPr>
-          <p:cNvPr id="82" name="Social environment">
-            <a:extLst>
-              <a:ext uri="{FF2B5EF4-FFF2-40B4-BE49-F238E27FC236}">
-                <a16:creationId xmlns:a16="http://schemas.microsoft.com/office/drawing/2014/main" id="{7843AF88-3BC9-B428-7AD9-C5F7E1249C52}"/>
-              </a:ext>
-            </a:extLst>
-          </p:cNvPr>
-          <p:cNvGrpSpPr/>
-          <p:nvPr/>
-        </p:nvGrpSpPr>
-        <p:grpSpPr>
-          <a:xfrm>
-            <a:off x="1344749" y="2324508"/>
-            <a:ext cx="2891407" cy="2426736"/>
-            <a:chOff x="2716349" y="2134008"/>
-            <a:chExt cx="2891407" cy="2426736"/>
-          </a:xfrm>
-        </p:grpSpPr>
-        <p:sp>
-          <p:nvSpPr>
-            <p:cNvPr id="53" name="Shape - Social Environment">
-              <a:extLst>
-                <a:ext uri="{FF2B5EF4-FFF2-40B4-BE49-F238E27FC236}">
-                  <a16:creationId xmlns:a16="http://schemas.microsoft.com/office/drawing/2014/main" id="{306BC7FD-CD70-45CF-A1D9-E25683527D54}"/>
+                  <a16:creationId xmlns:a16="http://schemas.microsoft.com/office/drawing/2014/main" id="{B4109577-37D3-8287-8A85-9BBB15153A69}"/>
                 </a:ext>
               </a:extLst>
             </p:cNvPr>
@@ -4470,86 +6444,17 @@
             <p:nvPr/>
           </p:nvSpPr>
           <p:spPr>
-            <a:xfrm rot="19200000">
-              <a:off x="2716349" y="2134008"/>
-              <a:ext cx="2891407" cy="2253013"/>
+            <a:xfrm>
+              <a:off x="2830189" y="1640830"/>
+              <a:ext cx="3530470" cy="3530471"/>
             </a:xfrm>
-            <a:custGeom>
-              <a:avLst/>
-              <a:gdLst>
-                <a:gd name="connsiteX0" fmla="*/ 864842 w 2498348"/>
-                <a:gd name="connsiteY0" fmla="*/ 0 h 1946737"/>
-                <a:gd name="connsiteX1" fmla="*/ 2498348 w 2498348"/>
-                <a:gd name="connsiteY1" fmla="*/ 1946737 h 1946737"/>
-                <a:gd name="connsiteX2" fmla="*/ 0 w 2498348"/>
-                <a:gd name="connsiteY2" fmla="*/ 1506210 h 1946737"/>
-                <a:gd name="connsiteX3" fmla="*/ 9537 w 2498348"/>
-                <a:gd name="connsiteY3" fmla="*/ 1444029 h 1946737"/>
-                <a:gd name="connsiteX4" fmla="*/ 561188 w 2498348"/>
-                <a:gd name="connsiteY4" fmla="*/ 302419 h 1946737"/>
-                <a:gd name="connsiteX5" fmla="*/ 740856 w 2498348"/>
-                <a:gd name="connsiteY5" fmla="*/ 109010 h 1946737"/>
-                <a:gd name="connsiteX6" fmla="*/ 864842 w 2498348"/>
-                <a:gd name="connsiteY6" fmla="*/ 0 h 1946737"/>
-              </a:gdLst>
-              <a:ahLst/>
-              <a:cxnLst>
-                <a:cxn ang="0">
-                  <a:pos x="connsiteX0" y="connsiteY0"/>
-                </a:cxn>
-                <a:cxn ang="0">
-                  <a:pos x="connsiteX1" y="connsiteY1"/>
-                </a:cxn>
-                <a:cxn ang="0">
-                  <a:pos x="connsiteX2" y="connsiteY2"/>
-                </a:cxn>
-                <a:cxn ang="0">
-                  <a:pos x="connsiteX3" y="connsiteY3"/>
-                </a:cxn>
-                <a:cxn ang="0">
-                  <a:pos x="connsiteX4" y="connsiteY4"/>
-                </a:cxn>
-                <a:cxn ang="0">
-                  <a:pos x="connsiteX5" y="connsiteY5"/>
-                </a:cxn>
-                <a:cxn ang="0">
-                  <a:pos x="connsiteX6" y="connsiteY6"/>
-                </a:cxn>
-              </a:cxnLst>
-              <a:rect l="l" t="t" r="r" b="b"/>
-              <a:pathLst>
-                <a:path w="2498348" h="1946737">
-                  <a:moveTo>
-                    <a:pt x="864842" y="0"/>
-                  </a:moveTo>
-                  <a:lnTo>
-                    <a:pt x="2498348" y="1946737"/>
-                  </a:lnTo>
-                  <a:lnTo>
-                    <a:pt x="0" y="1506210"/>
-                  </a:lnTo>
-                  <a:lnTo>
-                    <a:pt x="9537" y="1444029"/>
-                  </a:lnTo>
-                  <a:cubicBezTo>
-                    <a:pt x="92348" y="1036557"/>
-                    <a:pt x="275122" y="643339"/>
-                    <a:pt x="561188" y="302419"/>
-                  </a:cubicBezTo>
-                  <a:cubicBezTo>
-                    <a:pt x="618401" y="234235"/>
-                    <a:pt x="678392" y="169757"/>
-                    <a:pt x="740856" y="109010"/>
-                  </a:cubicBezTo>
-                  <a:lnTo>
-                    <a:pt x="864842" y="0"/>
-                  </a:lnTo>
-                  <a:close/>
-                </a:path>
-              </a:pathLst>
-            </a:custGeom>
+            <a:prstGeom prst="donut">
+              <a:avLst>
+                <a:gd name="adj" fmla="val 2304"/>
+              </a:avLst>
+            </a:prstGeom>
             <a:solidFill>
-              <a:srgbClr val="3F5F7A"/>
+              <a:schemeClr val="bg1"/>
             </a:solidFill>
             <a:ln>
               <a:noFill/>
@@ -4572,97 +6477,24 @@
             </a:fontRef>
           </p:style>
           <p:txBody>
-            <a:bodyPr wrap="square" rtlCol="0" anchor="ctr">
-              <a:noAutofit/>
-            </a:bodyPr>
+            <a:bodyPr rtlCol="0" anchor="ctr"/>
             <a:lstStyle/>
             <a:p>
               <a:pPr algn="ctr"/>
-              <a:endParaRPr lang="en-US" sz="1400"/>
+              <a:endParaRPr lang="en-US" sz="1400">
+                <a:solidFill>
+                  <a:schemeClr val="tx1"/>
+                </a:solidFill>
+              </a:endParaRPr>
             </a:p>
           </p:txBody>
         </p:sp>
         <p:sp>
           <p:nvSpPr>
-            <p:cNvPr id="64" name="Text- Social Environment">
+            <p:cNvPr id="79" name="Circle: Hollow 78">
               <a:extLst>
                 <a:ext uri="{FF2B5EF4-FFF2-40B4-BE49-F238E27FC236}">
-                  <a16:creationId xmlns:a16="http://schemas.microsoft.com/office/drawing/2014/main" id="{848A2BE2-18A7-FF8A-6DBD-216C090DB44E}"/>
-                </a:ext>
-              </a:extLst>
-            </p:cNvPr>
-            <p:cNvSpPr txBox="1"/>
-            <p:nvPr/>
-          </p:nvSpPr>
-          <p:spPr>
-            <a:xfrm rot="15655923">
-              <a:off x="2974676" y="3251498"/>
-              <a:ext cx="2029520" cy="588972"/>
-            </a:xfrm>
-            <a:prstGeom prst="rect">
-              <a:avLst/>
-            </a:prstGeom>
-            <a:noFill/>
-          </p:spPr>
-          <p:txBody>
-            <a:bodyPr wrap="square" rtlCol="0">
-              <a:prstTxWarp prst="textArchUp">
-                <a:avLst/>
-              </a:prstTxWarp>
-              <a:spAutoFit/>
-            </a:bodyPr>
-            <a:lstStyle/>
-            <a:p>
-              <a:pPr algn="ctr"/>
-              <a:r>
-                <a:rPr lang="en-US" sz="1400" dirty="0">
-                  <a:solidFill>
-                    <a:schemeClr val="bg1"/>
-                  </a:solidFill>
-                </a:rPr>
-                <a:t>Social</a:t>
-              </a:r>
-            </a:p>
-            <a:p>
-              <a:pPr algn="ctr"/>
-              <a:r>
-                <a:rPr lang="en-US" sz="1400" dirty="0">
-                  <a:solidFill>
-                    <a:schemeClr val="bg1"/>
-                  </a:solidFill>
-                </a:rPr>
-                <a:t> environment</a:t>
-              </a:r>
-            </a:p>
-          </p:txBody>
-        </p:sp>
-      </p:grpSp>
-      <p:grpSp>
-        <p:nvGrpSpPr>
-          <p:cNvPr id="81" name="Goverment and political factors">
-            <a:extLst>
-              <a:ext uri="{FF2B5EF4-FFF2-40B4-BE49-F238E27FC236}">
-                <a16:creationId xmlns:a16="http://schemas.microsoft.com/office/drawing/2014/main" id="{D30D712E-EE6C-C004-CDE7-ABD540C7BE6F}"/>
-              </a:ext>
-            </a:extLst>
-          </p:cNvPr>
-          <p:cNvGrpSpPr/>
-          <p:nvPr/>
-        </p:nvGrpSpPr>
-        <p:grpSpPr>
-          <a:xfrm>
-            <a:off x="5249844" y="2218790"/>
-            <a:ext cx="2596257" cy="2806998"/>
-            <a:chOff x="6621444" y="2028290"/>
-            <a:chExt cx="2596257" cy="2806998"/>
-          </a:xfrm>
-        </p:grpSpPr>
-        <p:sp>
-          <p:nvSpPr>
-            <p:cNvPr id="52" name="Freeform: Shape 51">
-              <a:extLst>
-                <a:ext uri="{FF2B5EF4-FFF2-40B4-BE49-F238E27FC236}">
-                  <a16:creationId xmlns:a16="http://schemas.microsoft.com/office/drawing/2014/main" id="{C4724E0E-19AA-79A2-C419-480103DED0DE}"/>
+                  <a16:creationId xmlns:a16="http://schemas.microsoft.com/office/drawing/2014/main" id="{7509BC96-BC65-767E-F461-BD98994A605F}"/>
                 </a:ext>
               </a:extLst>
             </p:cNvPr>
@@ -4670,86 +6502,17 @@
             <p:nvPr/>
           </p:nvSpPr>
           <p:spPr>
-            <a:xfrm rot="19200000">
-              <a:off x="6621444" y="2028290"/>
-              <a:ext cx="2596257" cy="2806998"/>
+            <a:xfrm>
+              <a:off x="3634511" y="2445151"/>
+              <a:ext cx="1921828" cy="1921828"/>
             </a:xfrm>
-            <a:custGeom>
-              <a:avLst/>
-              <a:gdLst>
-                <a:gd name="connsiteX0" fmla="*/ 2243321 w 2243321"/>
-                <a:gd name="connsiteY0" fmla="*/ 1295182 h 2425414"/>
-                <a:gd name="connsiteX1" fmla="*/ 2151597 w 2243321"/>
-                <a:gd name="connsiteY1" fmla="*/ 1445908 h 2425414"/>
-                <a:gd name="connsiteX2" fmla="*/ 1992325 w 2243321"/>
-                <a:gd name="connsiteY2" fmla="*/ 1656432 h 2425414"/>
-                <a:gd name="connsiteX3" fmla="*/ 963852 w 2243321"/>
-                <a:gd name="connsiteY3" fmla="*/ 2397940 h 2425414"/>
-                <a:gd name="connsiteX4" fmla="*/ 882778 w 2243321"/>
-                <a:gd name="connsiteY4" fmla="*/ 2425414 h 2425414"/>
-                <a:gd name="connsiteX5" fmla="*/ 0 w 2243321"/>
-                <a:gd name="connsiteY5" fmla="*/ 0 h 2425414"/>
-                <a:gd name="connsiteX6" fmla="*/ 2243321 w 2243321"/>
-                <a:gd name="connsiteY6" fmla="*/ 1295182 h 2425414"/>
-              </a:gdLst>
-              <a:ahLst/>
-              <a:cxnLst>
-                <a:cxn ang="0">
-                  <a:pos x="connsiteX0" y="connsiteY0"/>
-                </a:cxn>
-                <a:cxn ang="0">
-                  <a:pos x="connsiteX1" y="connsiteY1"/>
-                </a:cxn>
-                <a:cxn ang="0">
-                  <a:pos x="connsiteX2" y="connsiteY2"/>
-                </a:cxn>
-                <a:cxn ang="0">
-                  <a:pos x="connsiteX3" y="connsiteY3"/>
-                </a:cxn>
-                <a:cxn ang="0">
-                  <a:pos x="connsiteX4" y="connsiteY4"/>
-                </a:cxn>
-                <a:cxn ang="0">
-                  <a:pos x="connsiteX5" y="connsiteY5"/>
-                </a:cxn>
-                <a:cxn ang="0">
-                  <a:pos x="connsiteX6" y="connsiteY6"/>
-                </a:cxn>
-              </a:cxnLst>
-              <a:rect l="l" t="t" r="r" b="b"/>
-              <a:pathLst>
-                <a:path w="2243321" h="2425414">
-                  <a:moveTo>
-                    <a:pt x="2243321" y="1295182"/>
-                  </a:moveTo>
-                  <a:lnTo>
-                    <a:pt x="2151597" y="1445908"/>
-                  </a:lnTo>
-                  <a:cubicBezTo>
-                    <a:pt x="2102620" y="1517972"/>
-                    <a:pt x="2049539" y="1588248"/>
-                    <a:pt x="1992325" y="1656432"/>
-                  </a:cubicBezTo>
-                  <a:cubicBezTo>
-                    <a:pt x="1706260" y="1997352"/>
-                    <a:pt x="1350754" y="2245630"/>
-                    <a:pt x="963852" y="2397940"/>
-                  </a:cubicBezTo>
-                  <a:lnTo>
-                    <a:pt x="882778" y="2425414"/>
-                  </a:lnTo>
-                  <a:lnTo>
-                    <a:pt x="0" y="0"/>
-                  </a:lnTo>
-                  <a:lnTo>
-                    <a:pt x="2243321" y="1295182"/>
-                  </a:lnTo>
-                  <a:close/>
-                </a:path>
-              </a:pathLst>
-            </a:custGeom>
+            <a:prstGeom prst="donut">
+              <a:avLst>
+                <a:gd name="adj" fmla="val 2304"/>
+              </a:avLst>
+            </a:prstGeom>
             <a:solidFill>
-              <a:srgbClr val="DF5436"/>
+              <a:schemeClr val="bg1"/>
             </a:solidFill>
             <a:ln>
               <a:noFill/>
@@ -4772,15 +6535,13 @@
             </a:fontRef>
           </p:style>
           <p:txBody>
-            <a:bodyPr wrap="square" rtlCol="0" anchor="ctr">
-              <a:noAutofit/>
-            </a:bodyPr>
+            <a:bodyPr rtlCol="0" anchor="ctr"/>
             <a:lstStyle/>
             <a:p>
               <a:pPr algn="ctr"/>
               <a:endParaRPr lang="en-US" sz="1400">
                 <a:solidFill>
-                  <a:schemeClr val="bg1"/>
+                  <a:schemeClr val="tx1"/>
                 </a:solidFill>
               </a:endParaRPr>
             </a:p>
@@ -4788,1798 +6549,63 @@
         </p:sp>
         <p:sp>
           <p:nvSpPr>
-            <p:cNvPr id="60" name="TextBox 59">
+            <p:cNvPr id="45" name="Circle: Hollow 44">
               <a:extLst>
                 <a:ext uri="{FF2B5EF4-FFF2-40B4-BE49-F238E27FC236}">
-                  <a16:creationId xmlns:a16="http://schemas.microsoft.com/office/drawing/2014/main" id="{5A386FF7-9859-42C0-E34C-B0EB0624A588}"/>
+                  <a16:creationId xmlns:a16="http://schemas.microsoft.com/office/drawing/2014/main" id="{EA08B53D-D913-3B19-D9DC-0162F5BDFBF5}"/>
                 </a:ext>
               </a:extLst>
             </p:cNvPr>
-            <p:cNvSpPr txBox="1"/>
+            <p:cNvSpPr/>
             <p:nvPr/>
           </p:nvSpPr>
           <p:spPr>
-            <a:xfrm rot="6127233">
-              <a:off x="7077374" y="3289371"/>
-              <a:ext cx="2029520" cy="588972"/>
+            <a:xfrm>
+              <a:off x="3843644" y="2633735"/>
+              <a:ext cx="1516338" cy="1516338"/>
             </a:xfrm>
-            <a:prstGeom prst="rect">
-              <a:avLst/>
+            <a:prstGeom prst="donut">
+              <a:avLst>
+                <a:gd name="adj" fmla="val 2304"/>
+              </a:avLst>
             </a:prstGeom>
-            <a:noFill/>
+            <a:solidFill>
+              <a:schemeClr val="bg1"/>
+            </a:solidFill>
+            <a:ln>
+              <a:noFill/>
+            </a:ln>
           </p:spPr>
+          <p:style>
+            <a:lnRef idx="2">
+              <a:schemeClr val="accent1">
+                <a:shade val="50000"/>
+              </a:schemeClr>
+            </a:lnRef>
+            <a:fillRef idx="1">
+              <a:schemeClr val="accent1"/>
+            </a:fillRef>
+            <a:effectRef idx="0">
+              <a:schemeClr val="accent1"/>
+            </a:effectRef>
+            <a:fontRef idx="minor">
+              <a:schemeClr val="lt1"/>
+            </a:fontRef>
+          </p:style>
           <p:txBody>
-            <a:bodyPr wrap="square" rtlCol="0">
-              <a:prstTxWarp prst="textArchUp">
-                <a:avLst/>
-              </a:prstTxWarp>
-              <a:spAutoFit/>
-            </a:bodyPr>
+            <a:bodyPr rtlCol="0" anchor="ctr"/>
             <a:lstStyle/>
             <a:p>
               <a:pPr algn="ctr"/>
-              <a:r>
-                <a:rPr lang="en-US" sz="1400" dirty="0">
-                  <a:solidFill>
-                    <a:schemeClr val="bg1"/>
-                  </a:solidFill>
-                </a:rPr>
-                <a:t>Government and</a:t>
-              </a:r>
-            </a:p>
-            <a:p>
-              <a:pPr algn="ctr"/>
-              <a:r>
-                <a:rPr lang="en-US" sz="1400" dirty="0">
-                  <a:solidFill>
-                    <a:schemeClr val="bg1"/>
-                  </a:solidFill>
-                </a:rPr>
-                <a:t> political factors</a:t>
-              </a:r>
+              <a:endParaRPr lang="en-US" sz="1400">
+                <a:solidFill>
+                  <a:schemeClr val="tx1"/>
+                </a:solidFill>
+              </a:endParaRPr>
             </a:p>
           </p:txBody>
         </p:sp>
       </p:grpSp>
-      <p:sp>
-        <p:nvSpPr>
-          <p:cNvPr id="65" name="Freeform: Shape 64">
-            <a:extLst>
-              <a:ext uri="{FF2B5EF4-FFF2-40B4-BE49-F238E27FC236}">
-                <a16:creationId xmlns:a16="http://schemas.microsoft.com/office/drawing/2014/main" id="{9FFB2C9E-1022-9832-092E-AE7028115787}"/>
-              </a:ext>
-            </a:extLst>
-          </p:cNvPr>
-          <p:cNvSpPr/>
-          <p:nvPr/>
-        </p:nvSpPr>
-        <p:spPr>
-          <a:xfrm rot="19200000">
-            <a:off x="2387687" y="2097853"/>
-            <a:ext cx="2790558" cy="1532568"/>
-          </a:xfrm>
-          <a:custGeom>
-            <a:avLst/>
-            <a:gdLst>
-              <a:gd name="connsiteX0" fmla="*/ 2458737 w 2479025"/>
-              <a:gd name="connsiteY0" fmla="*/ 353740 h 1361475"/>
-              <a:gd name="connsiteX1" fmla="*/ 2479025 w 2479025"/>
-              <a:gd name="connsiteY1" fmla="*/ 372586 h 1361475"/>
-              <a:gd name="connsiteX2" fmla="*/ 2047393 w 2479025"/>
-              <a:gd name="connsiteY2" fmla="*/ 886985 h 1361475"/>
-              <a:gd name="connsiteX3" fmla="*/ 2027105 w 2479025"/>
-              <a:gd name="connsiteY3" fmla="*/ 868139 h 1361475"/>
-              <a:gd name="connsiteX4" fmla="*/ 843203 w 2479025"/>
-              <a:gd name="connsiteY4" fmla="*/ 971717 h 1361475"/>
-              <a:gd name="connsiteX5" fmla="*/ 683535 w 2479025"/>
-              <a:gd name="connsiteY5" fmla="*/ 1264738 h 1361475"/>
-              <a:gd name="connsiteX6" fmla="*/ 663841 w 2479025"/>
-              <a:gd name="connsiteY6" fmla="*/ 1361475 h 1361475"/>
-              <a:gd name="connsiteX7" fmla="*/ 0 w 2479025"/>
-              <a:gd name="connsiteY7" fmla="*/ 1244422 h 1361475"/>
-              <a:gd name="connsiteX8" fmla="*/ 5371 w 2479025"/>
-              <a:gd name="connsiteY8" fmla="*/ 1209413 h 1361475"/>
-              <a:gd name="connsiteX9" fmla="*/ 328804 w 2479025"/>
-              <a:gd name="connsiteY9" fmla="*/ 540085 h 1361475"/>
-              <a:gd name="connsiteX10" fmla="*/ 2458737 w 2479025"/>
-              <a:gd name="connsiteY10" fmla="*/ 353740 h 1361475"/>
-            </a:gdLst>
-            <a:ahLst/>
-            <a:cxnLst>
-              <a:cxn ang="0">
-                <a:pos x="connsiteX0" y="connsiteY0"/>
-              </a:cxn>
-              <a:cxn ang="0">
-                <a:pos x="connsiteX1" y="connsiteY1"/>
-              </a:cxn>
-              <a:cxn ang="0">
-                <a:pos x="connsiteX2" y="connsiteY2"/>
-              </a:cxn>
-              <a:cxn ang="0">
-                <a:pos x="connsiteX3" y="connsiteY3"/>
-              </a:cxn>
-              <a:cxn ang="0">
-                <a:pos x="connsiteX4" y="connsiteY4"/>
-              </a:cxn>
-              <a:cxn ang="0">
-                <a:pos x="connsiteX5" y="connsiteY5"/>
-              </a:cxn>
-              <a:cxn ang="0">
-                <a:pos x="connsiteX6" y="connsiteY6"/>
-              </a:cxn>
-              <a:cxn ang="0">
-                <a:pos x="connsiteX7" y="connsiteY7"/>
-              </a:cxn>
-              <a:cxn ang="0">
-                <a:pos x="connsiteX8" y="connsiteY8"/>
-              </a:cxn>
-              <a:cxn ang="0">
-                <a:pos x="connsiteX9" y="connsiteY9"/>
-              </a:cxn>
-              <a:cxn ang="0">
-                <a:pos x="connsiteX10" y="connsiteY10"/>
-              </a:cxn>
-            </a:cxnLst>
-            <a:rect l="l" t="t" r="r" b="b"/>
-            <a:pathLst>
-              <a:path w="2479025" h="1361475">
-                <a:moveTo>
-                  <a:pt x="2458737" y="353740"/>
-                </a:moveTo>
-                <a:lnTo>
-                  <a:pt x="2479025" y="372586"/>
-                </a:lnTo>
-                <a:lnTo>
-                  <a:pt x="2047393" y="886985"/>
-                </a:lnTo>
-                <a:lnTo>
-                  <a:pt x="2027105" y="868139"/>
-                </a:lnTo>
-                <a:cubicBezTo>
-                  <a:pt x="1671577" y="569815"/>
-                  <a:pt x="1141527" y="616189"/>
-                  <a:pt x="843203" y="971717"/>
-                </a:cubicBezTo>
-                <a:cubicBezTo>
-                  <a:pt x="768622" y="1060599"/>
-                  <a:pt x="715585" y="1160388"/>
-                  <a:pt x="683535" y="1264738"/>
-                </a:cubicBezTo>
-                <a:lnTo>
-                  <a:pt x="663841" y="1361475"/>
-                </a:lnTo>
-                <a:lnTo>
-                  <a:pt x="0" y="1244422"/>
-                </a:lnTo>
-                <a:lnTo>
-                  <a:pt x="5371" y="1209413"/>
-                </a:lnTo>
-                <a:cubicBezTo>
-                  <a:pt x="53923" y="970511"/>
-                  <a:pt x="161083" y="739967"/>
-                  <a:pt x="328804" y="540085"/>
-                </a:cubicBezTo>
-                <a:cubicBezTo>
-                  <a:pt x="865511" y="-99538"/>
-                  <a:pt x="1819115" y="-182967"/>
-                  <a:pt x="2458737" y="353740"/>
-                </a:cubicBezTo>
-                <a:close/>
-              </a:path>
-            </a:pathLst>
-          </a:custGeom>
-          <a:solidFill>
-            <a:srgbClr val="349853"/>
-          </a:solidFill>
-          <a:ln>
-            <a:noFill/>
-          </a:ln>
-        </p:spPr>
-        <p:style>
-          <a:lnRef idx="2">
-            <a:schemeClr val="accent1">
-              <a:shade val="50000"/>
-            </a:schemeClr>
-          </a:lnRef>
-          <a:fillRef idx="1">
-            <a:schemeClr val="accent1"/>
-          </a:fillRef>
-          <a:effectRef idx="0">
-            <a:schemeClr val="accent1"/>
-          </a:effectRef>
-          <a:fontRef idx="minor">
-            <a:schemeClr val="lt1"/>
-          </a:fontRef>
-        </p:style>
-        <p:txBody>
-          <a:bodyPr wrap="square" rtlCol="0" anchor="ctr">
-            <a:noAutofit/>
-          </a:bodyPr>
-          <a:lstStyle/>
-          <a:p>
-            <a:pPr algn="ctr"/>
-            <a:endParaRPr lang="en-US" sz="1400"/>
-          </a:p>
-        </p:txBody>
-      </p:sp>
-      <p:sp>
-        <p:nvSpPr>
-          <p:cNvPr id="66" name="Freeform: Shape 65">
-            <a:extLst>
-              <a:ext uri="{FF2B5EF4-FFF2-40B4-BE49-F238E27FC236}">
-                <a16:creationId xmlns:a16="http://schemas.microsoft.com/office/drawing/2014/main" id="{CABDBD12-81D2-3403-077C-0961BDE37D0D}"/>
-              </a:ext>
-            </a:extLst>
-          </p:cNvPr>
-          <p:cNvSpPr/>
-          <p:nvPr/>
-        </p:nvSpPr>
-        <p:spPr>
-          <a:xfrm rot="19200000">
-            <a:off x="4818555" y="1426546"/>
-            <a:ext cx="1338540" cy="2859228"/>
-          </a:xfrm>
-          <a:custGeom>
-            <a:avLst/>
-            <a:gdLst>
-              <a:gd name="connsiteX0" fmla="*/ 676020 w 1189108"/>
-              <a:gd name="connsiteY0" fmla="*/ 0 h 2540029"/>
-              <a:gd name="connsiteX1" fmla="*/ 762420 w 1189108"/>
-              <a:gd name="connsiteY1" fmla="*/ 80261 h 2540029"/>
-              <a:gd name="connsiteX2" fmla="*/ 835369 w 1189108"/>
-              <a:gd name="connsiteY2" fmla="*/ 2104855 h 2540029"/>
-              <a:gd name="connsiteX3" fmla="*/ 232374 w 1189108"/>
-              <a:gd name="connsiteY3" fmla="*/ 2539602 h 2540029"/>
-              <a:gd name="connsiteX4" fmla="*/ 231117 w 1189108"/>
-              <a:gd name="connsiteY4" fmla="*/ 2540029 h 2540029"/>
-              <a:gd name="connsiteX5" fmla="*/ 0 w 1189108"/>
-              <a:gd name="connsiteY5" fmla="*/ 1905041 h 2540029"/>
-              <a:gd name="connsiteX6" fmla="*/ 60126 w 1189108"/>
-              <a:gd name="connsiteY6" fmla="*/ 1881348 h 2540029"/>
-              <a:gd name="connsiteX7" fmla="*/ 320970 w 1189108"/>
-              <a:gd name="connsiteY7" fmla="*/ 1673223 h 2540029"/>
-              <a:gd name="connsiteX8" fmla="*/ 280422 w 1189108"/>
-              <a:gd name="connsiteY8" fmla="*/ 547873 h 2540029"/>
-              <a:gd name="connsiteX9" fmla="*/ 244388 w 1189108"/>
-              <a:gd name="connsiteY9" fmla="*/ 514399 h 2540029"/>
-              <a:gd name="connsiteX10" fmla="*/ 676020 w 1189108"/>
-              <a:gd name="connsiteY10" fmla="*/ 0 h 2540029"/>
-            </a:gdLst>
-            <a:ahLst/>
-            <a:cxnLst>
-              <a:cxn ang="0">
-                <a:pos x="connsiteX0" y="connsiteY0"/>
-              </a:cxn>
-              <a:cxn ang="0">
-                <a:pos x="connsiteX1" y="connsiteY1"/>
-              </a:cxn>
-              <a:cxn ang="0">
-                <a:pos x="connsiteX2" y="connsiteY2"/>
-              </a:cxn>
-              <a:cxn ang="0">
-                <a:pos x="connsiteX3" y="connsiteY3"/>
-              </a:cxn>
-              <a:cxn ang="0">
-                <a:pos x="connsiteX4" y="connsiteY4"/>
-              </a:cxn>
-              <a:cxn ang="0">
-                <a:pos x="connsiteX5" y="connsiteY5"/>
-              </a:cxn>
-              <a:cxn ang="0">
-                <a:pos x="connsiteX6" y="connsiteY6"/>
-              </a:cxn>
-              <a:cxn ang="0">
-                <a:pos x="connsiteX7" y="connsiteY7"/>
-              </a:cxn>
-              <a:cxn ang="0">
-                <a:pos x="connsiteX8" y="connsiteY8"/>
-              </a:cxn>
-              <a:cxn ang="0">
-                <a:pos x="connsiteX9" y="connsiteY9"/>
-              </a:cxn>
-              <a:cxn ang="0">
-                <a:pos x="connsiteX10" y="connsiteY10"/>
-              </a:cxn>
-            </a:cxnLst>
-            <a:rect l="l" t="t" r="r" b="b"/>
-            <a:pathLst>
-              <a:path w="1189108" h="2540029">
-                <a:moveTo>
-                  <a:pt x="676020" y="0"/>
-                </a:moveTo>
-                <a:lnTo>
-                  <a:pt x="762420" y="80261"/>
-                </a:lnTo>
-                <a:cubicBezTo>
-                  <a:pt x="1296653" y="629603"/>
-                  <a:pt x="1338532" y="1505209"/>
-                  <a:pt x="835369" y="2104855"/>
-                </a:cubicBezTo>
-                <a:cubicBezTo>
-                  <a:pt x="667648" y="2304737"/>
-                  <a:pt x="459215" y="2450303"/>
-                  <a:pt x="232374" y="2539602"/>
-                </a:cubicBezTo>
-                <a:lnTo>
-                  <a:pt x="231117" y="2540029"/>
-                </a:lnTo>
-                <a:lnTo>
-                  <a:pt x="0" y="1905041"/>
-                </a:lnTo>
-                <a:lnTo>
-                  <a:pt x="60126" y="1881348"/>
-                </a:lnTo>
-                <a:cubicBezTo>
-                  <a:pt x="157326" y="1831665"/>
-                  <a:pt x="246389" y="1762105"/>
-                  <a:pt x="320970" y="1673223"/>
-                </a:cubicBezTo>
-                <a:cubicBezTo>
-                  <a:pt x="600649" y="1339915"/>
-                  <a:pt x="577371" y="853219"/>
-                  <a:pt x="280422" y="547873"/>
-                </a:cubicBezTo>
-                <a:lnTo>
-                  <a:pt x="244388" y="514399"/>
-                </a:lnTo>
-                <a:lnTo>
-                  <a:pt x="676020" y="0"/>
-                </a:lnTo>
-                <a:close/>
-              </a:path>
-            </a:pathLst>
-          </a:custGeom>
-          <a:solidFill>
-            <a:srgbClr val="E56A0D"/>
-          </a:solidFill>
-          <a:ln>
-            <a:noFill/>
-          </a:ln>
-        </p:spPr>
-        <p:style>
-          <a:lnRef idx="2">
-            <a:schemeClr val="accent1">
-              <a:shade val="50000"/>
-            </a:schemeClr>
-          </a:lnRef>
-          <a:fillRef idx="1">
-            <a:schemeClr val="accent1"/>
-          </a:fillRef>
-          <a:effectRef idx="0">
-            <a:schemeClr val="accent1"/>
-          </a:effectRef>
-          <a:fontRef idx="minor">
-            <a:schemeClr val="lt1"/>
-          </a:fontRef>
-        </p:style>
-        <p:txBody>
-          <a:bodyPr wrap="square" rtlCol="0" anchor="ctr">
-            <a:noAutofit/>
-          </a:bodyPr>
-          <a:lstStyle/>
-          <a:p>
-            <a:pPr algn="ctr"/>
-            <a:endParaRPr lang="en-US" sz="1400"/>
-          </a:p>
-        </p:txBody>
-      </p:sp>
-      <p:sp>
-        <p:nvSpPr>
-          <p:cNvPr id="67" name="Freeform: Shape 66">
-            <a:extLst>
-              <a:ext uri="{FF2B5EF4-FFF2-40B4-BE49-F238E27FC236}">
-                <a16:creationId xmlns:a16="http://schemas.microsoft.com/office/drawing/2014/main" id="{A6EC1003-FADC-59FB-B5D7-6EE74FD66FBB}"/>
-              </a:ext>
-            </a:extLst>
-          </p:cNvPr>
-          <p:cNvSpPr/>
-          <p:nvPr/>
-        </p:nvSpPr>
-        <p:spPr>
-          <a:xfrm rot="19200000">
-            <a:off x="3476608" y="3295582"/>
-            <a:ext cx="2315612" cy="1992763"/>
-          </a:xfrm>
-          <a:custGeom>
-            <a:avLst/>
-            <a:gdLst>
-              <a:gd name="connsiteX0" fmla="*/ 1826139 w 2057102"/>
-              <a:gd name="connsiteY0" fmla="*/ 1033751 h 1770295"/>
-              <a:gd name="connsiteX1" fmla="*/ 2057102 w 2057102"/>
-              <a:gd name="connsiteY1" fmla="*/ 1668320 h 1770295"/>
-              <a:gd name="connsiteX2" fmla="*/ 1928886 w 2057102"/>
-              <a:gd name="connsiteY2" fmla="*/ 1711770 h 1770295"/>
-              <a:gd name="connsiteX3" fmla="*/ 540084 w 2057102"/>
-              <a:gd name="connsiteY3" fmla="*/ 1416556 h 1770295"/>
-              <a:gd name="connsiteX4" fmla="*/ 8192 w 2057102"/>
-              <a:gd name="connsiteY4" fmla="*/ 100117 h 1770295"/>
-              <a:gd name="connsiteX5" fmla="*/ 23549 w 2057102"/>
-              <a:gd name="connsiteY5" fmla="*/ 0 h 1770295"/>
-              <a:gd name="connsiteX6" fmla="*/ 686951 w 2057102"/>
-              <a:gd name="connsiteY6" fmla="*/ 116976 h 1770295"/>
-              <a:gd name="connsiteX7" fmla="*/ 676069 w 2057102"/>
-              <a:gd name="connsiteY7" fmla="*/ 170427 h 1770295"/>
-              <a:gd name="connsiteX8" fmla="*/ 971716 w 2057102"/>
-              <a:gd name="connsiteY8" fmla="*/ 902157 h 1770295"/>
-              <a:gd name="connsiteX9" fmla="*/ 1743668 w 2057102"/>
-              <a:gd name="connsiteY9" fmla="*/ 1066249 h 1770295"/>
-              <a:gd name="connsiteX10" fmla="*/ 1826139 w 2057102"/>
-              <a:gd name="connsiteY10" fmla="*/ 1033751 h 1770295"/>
-            </a:gdLst>
-            <a:ahLst/>
-            <a:cxnLst>
-              <a:cxn ang="0">
-                <a:pos x="connsiteX0" y="connsiteY0"/>
-              </a:cxn>
-              <a:cxn ang="0">
-                <a:pos x="connsiteX1" y="connsiteY1"/>
-              </a:cxn>
-              <a:cxn ang="0">
-                <a:pos x="connsiteX2" y="connsiteY2"/>
-              </a:cxn>
-              <a:cxn ang="0">
-                <a:pos x="connsiteX3" y="connsiteY3"/>
-              </a:cxn>
-              <a:cxn ang="0">
-                <a:pos x="connsiteX4" y="connsiteY4"/>
-              </a:cxn>
-              <a:cxn ang="0">
-                <a:pos x="connsiteX5" y="connsiteY5"/>
-              </a:cxn>
-              <a:cxn ang="0">
-                <a:pos x="connsiteX6" y="connsiteY6"/>
-              </a:cxn>
-              <a:cxn ang="0">
-                <a:pos x="connsiteX7" y="connsiteY7"/>
-              </a:cxn>
-              <a:cxn ang="0">
-                <a:pos x="connsiteX8" y="connsiteY8"/>
-              </a:cxn>
-              <a:cxn ang="0">
-                <a:pos x="connsiteX9" y="connsiteY9"/>
-              </a:cxn>
-              <a:cxn ang="0">
-                <a:pos x="connsiteX10" y="connsiteY10"/>
-              </a:cxn>
-            </a:cxnLst>
-            <a:rect l="l" t="t" r="r" b="b"/>
-            <a:pathLst>
-              <a:path w="2057102" h="1770295">
-                <a:moveTo>
-                  <a:pt x="1826139" y="1033751"/>
-                </a:moveTo>
-                <a:lnTo>
-                  <a:pt x="2057102" y="1668320"/>
-                </a:lnTo>
-                <a:lnTo>
-                  <a:pt x="1928886" y="1711770"/>
-                </a:lnTo>
-                <a:cubicBezTo>
-                  <a:pt x="1462261" y="1845199"/>
-                  <a:pt x="939848" y="1751998"/>
-                  <a:pt x="540084" y="1416556"/>
-                </a:cubicBezTo>
-                <a:cubicBezTo>
-                  <a:pt x="140320" y="1081114"/>
-                  <a:pt x="-42181" y="582822"/>
-                  <a:pt x="8192" y="100117"/>
-                </a:cubicBezTo>
-                <a:lnTo>
-                  <a:pt x="23549" y="0"/>
-                </a:lnTo>
-                <a:lnTo>
-                  <a:pt x="686951" y="116976"/>
-                </a:lnTo>
-                <a:lnTo>
-                  <a:pt x="676069" y="170427"/>
-                </a:lnTo>
-                <a:cubicBezTo>
-                  <a:pt x="648070" y="438734"/>
-                  <a:pt x="749511" y="715705"/>
-                  <a:pt x="971716" y="902157"/>
-                </a:cubicBezTo>
-                <a:cubicBezTo>
-                  <a:pt x="1193921" y="1088609"/>
-                  <a:pt x="1484299" y="1140414"/>
-                  <a:pt x="1743668" y="1066249"/>
-                </a:cubicBezTo>
-                <a:lnTo>
-                  <a:pt x="1826139" y="1033751"/>
-                </a:lnTo>
-                <a:close/>
-              </a:path>
-            </a:pathLst>
-          </a:custGeom>
-          <a:solidFill>
-            <a:srgbClr val="5C176F"/>
-          </a:solidFill>
-          <a:ln>
-            <a:noFill/>
-          </a:ln>
-        </p:spPr>
-        <p:style>
-          <a:lnRef idx="2">
-            <a:schemeClr val="accent1">
-              <a:shade val="50000"/>
-            </a:schemeClr>
-          </a:lnRef>
-          <a:fillRef idx="1">
-            <a:schemeClr val="accent1"/>
-          </a:fillRef>
-          <a:effectRef idx="0">
-            <a:schemeClr val="accent1"/>
-          </a:effectRef>
-          <a:fontRef idx="minor">
-            <a:schemeClr val="lt1"/>
-          </a:fontRef>
-        </p:style>
-        <p:txBody>
-          <a:bodyPr wrap="square" rtlCol="0" anchor="ctr">
-            <a:noAutofit/>
-          </a:bodyPr>
-          <a:lstStyle/>
-          <a:p>
-            <a:pPr algn="ctr"/>
-            <a:endParaRPr lang="en-US" sz="1400"/>
-          </a:p>
-        </p:txBody>
-      </p:sp>
-      <p:sp>
-        <p:nvSpPr>
-          <p:cNvPr id="68" name="Structural">
-            <a:extLst>
-              <a:ext uri="{FF2B5EF4-FFF2-40B4-BE49-F238E27FC236}">
-                <a16:creationId xmlns:a16="http://schemas.microsoft.com/office/drawing/2014/main" id="{08CFB97E-F175-6745-1FE5-4C8529FB8AC4}"/>
-              </a:ext>
-            </a:extLst>
-          </p:cNvPr>
-          <p:cNvSpPr txBox="1"/>
-          <p:nvPr/>
-        </p:nvSpPr>
-        <p:spPr>
-          <a:xfrm rot="3870556">
-            <a:off x="2275819" y="1833495"/>
-            <a:ext cx="3674519" cy="3778263"/>
-          </a:xfrm>
-          <a:prstGeom prst="rect">
-            <a:avLst/>
-          </a:prstGeom>
-          <a:noFill/>
-        </p:spPr>
-        <p:txBody>
-          <a:bodyPr wrap="square" rtlCol="0">
-            <a:prstTxWarp prst="textArchUp">
-              <a:avLst>
-                <a:gd name="adj" fmla="val 5925716"/>
-              </a:avLst>
-            </a:prstTxWarp>
-            <a:spAutoFit/>
-          </a:bodyPr>
-          <a:lstStyle/>
-          <a:p>
-            <a:pPr algn="ctr"/>
-            <a:r>
-              <a:rPr lang="en-US" dirty="0">
-                <a:solidFill>
-                  <a:srgbClr val="FCE1CC"/>
-                </a:solidFill>
-              </a:rPr>
-              <a:t>Structural</a:t>
-            </a:r>
-          </a:p>
-        </p:txBody>
-      </p:sp>
-      <p:sp>
-        <p:nvSpPr>
-          <p:cNvPr id="69" name="Environmental">
-            <a:extLst>
-              <a:ext uri="{FF2B5EF4-FFF2-40B4-BE49-F238E27FC236}">
-                <a16:creationId xmlns:a16="http://schemas.microsoft.com/office/drawing/2014/main" id="{3A6845C0-6EB4-E4BB-47F6-EE3777049671}"/>
-              </a:ext>
-            </a:extLst>
-          </p:cNvPr>
-          <p:cNvSpPr txBox="1"/>
-          <p:nvPr/>
-        </p:nvSpPr>
-        <p:spPr>
-          <a:xfrm rot="18542443">
-            <a:off x="4001667" y="1615939"/>
-            <a:ext cx="3499655" cy="5664312"/>
-          </a:xfrm>
-          <a:prstGeom prst="rect">
-            <a:avLst/>
-          </a:prstGeom>
-          <a:noFill/>
-        </p:spPr>
-        <p:txBody>
-          <a:bodyPr wrap="square" rtlCol="0">
-            <a:prstTxWarp prst="textArchUp">
-              <a:avLst>
-                <a:gd name="adj" fmla="val 5436175"/>
-              </a:avLst>
-            </a:prstTxWarp>
-            <a:spAutoFit/>
-          </a:bodyPr>
-          <a:lstStyle/>
-          <a:p>
-            <a:pPr algn="ctr"/>
-            <a:r>
-              <a:rPr lang="en-US" dirty="0">
-                <a:solidFill>
-                  <a:srgbClr val="D9F3E1"/>
-                </a:solidFill>
-              </a:rPr>
-              <a:t>Environmental</a:t>
-            </a:r>
-          </a:p>
-        </p:txBody>
-      </p:sp>
-      <p:sp>
-        <p:nvSpPr>
-          <p:cNvPr id="70" name="Social">
-            <a:extLst>
-              <a:ext uri="{FF2B5EF4-FFF2-40B4-BE49-F238E27FC236}">
-                <a16:creationId xmlns:a16="http://schemas.microsoft.com/office/drawing/2014/main" id="{10ACFA22-D957-0215-18C1-E297480C1428}"/>
-              </a:ext>
-            </a:extLst>
-          </p:cNvPr>
-          <p:cNvSpPr txBox="1"/>
-          <p:nvPr/>
-        </p:nvSpPr>
-        <p:spPr>
-          <a:xfrm rot="21437792">
-            <a:off x="1888840" y="-1959369"/>
-            <a:ext cx="5188577" cy="6701089"/>
-          </a:xfrm>
-          <a:prstGeom prst="rect">
-            <a:avLst/>
-          </a:prstGeom>
-          <a:noFill/>
-        </p:spPr>
-        <p:txBody>
-          <a:bodyPr wrap="square" rtlCol="0">
-            <a:prstTxWarp prst="textArchDown">
-              <a:avLst/>
-            </a:prstTxWarp>
-            <a:spAutoFit/>
-          </a:bodyPr>
-          <a:lstStyle/>
-          <a:p>
-            <a:pPr algn="ctr"/>
-            <a:r>
-              <a:rPr lang="en-US" dirty="0">
-                <a:solidFill>
-                  <a:srgbClr val="F0D5F7"/>
-                </a:solidFill>
-              </a:rPr>
-              <a:t>Social</a:t>
-            </a:r>
-          </a:p>
-        </p:txBody>
-      </p:sp>
-      <p:sp>
-        <p:nvSpPr>
-          <p:cNvPr id="71" name="Oval 70">
-            <a:extLst>
-              <a:ext uri="{FF2B5EF4-FFF2-40B4-BE49-F238E27FC236}">
-                <a16:creationId xmlns:a16="http://schemas.microsoft.com/office/drawing/2014/main" id="{54FD8948-900D-61FE-A45D-5C788A557734}"/>
-              </a:ext>
-            </a:extLst>
-          </p:cNvPr>
-          <p:cNvSpPr/>
-          <p:nvPr/>
-        </p:nvSpPr>
-        <p:spPr>
-          <a:xfrm>
-            <a:off x="3862812" y="2664536"/>
-            <a:ext cx="1465224" cy="1465224"/>
-          </a:xfrm>
-          <a:prstGeom prst="ellipse">
-            <a:avLst/>
-          </a:prstGeom>
-          <a:solidFill>
-            <a:schemeClr val="bg1"/>
-          </a:solidFill>
-          <a:ln>
-            <a:solidFill>
-              <a:schemeClr val="bg1"/>
-            </a:solidFill>
-          </a:ln>
-        </p:spPr>
-        <p:style>
-          <a:lnRef idx="2">
-            <a:schemeClr val="accent1">
-              <a:shade val="50000"/>
-            </a:schemeClr>
-          </a:lnRef>
-          <a:fillRef idx="1">
-            <a:schemeClr val="accent1"/>
-          </a:fillRef>
-          <a:effectRef idx="0">
-            <a:schemeClr val="accent1"/>
-          </a:effectRef>
-          <a:fontRef idx="minor">
-            <a:schemeClr val="lt1"/>
-          </a:fontRef>
-        </p:style>
-        <p:txBody>
-          <a:bodyPr rtlCol="0" anchor="ctr"/>
-          <a:lstStyle/>
-          <a:p>
-            <a:pPr algn="ctr"/>
-            <a:endParaRPr lang="en-US"/>
-          </a:p>
-        </p:txBody>
-      </p:sp>
-      <p:sp>
-        <p:nvSpPr>
-          <p:cNvPr id="72" name="Oval 71">
-            <a:extLst>
-              <a:ext uri="{FF2B5EF4-FFF2-40B4-BE49-F238E27FC236}">
-                <a16:creationId xmlns:a16="http://schemas.microsoft.com/office/drawing/2014/main" id="{B363FF65-15EE-65E3-4D27-D6470A449DD5}"/>
-              </a:ext>
-            </a:extLst>
-          </p:cNvPr>
-          <p:cNvSpPr/>
-          <p:nvPr/>
-        </p:nvSpPr>
-        <p:spPr>
-          <a:xfrm rot="4920898" flipV="1">
-            <a:off x="3864305" y="2673036"/>
-            <a:ext cx="1461826" cy="1464686"/>
-          </a:xfrm>
-          <a:prstGeom prst="ellipse">
-            <a:avLst/>
-          </a:prstGeom>
-          <a:solidFill>
-            <a:srgbClr val="CAF5FE"/>
-          </a:solidFill>
-          <a:ln w="57150">
-            <a:noFill/>
-          </a:ln>
-        </p:spPr>
-        <p:style>
-          <a:lnRef idx="2">
-            <a:schemeClr val="accent1">
-              <a:shade val="50000"/>
-            </a:schemeClr>
-          </a:lnRef>
-          <a:fillRef idx="1">
-            <a:schemeClr val="accent1"/>
-          </a:fillRef>
-          <a:effectRef idx="0">
-            <a:schemeClr val="accent1"/>
-          </a:effectRef>
-          <a:fontRef idx="minor">
-            <a:schemeClr val="lt1"/>
-          </a:fontRef>
-        </p:style>
-        <p:txBody>
-          <a:bodyPr rtlCol="0" anchor="ctr"/>
-          <a:lstStyle/>
-          <a:p>
-            <a:pPr algn="ctr"/>
-            <a:endParaRPr lang="en-US" dirty="0">
-              <a:solidFill>
-                <a:schemeClr val="tx1"/>
-              </a:solidFill>
-            </a:endParaRPr>
-          </a:p>
-        </p:txBody>
-      </p:sp>
-      <p:sp>
-        <p:nvSpPr>
-          <p:cNvPr id="73" name="TextBox 72">
-            <a:extLst>
-              <a:ext uri="{FF2B5EF4-FFF2-40B4-BE49-F238E27FC236}">
-                <a16:creationId xmlns:a16="http://schemas.microsoft.com/office/drawing/2014/main" id="{5844AD9D-8A74-1E93-B6E2-FF1D606AFB32}"/>
-              </a:ext>
-            </a:extLst>
-          </p:cNvPr>
-          <p:cNvSpPr txBox="1"/>
-          <p:nvPr/>
-        </p:nvSpPr>
-        <p:spPr>
-          <a:xfrm>
-            <a:off x="4086413" y="3494226"/>
-            <a:ext cx="1135207" cy="338554"/>
-          </a:xfrm>
-          <a:prstGeom prst="rect">
-            <a:avLst/>
-          </a:prstGeom>
-          <a:noFill/>
-        </p:spPr>
-        <p:txBody>
-          <a:bodyPr wrap="square" rtlCol="0">
-            <a:spAutoFit/>
-          </a:bodyPr>
-          <a:lstStyle/>
-          <a:p>
-            <a:pPr algn="ctr"/>
-            <a:r>
-              <a:rPr lang="en-US" sz="1600" dirty="0">
-                <a:solidFill>
-                  <a:srgbClr val="02687C"/>
-                </a:solidFill>
-              </a:rPr>
-              <a:t>Individual</a:t>
-            </a:r>
-          </a:p>
-        </p:txBody>
-      </p:sp>
-      <p:pic>
-        <p:nvPicPr>
-          <p:cNvPr id="74" name="Graphic 73" descr="User outline">
-            <a:extLst>
-              <a:ext uri="{FF2B5EF4-FFF2-40B4-BE49-F238E27FC236}">
-                <a16:creationId xmlns:a16="http://schemas.microsoft.com/office/drawing/2014/main" id="{1C0CCEE1-8312-56AA-AB6D-F3BDA9362C63}"/>
-              </a:ext>
-            </a:extLst>
-          </p:cNvPr>
-          <p:cNvPicPr>
-            <a:picLocks noChangeAspect="1"/>
-          </p:cNvPicPr>
-          <p:nvPr/>
-        </p:nvPicPr>
-        <p:blipFill>
-          <a:blip r:embed="rId2">
-            <a:extLst>
-              <a:ext uri="{28A0092B-C50C-407E-A947-70E740481C1C}">
-                <a14:useLocalDpi xmlns:a14="http://schemas.microsoft.com/office/drawing/2010/main" val="0"/>
-              </a:ext>
-              <a:ext uri="{96DAC541-7B7A-43D3-8B79-37D633B846F1}">
-                <asvg:svgBlip xmlns:asvg="http://schemas.microsoft.com/office/drawing/2016/SVG/main" r:embed="rId3"/>
-              </a:ext>
-            </a:extLst>
-          </a:blip>
-          <a:stretch>
-            <a:fillRect/>
-          </a:stretch>
-        </p:blipFill>
-        <p:spPr>
-          <a:xfrm>
-            <a:off x="4222465" y="2762806"/>
-            <a:ext cx="809513" cy="809513"/>
-          </a:xfrm>
-          <a:prstGeom prst="rect">
-            <a:avLst/>
-          </a:prstGeom>
-        </p:spPr>
-      </p:pic>
-      <p:sp>
-        <p:nvSpPr>
-          <p:cNvPr id="75" name="Freeform: Shape 74">
-            <a:extLst>
-              <a:ext uri="{FF2B5EF4-FFF2-40B4-BE49-F238E27FC236}">
-                <a16:creationId xmlns:a16="http://schemas.microsoft.com/office/drawing/2014/main" id="{23033C31-E179-8CDE-6286-D7E04D67B939}"/>
-              </a:ext>
-            </a:extLst>
-          </p:cNvPr>
-          <p:cNvSpPr/>
-          <p:nvPr/>
-        </p:nvSpPr>
-        <p:spPr>
-          <a:xfrm rot="20400000">
-            <a:off x="4194267" y="1565948"/>
-            <a:ext cx="1121999" cy="1057787"/>
-          </a:xfrm>
-          <a:custGeom>
-            <a:avLst/>
-            <a:gdLst>
-              <a:gd name="connsiteX0" fmla="*/ 494375 w 1113065"/>
-              <a:gd name="connsiteY0" fmla="*/ 86819 h 1057787"/>
-              <a:gd name="connsiteX1" fmla="*/ 1086813 w 1113065"/>
-              <a:gd name="connsiteY1" fmla="*/ 403664 h 1057787"/>
-              <a:gd name="connsiteX2" fmla="*/ 1113065 w 1113065"/>
-              <a:gd name="connsiteY2" fmla="*/ 426732 h 1057787"/>
-              <a:gd name="connsiteX3" fmla="*/ 583546 w 1113065"/>
-              <a:gd name="connsiteY3" fmla="*/ 1057787 h 1057787"/>
-              <a:gd name="connsiteX4" fmla="*/ 572460 w 1113065"/>
-              <a:gd name="connsiteY4" fmla="*/ 1048044 h 1057787"/>
-              <a:gd name="connsiteX5" fmla="*/ 62148 w 1113065"/>
-              <a:gd name="connsiteY5" fmla="*/ 831567 h 1057787"/>
-              <a:gd name="connsiteX6" fmla="*/ 0 w 1113065"/>
-              <a:gd name="connsiteY6" fmla="*/ 826263 h 1057787"/>
-              <a:gd name="connsiteX7" fmla="*/ 0 w 1113065"/>
-              <a:gd name="connsiteY7" fmla="*/ 10 h 1057787"/>
-              <a:gd name="connsiteX8" fmla="*/ 2280 w 1113065"/>
-              <a:gd name="connsiteY8" fmla="*/ 0 h 1057787"/>
-              <a:gd name="connsiteX9" fmla="*/ 494375 w 1113065"/>
-              <a:gd name="connsiteY9" fmla="*/ 86819 h 1057787"/>
-              <a:gd name="connsiteX0" fmla="*/ 503309 w 1121999"/>
-              <a:gd name="connsiteY0" fmla="*/ 86819 h 1057787"/>
-              <a:gd name="connsiteX1" fmla="*/ 1095747 w 1121999"/>
-              <a:gd name="connsiteY1" fmla="*/ 403664 h 1057787"/>
-              <a:gd name="connsiteX2" fmla="*/ 1121999 w 1121999"/>
-              <a:gd name="connsiteY2" fmla="*/ 426732 h 1057787"/>
-              <a:gd name="connsiteX3" fmla="*/ 592480 w 1121999"/>
-              <a:gd name="connsiteY3" fmla="*/ 1057787 h 1057787"/>
-              <a:gd name="connsiteX4" fmla="*/ 581394 w 1121999"/>
-              <a:gd name="connsiteY4" fmla="*/ 1048044 h 1057787"/>
-              <a:gd name="connsiteX5" fmla="*/ 71082 w 1121999"/>
-              <a:gd name="connsiteY5" fmla="*/ 831567 h 1057787"/>
-              <a:gd name="connsiteX6" fmla="*/ 0 w 1121999"/>
-              <a:gd name="connsiteY6" fmla="*/ 767261 h 1057787"/>
-              <a:gd name="connsiteX7" fmla="*/ 8934 w 1121999"/>
-              <a:gd name="connsiteY7" fmla="*/ 10 h 1057787"/>
-              <a:gd name="connsiteX8" fmla="*/ 11214 w 1121999"/>
-              <a:gd name="connsiteY8" fmla="*/ 0 h 1057787"/>
-              <a:gd name="connsiteX9" fmla="*/ 503309 w 1121999"/>
-              <a:gd name="connsiteY9" fmla="*/ 86819 h 1057787"/>
-              <a:gd name="connsiteX0" fmla="*/ 503309 w 1121999"/>
-              <a:gd name="connsiteY0" fmla="*/ 86819 h 1057787"/>
-              <a:gd name="connsiteX1" fmla="*/ 1095747 w 1121999"/>
-              <a:gd name="connsiteY1" fmla="*/ 403664 h 1057787"/>
-              <a:gd name="connsiteX2" fmla="*/ 1121999 w 1121999"/>
-              <a:gd name="connsiteY2" fmla="*/ 426732 h 1057787"/>
-              <a:gd name="connsiteX3" fmla="*/ 592480 w 1121999"/>
-              <a:gd name="connsiteY3" fmla="*/ 1057787 h 1057787"/>
-              <a:gd name="connsiteX4" fmla="*/ 581394 w 1121999"/>
-              <a:gd name="connsiteY4" fmla="*/ 1048044 h 1057787"/>
-              <a:gd name="connsiteX5" fmla="*/ 201498 w 1121999"/>
-              <a:gd name="connsiteY5" fmla="*/ 800479 h 1057787"/>
-              <a:gd name="connsiteX6" fmla="*/ 0 w 1121999"/>
-              <a:gd name="connsiteY6" fmla="*/ 767261 h 1057787"/>
-              <a:gd name="connsiteX7" fmla="*/ 8934 w 1121999"/>
-              <a:gd name="connsiteY7" fmla="*/ 10 h 1057787"/>
-              <a:gd name="connsiteX8" fmla="*/ 11214 w 1121999"/>
-              <a:gd name="connsiteY8" fmla="*/ 0 h 1057787"/>
-              <a:gd name="connsiteX9" fmla="*/ 503309 w 1121999"/>
-              <a:gd name="connsiteY9" fmla="*/ 86819 h 1057787"/>
-              <a:gd name="connsiteX0" fmla="*/ 503309 w 1121999"/>
-              <a:gd name="connsiteY0" fmla="*/ 86819 h 1057787"/>
-              <a:gd name="connsiteX1" fmla="*/ 1095747 w 1121999"/>
-              <a:gd name="connsiteY1" fmla="*/ 403664 h 1057787"/>
-              <a:gd name="connsiteX2" fmla="*/ 1121999 w 1121999"/>
-              <a:gd name="connsiteY2" fmla="*/ 426732 h 1057787"/>
-              <a:gd name="connsiteX3" fmla="*/ 592480 w 1121999"/>
-              <a:gd name="connsiteY3" fmla="*/ 1057787 h 1057787"/>
-              <a:gd name="connsiteX4" fmla="*/ 620866 w 1121999"/>
-              <a:gd name="connsiteY4" fmla="*/ 1037070 h 1057787"/>
-              <a:gd name="connsiteX5" fmla="*/ 201498 w 1121999"/>
-              <a:gd name="connsiteY5" fmla="*/ 800479 h 1057787"/>
-              <a:gd name="connsiteX6" fmla="*/ 0 w 1121999"/>
-              <a:gd name="connsiteY6" fmla="*/ 767261 h 1057787"/>
-              <a:gd name="connsiteX7" fmla="*/ 8934 w 1121999"/>
-              <a:gd name="connsiteY7" fmla="*/ 10 h 1057787"/>
-              <a:gd name="connsiteX8" fmla="*/ 11214 w 1121999"/>
-              <a:gd name="connsiteY8" fmla="*/ 0 h 1057787"/>
-              <a:gd name="connsiteX9" fmla="*/ 503309 w 1121999"/>
-              <a:gd name="connsiteY9" fmla="*/ 86819 h 1057787"/>
-            </a:gdLst>
-            <a:ahLst/>
-            <a:cxnLst>
-              <a:cxn ang="0">
-                <a:pos x="connsiteX0" y="connsiteY0"/>
-              </a:cxn>
-              <a:cxn ang="0">
-                <a:pos x="connsiteX1" y="connsiteY1"/>
-              </a:cxn>
-              <a:cxn ang="0">
-                <a:pos x="connsiteX2" y="connsiteY2"/>
-              </a:cxn>
-              <a:cxn ang="0">
-                <a:pos x="connsiteX3" y="connsiteY3"/>
-              </a:cxn>
-              <a:cxn ang="0">
-                <a:pos x="connsiteX4" y="connsiteY4"/>
-              </a:cxn>
-              <a:cxn ang="0">
-                <a:pos x="connsiteX5" y="connsiteY5"/>
-              </a:cxn>
-              <a:cxn ang="0">
-                <a:pos x="connsiteX6" y="connsiteY6"/>
-              </a:cxn>
-              <a:cxn ang="0">
-                <a:pos x="connsiteX7" y="connsiteY7"/>
-              </a:cxn>
-              <a:cxn ang="0">
-                <a:pos x="connsiteX8" y="connsiteY8"/>
-              </a:cxn>
-              <a:cxn ang="0">
-                <a:pos x="connsiteX9" y="connsiteY9"/>
-              </a:cxn>
-            </a:cxnLst>
-            <a:rect l="l" t="t" r="r" b="b"/>
-            <a:pathLst>
-              <a:path w="1121999" h="1057787">
-                <a:moveTo>
-                  <a:pt x="503309" y="86819"/>
-                </a:moveTo>
-                <a:cubicBezTo>
-                  <a:pt x="715776" y="154627"/>
-                  <a:pt x="917063" y="260902"/>
-                  <a:pt x="1095747" y="403664"/>
-                </a:cubicBezTo>
-                <a:lnTo>
-                  <a:pt x="1121999" y="426732"/>
-                </a:lnTo>
-                <a:lnTo>
-                  <a:pt x="592480" y="1057787"/>
-                </a:lnTo>
-                <a:lnTo>
-                  <a:pt x="620866" y="1037070"/>
-                </a:lnTo>
-                <a:cubicBezTo>
-                  <a:pt x="471887" y="918041"/>
-                  <a:pt x="385583" y="824530"/>
-                  <a:pt x="201498" y="800479"/>
-                </a:cubicBezTo>
-                <a:lnTo>
-                  <a:pt x="0" y="767261"/>
-                </a:lnTo>
-                <a:lnTo>
-                  <a:pt x="8934" y="10"/>
-                </a:lnTo>
-                <a:lnTo>
-                  <a:pt x="11214" y="0"/>
-                </a:lnTo>
-                <a:cubicBezTo>
-                  <a:pt x="178321" y="6744"/>
-                  <a:pt x="343960" y="35963"/>
-                  <a:pt x="503309" y="86819"/>
-                </a:cubicBezTo>
-                <a:close/>
-              </a:path>
-            </a:pathLst>
-          </a:custGeom>
-          <a:gradFill flip="none" rotWithShape="1">
-            <a:gsLst>
-              <a:gs pos="12000">
-                <a:srgbClr val="349853"/>
-              </a:gs>
-              <a:gs pos="62000">
-                <a:srgbClr val="E56A0D"/>
-              </a:gs>
-            </a:gsLst>
-            <a:lin ang="1200000" scaled="0"/>
-            <a:tileRect/>
-          </a:gradFill>
-          <a:ln>
-            <a:noFill/>
-          </a:ln>
-        </p:spPr>
-        <p:style>
-          <a:lnRef idx="2">
-            <a:schemeClr val="accent1">
-              <a:shade val="50000"/>
-            </a:schemeClr>
-          </a:lnRef>
-          <a:fillRef idx="1">
-            <a:schemeClr val="accent1"/>
-          </a:fillRef>
-          <a:effectRef idx="0">
-            <a:schemeClr val="accent1"/>
-          </a:effectRef>
-          <a:fontRef idx="minor">
-            <a:schemeClr val="lt1"/>
-          </a:fontRef>
-        </p:style>
-        <p:txBody>
-          <a:bodyPr wrap="square" rtlCol="0" anchor="ctr">
-            <a:noAutofit/>
-          </a:bodyPr>
-          <a:lstStyle/>
-          <a:p>
-            <a:pPr algn="ctr"/>
-            <a:endParaRPr lang="en-US"/>
-          </a:p>
-        </p:txBody>
-      </p:sp>
-      <p:sp>
-        <p:nvSpPr>
-          <p:cNvPr id="76" name="Freeform: Shape 75">
-            <a:extLst>
-              <a:ext uri="{FF2B5EF4-FFF2-40B4-BE49-F238E27FC236}">
-                <a16:creationId xmlns:a16="http://schemas.microsoft.com/office/drawing/2014/main" id="{5BED302B-8D07-31A1-97B5-39F92C8459CA}"/>
-              </a:ext>
-            </a:extLst>
-          </p:cNvPr>
-          <p:cNvSpPr/>
-          <p:nvPr/>
-        </p:nvSpPr>
-        <p:spPr>
-          <a:xfrm rot="12785248">
-            <a:off x="2907396" y="3546197"/>
-            <a:ext cx="1121999" cy="1057787"/>
-          </a:xfrm>
-          <a:custGeom>
-            <a:avLst/>
-            <a:gdLst>
-              <a:gd name="connsiteX0" fmla="*/ 494375 w 1113065"/>
-              <a:gd name="connsiteY0" fmla="*/ 86819 h 1057787"/>
-              <a:gd name="connsiteX1" fmla="*/ 1086813 w 1113065"/>
-              <a:gd name="connsiteY1" fmla="*/ 403664 h 1057787"/>
-              <a:gd name="connsiteX2" fmla="*/ 1113065 w 1113065"/>
-              <a:gd name="connsiteY2" fmla="*/ 426732 h 1057787"/>
-              <a:gd name="connsiteX3" fmla="*/ 583546 w 1113065"/>
-              <a:gd name="connsiteY3" fmla="*/ 1057787 h 1057787"/>
-              <a:gd name="connsiteX4" fmla="*/ 572460 w 1113065"/>
-              <a:gd name="connsiteY4" fmla="*/ 1048044 h 1057787"/>
-              <a:gd name="connsiteX5" fmla="*/ 62148 w 1113065"/>
-              <a:gd name="connsiteY5" fmla="*/ 831567 h 1057787"/>
-              <a:gd name="connsiteX6" fmla="*/ 0 w 1113065"/>
-              <a:gd name="connsiteY6" fmla="*/ 826263 h 1057787"/>
-              <a:gd name="connsiteX7" fmla="*/ 0 w 1113065"/>
-              <a:gd name="connsiteY7" fmla="*/ 10 h 1057787"/>
-              <a:gd name="connsiteX8" fmla="*/ 2280 w 1113065"/>
-              <a:gd name="connsiteY8" fmla="*/ 0 h 1057787"/>
-              <a:gd name="connsiteX9" fmla="*/ 494375 w 1113065"/>
-              <a:gd name="connsiteY9" fmla="*/ 86819 h 1057787"/>
-              <a:gd name="connsiteX0" fmla="*/ 503309 w 1121999"/>
-              <a:gd name="connsiteY0" fmla="*/ 86819 h 1057787"/>
-              <a:gd name="connsiteX1" fmla="*/ 1095747 w 1121999"/>
-              <a:gd name="connsiteY1" fmla="*/ 403664 h 1057787"/>
-              <a:gd name="connsiteX2" fmla="*/ 1121999 w 1121999"/>
-              <a:gd name="connsiteY2" fmla="*/ 426732 h 1057787"/>
-              <a:gd name="connsiteX3" fmla="*/ 592480 w 1121999"/>
-              <a:gd name="connsiteY3" fmla="*/ 1057787 h 1057787"/>
-              <a:gd name="connsiteX4" fmla="*/ 581394 w 1121999"/>
-              <a:gd name="connsiteY4" fmla="*/ 1048044 h 1057787"/>
-              <a:gd name="connsiteX5" fmla="*/ 71082 w 1121999"/>
-              <a:gd name="connsiteY5" fmla="*/ 831567 h 1057787"/>
-              <a:gd name="connsiteX6" fmla="*/ 0 w 1121999"/>
-              <a:gd name="connsiteY6" fmla="*/ 767261 h 1057787"/>
-              <a:gd name="connsiteX7" fmla="*/ 8934 w 1121999"/>
-              <a:gd name="connsiteY7" fmla="*/ 10 h 1057787"/>
-              <a:gd name="connsiteX8" fmla="*/ 11214 w 1121999"/>
-              <a:gd name="connsiteY8" fmla="*/ 0 h 1057787"/>
-              <a:gd name="connsiteX9" fmla="*/ 503309 w 1121999"/>
-              <a:gd name="connsiteY9" fmla="*/ 86819 h 1057787"/>
-              <a:gd name="connsiteX0" fmla="*/ 503309 w 1121999"/>
-              <a:gd name="connsiteY0" fmla="*/ 86819 h 1057787"/>
-              <a:gd name="connsiteX1" fmla="*/ 1095747 w 1121999"/>
-              <a:gd name="connsiteY1" fmla="*/ 403664 h 1057787"/>
-              <a:gd name="connsiteX2" fmla="*/ 1121999 w 1121999"/>
-              <a:gd name="connsiteY2" fmla="*/ 426732 h 1057787"/>
-              <a:gd name="connsiteX3" fmla="*/ 592480 w 1121999"/>
-              <a:gd name="connsiteY3" fmla="*/ 1057787 h 1057787"/>
-              <a:gd name="connsiteX4" fmla="*/ 581394 w 1121999"/>
-              <a:gd name="connsiteY4" fmla="*/ 1048044 h 1057787"/>
-              <a:gd name="connsiteX5" fmla="*/ 201498 w 1121999"/>
-              <a:gd name="connsiteY5" fmla="*/ 800479 h 1057787"/>
-              <a:gd name="connsiteX6" fmla="*/ 0 w 1121999"/>
-              <a:gd name="connsiteY6" fmla="*/ 767261 h 1057787"/>
-              <a:gd name="connsiteX7" fmla="*/ 8934 w 1121999"/>
-              <a:gd name="connsiteY7" fmla="*/ 10 h 1057787"/>
-              <a:gd name="connsiteX8" fmla="*/ 11214 w 1121999"/>
-              <a:gd name="connsiteY8" fmla="*/ 0 h 1057787"/>
-              <a:gd name="connsiteX9" fmla="*/ 503309 w 1121999"/>
-              <a:gd name="connsiteY9" fmla="*/ 86819 h 1057787"/>
-              <a:gd name="connsiteX0" fmla="*/ 503309 w 1121999"/>
-              <a:gd name="connsiteY0" fmla="*/ 86819 h 1057787"/>
-              <a:gd name="connsiteX1" fmla="*/ 1095747 w 1121999"/>
-              <a:gd name="connsiteY1" fmla="*/ 403664 h 1057787"/>
-              <a:gd name="connsiteX2" fmla="*/ 1121999 w 1121999"/>
-              <a:gd name="connsiteY2" fmla="*/ 426732 h 1057787"/>
-              <a:gd name="connsiteX3" fmla="*/ 592480 w 1121999"/>
-              <a:gd name="connsiteY3" fmla="*/ 1057787 h 1057787"/>
-              <a:gd name="connsiteX4" fmla="*/ 620866 w 1121999"/>
-              <a:gd name="connsiteY4" fmla="*/ 1037070 h 1057787"/>
-              <a:gd name="connsiteX5" fmla="*/ 201498 w 1121999"/>
-              <a:gd name="connsiteY5" fmla="*/ 800479 h 1057787"/>
-              <a:gd name="connsiteX6" fmla="*/ 0 w 1121999"/>
-              <a:gd name="connsiteY6" fmla="*/ 767261 h 1057787"/>
-              <a:gd name="connsiteX7" fmla="*/ 8934 w 1121999"/>
-              <a:gd name="connsiteY7" fmla="*/ 10 h 1057787"/>
-              <a:gd name="connsiteX8" fmla="*/ 11214 w 1121999"/>
-              <a:gd name="connsiteY8" fmla="*/ 0 h 1057787"/>
-              <a:gd name="connsiteX9" fmla="*/ 503309 w 1121999"/>
-              <a:gd name="connsiteY9" fmla="*/ 86819 h 1057787"/>
-            </a:gdLst>
-            <a:ahLst/>
-            <a:cxnLst>
-              <a:cxn ang="0">
-                <a:pos x="connsiteX0" y="connsiteY0"/>
-              </a:cxn>
-              <a:cxn ang="0">
-                <a:pos x="connsiteX1" y="connsiteY1"/>
-              </a:cxn>
-              <a:cxn ang="0">
-                <a:pos x="connsiteX2" y="connsiteY2"/>
-              </a:cxn>
-              <a:cxn ang="0">
-                <a:pos x="connsiteX3" y="connsiteY3"/>
-              </a:cxn>
-              <a:cxn ang="0">
-                <a:pos x="connsiteX4" y="connsiteY4"/>
-              </a:cxn>
-              <a:cxn ang="0">
-                <a:pos x="connsiteX5" y="connsiteY5"/>
-              </a:cxn>
-              <a:cxn ang="0">
-                <a:pos x="connsiteX6" y="connsiteY6"/>
-              </a:cxn>
-              <a:cxn ang="0">
-                <a:pos x="connsiteX7" y="connsiteY7"/>
-              </a:cxn>
-              <a:cxn ang="0">
-                <a:pos x="connsiteX8" y="connsiteY8"/>
-              </a:cxn>
-              <a:cxn ang="0">
-                <a:pos x="connsiteX9" y="connsiteY9"/>
-              </a:cxn>
-            </a:cxnLst>
-            <a:rect l="l" t="t" r="r" b="b"/>
-            <a:pathLst>
-              <a:path w="1121999" h="1057787">
-                <a:moveTo>
-                  <a:pt x="503309" y="86819"/>
-                </a:moveTo>
-                <a:cubicBezTo>
-                  <a:pt x="715776" y="154627"/>
-                  <a:pt x="917063" y="260902"/>
-                  <a:pt x="1095747" y="403664"/>
-                </a:cubicBezTo>
-                <a:lnTo>
-                  <a:pt x="1121999" y="426732"/>
-                </a:lnTo>
-                <a:lnTo>
-                  <a:pt x="592480" y="1057787"/>
-                </a:lnTo>
-                <a:lnTo>
-                  <a:pt x="620866" y="1037070"/>
-                </a:lnTo>
-                <a:cubicBezTo>
-                  <a:pt x="471887" y="918041"/>
-                  <a:pt x="385583" y="824530"/>
-                  <a:pt x="201498" y="800479"/>
-                </a:cubicBezTo>
-                <a:lnTo>
-                  <a:pt x="0" y="767261"/>
-                </a:lnTo>
-                <a:lnTo>
-                  <a:pt x="8934" y="10"/>
-                </a:lnTo>
-                <a:lnTo>
-                  <a:pt x="11214" y="0"/>
-                </a:lnTo>
-                <a:cubicBezTo>
-                  <a:pt x="178321" y="6744"/>
-                  <a:pt x="343960" y="35963"/>
-                  <a:pt x="503309" y="86819"/>
-                </a:cubicBezTo>
-                <a:close/>
-              </a:path>
-            </a:pathLst>
-          </a:custGeom>
-          <a:gradFill flip="none" rotWithShape="1">
-            <a:gsLst>
-              <a:gs pos="12000">
-                <a:srgbClr val="5C176F"/>
-              </a:gs>
-              <a:gs pos="62000">
-                <a:srgbClr val="349853"/>
-              </a:gs>
-            </a:gsLst>
-            <a:lin ang="1200000" scaled="0"/>
-            <a:tileRect/>
-          </a:gradFill>
-          <a:ln>
-            <a:noFill/>
-          </a:ln>
-        </p:spPr>
-        <p:style>
-          <a:lnRef idx="2">
-            <a:schemeClr val="accent1">
-              <a:shade val="50000"/>
-            </a:schemeClr>
-          </a:lnRef>
-          <a:fillRef idx="1">
-            <a:schemeClr val="accent1"/>
-          </a:fillRef>
-          <a:effectRef idx="0">
-            <a:schemeClr val="accent1"/>
-          </a:effectRef>
-          <a:fontRef idx="minor">
-            <a:schemeClr val="lt1"/>
-          </a:fontRef>
-        </p:style>
-        <p:txBody>
-          <a:bodyPr wrap="square" rtlCol="0" anchor="ctr">
-            <a:noAutofit/>
-          </a:bodyPr>
-          <a:lstStyle/>
-          <a:p>
-            <a:pPr algn="ctr"/>
-            <a:endParaRPr lang="en-US"/>
-          </a:p>
-        </p:txBody>
-      </p:sp>
-      <p:sp>
-        <p:nvSpPr>
-          <p:cNvPr id="77" name="Freeform: Shape 76">
-            <a:extLst>
-              <a:ext uri="{FF2B5EF4-FFF2-40B4-BE49-F238E27FC236}">
-                <a16:creationId xmlns:a16="http://schemas.microsoft.com/office/drawing/2014/main" id="{9F6C5DBF-C71D-687C-75F4-A0C297EAB464}"/>
-              </a:ext>
-            </a:extLst>
-          </p:cNvPr>
-          <p:cNvSpPr/>
-          <p:nvPr/>
-        </p:nvSpPr>
-        <p:spPr>
-          <a:xfrm rot="6106247">
-            <a:off x="5028017" y="3583353"/>
-            <a:ext cx="1323552" cy="1009114"/>
-          </a:xfrm>
-          <a:custGeom>
-            <a:avLst/>
-            <a:gdLst>
-              <a:gd name="connsiteX0" fmla="*/ 494375 w 1113065"/>
-              <a:gd name="connsiteY0" fmla="*/ 86819 h 1057787"/>
-              <a:gd name="connsiteX1" fmla="*/ 1086813 w 1113065"/>
-              <a:gd name="connsiteY1" fmla="*/ 403664 h 1057787"/>
-              <a:gd name="connsiteX2" fmla="*/ 1113065 w 1113065"/>
-              <a:gd name="connsiteY2" fmla="*/ 426732 h 1057787"/>
-              <a:gd name="connsiteX3" fmla="*/ 583546 w 1113065"/>
-              <a:gd name="connsiteY3" fmla="*/ 1057787 h 1057787"/>
-              <a:gd name="connsiteX4" fmla="*/ 572460 w 1113065"/>
-              <a:gd name="connsiteY4" fmla="*/ 1048044 h 1057787"/>
-              <a:gd name="connsiteX5" fmla="*/ 62148 w 1113065"/>
-              <a:gd name="connsiteY5" fmla="*/ 831567 h 1057787"/>
-              <a:gd name="connsiteX6" fmla="*/ 0 w 1113065"/>
-              <a:gd name="connsiteY6" fmla="*/ 826263 h 1057787"/>
-              <a:gd name="connsiteX7" fmla="*/ 0 w 1113065"/>
-              <a:gd name="connsiteY7" fmla="*/ 10 h 1057787"/>
-              <a:gd name="connsiteX8" fmla="*/ 2280 w 1113065"/>
-              <a:gd name="connsiteY8" fmla="*/ 0 h 1057787"/>
-              <a:gd name="connsiteX9" fmla="*/ 494375 w 1113065"/>
-              <a:gd name="connsiteY9" fmla="*/ 86819 h 1057787"/>
-              <a:gd name="connsiteX0" fmla="*/ 503309 w 1121999"/>
-              <a:gd name="connsiteY0" fmla="*/ 86819 h 1057787"/>
-              <a:gd name="connsiteX1" fmla="*/ 1095747 w 1121999"/>
-              <a:gd name="connsiteY1" fmla="*/ 403664 h 1057787"/>
-              <a:gd name="connsiteX2" fmla="*/ 1121999 w 1121999"/>
-              <a:gd name="connsiteY2" fmla="*/ 426732 h 1057787"/>
-              <a:gd name="connsiteX3" fmla="*/ 592480 w 1121999"/>
-              <a:gd name="connsiteY3" fmla="*/ 1057787 h 1057787"/>
-              <a:gd name="connsiteX4" fmla="*/ 581394 w 1121999"/>
-              <a:gd name="connsiteY4" fmla="*/ 1048044 h 1057787"/>
-              <a:gd name="connsiteX5" fmla="*/ 71082 w 1121999"/>
-              <a:gd name="connsiteY5" fmla="*/ 831567 h 1057787"/>
-              <a:gd name="connsiteX6" fmla="*/ 0 w 1121999"/>
-              <a:gd name="connsiteY6" fmla="*/ 767261 h 1057787"/>
-              <a:gd name="connsiteX7" fmla="*/ 8934 w 1121999"/>
-              <a:gd name="connsiteY7" fmla="*/ 10 h 1057787"/>
-              <a:gd name="connsiteX8" fmla="*/ 11214 w 1121999"/>
-              <a:gd name="connsiteY8" fmla="*/ 0 h 1057787"/>
-              <a:gd name="connsiteX9" fmla="*/ 503309 w 1121999"/>
-              <a:gd name="connsiteY9" fmla="*/ 86819 h 1057787"/>
-              <a:gd name="connsiteX0" fmla="*/ 503309 w 1121999"/>
-              <a:gd name="connsiteY0" fmla="*/ 86819 h 1057787"/>
-              <a:gd name="connsiteX1" fmla="*/ 1095747 w 1121999"/>
-              <a:gd name="connsiteY1" fmla="*/ 403664 h 1057787"/>
-              <a:gd name="connsiteX2" fmla="*/ 1121999 w 1121999"/>
-              <a:gd name="connsiteY2" fmla="*/ 426732 h 1057787"/>
-              <a:gd name="connsiteX3" fmla="*/ 592480 w 1121999"/>
-              <a:gd name="connsiteY3" fmla="*/ 1057787 h 1057787"/>
-              <a:gd name="connsiteX4" fmla="*/ 581394 w 1121999"/>
-              <a:gd name="connsiteY4" fmla="*/ 1048044 h 1057787"/>
-              <a:gd name="connsiteX5" fmla="*/ 201498 w 1121999"/>
-              <a:gd name="connsiteY5" fmla="*/ 800479 h 1057787"/>
-              <a:gd name="connsiteX6" fmla="*/ 0 w 1121999"/>
-              <a:gd name="connsiteY6" fmla="*/ 767261 h 1057787"/>
-              <a:gd name="connsiteX7" fmla="*/ 8934 w 1121999"/>
-              <a:gd name="connsiteY7" fmla="*/ 10 h 1057787"/>
-              <a:gd name="connsiteX8" fmla="*/ 11214 w 1121999"/>
-              <a:gd name="connsiteY8" fmla="*/ 0 h 1057787"/>
-              <a:gd name="connsiteX9" fmla="*/ 503309 w 1121999"/>
-              <a:gd name="connsiteY9" fmla="*/ 86819 h 1057787"/>
-              <a:gd name="connsiteX0" fmla="*/ 503309 w 1121999"/>
-              <a:gd name="connsiteY0" fmla="*/ 86819 h 1057787"/>
-              <a:gd name="connsiteX1" fmla="*/ 1095747 w 1121999"/>
-              <a:gd name="connsiteY1" fmla="*/ 403664 h 1057787"/>
-              <a:gd name="connsiteX2" fmla="*/ 1121999 w 1121999"/>
-              <a:gd name="connsiteY2" fmla="*/ 426732 h 1057787"/>
-              <a:gd name="connsiteX3" fmla="*/ 592480 w 1121999"/>
-              <a:gd name="connsiteY3" fmla="*/ 1057787 h 1057787"/>
-              <a:gd name="connsiteX4" fmla="*/ 620866 w 1121999"/>
-              <a:gd name="connsiteY4" fmla="*/ 1037070 h 1057787"/>
-              <a:gd name="connsiteX5" fmla="*/ 201498 w 1121999"/>
-              <a:gd name="connsiteY5" fmla="*/ 800479 h 1057787"/>
-              <a:gd name="connsiteX6" fmla="*/ 0 w 1121999"/>
-              <a:gd name="connsiteY6" fmla="*/ 767261 h 1057787"/>
-              <a:gd name="connsiteX7" fmla="*/ 8934 w 1121999"/>
-              <a:gd name="connsiteY7" fmla="*/ 10 h 1057787"/>
-              <a:gd name="connsiteX8" fmla="*/ 11214 w 1121999"/>
-              <a:gd name="connsiteY8" fmla="*/ 0 h 1057787"/>
-              <a:gd name="connsiteX9" fmla="*/ 503309 w 1121999"/>
-              <a:gd name="connsiteY9" fmla="*/ 86819 h 1057787"/>
-              <a:gd name="connsiteX0" fmla="*/ 503309 w 1121999"/>
-              <a:gd name="connsiteY0" fmla="*/ 86819 h 1037070"/>
-              <a:gd name="connsiteX1" fmla="*/ 1095747 w 1121999"/>
-              <a:gd name="connsiteY1" fmla="*/ 403664 h 1037070"/>
-              <a:gd name="connsiteX2" fmla="*/ 1121999 w 1121999"/>
-              <a:gd name="connsiteY2" fmla="*/ 426732 h 1037070"/>
-              <a:gd name="connsiteX3" fmla="*/ 636479 w 1121999"/>
-              <a:gd name="connsiteY3" fmla="*/ 1012132 h 1037070"/>
-              <a:gd name="connsiteX4" fmla="*/ 620866 w 1121999"/>
-              <a:gd name="connsiteY4" fmla="*/ 1037070 h 1037070"/>
-              <a:gd name="connsiteX5" fmla="*/ 201498 w 1121999"/>
-              <a:gd name="connsiteY5" fmla="*/ 800479 h 1037070"/>
-              <a:gd name="connsiteX6" fmla="*/ 0 w 1121999"/>
-              <a:gd name="connsiteY6" fmla="*/ 767261 h 1037070"/>
-              <a:gd name="connsiteX7" fmla="*/ 8934 w 1121999"/>
-              <a:gd name="connsiteY7" fmla="*/ 10 h 1037070"/>
-              <a:gd name="connsiteX8" fmla="*/ 11214 w 1121999"/>
-              <a:gd name="connsiteY8" fmla="*/ 0 h 1037070"/>
-              <a:gd name="connsiteX9" fmla="*/ 503309 w 1121999"/>
-              <a:gd name="connsiteY9" fmla="*/ 86819 h 1037070"/>
-              <a:gd name="connsiteX0" fmla="*/ 503309 w 1121999"/>
-              <a:gd name="connsiteY0" fmla="*/ 86819 h 1012132"/>
-              <a:gd name="connsiteX1" fmla="*/ 1095747 w 1121999"/>
-              <a:gd name="connsiteY1" fmla="*/ 403664 h 1012132"/>
-              <a:gd name="connsiteX2" fmla="*/ 1121999 w 1121999"/>
-              <a:gd name="connsiteY2" fmla="*/ 426732 h 1012132"/>
-              <a:gd name="connsiteX3" fmla="*/ 636479 w 1121999"/>
-              <a:gd name="connsiteY3" fmla="*/ 1012132 h 1012132"/>
-              <a:gd name="connsiteX4" fmla="*/ 621059 w 1121999"/>
-              <a:gd name="connsiteY4" fmla="*/ 1002975 h 1012132"/>
-              <a:gd name="connsiteX5" fmla="*/ 201498 w 1121999"/>
-              <a:gd name="connsiteY5" fmla="*/ 800479 h 1012132"/>
-              <a:gd name="connsiteX6" fmla="*/ 0 w 1121999"/>
-              <a:gd name="connsiteY6" fmla="*/ 767261 h 1012132"/>
-              <a:gd name="connsiteX7" fmla="*/ 8934 w 1121999"/>
-              <a:gd name="connsiteY7" fmla="*/ 10 h 1012132"/>
-              <a:gd name="connsiteX8" fmla="*/ 11214 w 1121999"/>
-              <a:gd name="connsiteY8" fmla="*/ 0 h 1012132"/>
-              <a:gd name="connsiteX9" fmla="*/ 503309 w 1121999"/>
-              <a:gd name="connsiteY9" fmla="*/ 86819 h 1012132"/>
-              <a:gd name="connsiteX0" fmla="*/ 634977 w 1253667"/>
-              <a:gd name="connsiteY0" fmla="*/ 86809 h 1012122"/>
-              <a:gd name="connsiteX1" fmla="*/ 1227415 w 1253667"/>
-              <a:gd name="connsiteY1" fmla="*/ 403654 h 1012122"/>
-              <a:gd name="connsiteX2" fmla="*/ 1253667 w 1253667"/>
-              <a:gd name="connsiteY2" fmla="*/ 426722 h 1012122"/>
-              <a:gd name="connsiteX3" fmla="*/ 768147 w 1253667"/>
-              <a:gd name="connsiteY3" fmla="*/ 1012122 h 1012122"/>
-              <a:gd name="connsiteX4" fmla="*/ 752727 w 1253667"/>
-              <a:gd name="connsiteY4" fmla="*/ 1002965 h 1012122"/>
-              <a:gd name="connsiteX5" fmla="*/ 333166 w 1253667"/>
-              <a:gd name="connsiteY5" fmla="*/ 800469 h 1012122"/>
-              <a:gd name="connsiteX6" fmla="*/ 131668 w 1253667"/>
-              <a:gd name="connsiteY6" fmla="*/ 767251 h 1012122"/>
-              <a:gd name="connsiteX7" fmla="*/ 140602 w 1253667"/>
-              <a:gd name="connsiteY7" fmla="*/ 0 h 1012122"/>
-              <a:gd name="connsiteX8" fmla="*/ 0 w 1253667"/>
-              <a:gd name="connsiteY8" fmla="*/ 3008 h 1012122"/>
-              <a:gd name="connsiteX9" fmla="*/ 634977 w 1253667"/>
-              <a:gd name="connsiteY9" fmla="*/ 86809 h 1012122"/>
-              <a:gd name="connsiteX0" fmla="*/ 694562 w 1313252"/>
-              <a:gd name="connsiteY0" fmla="*/ 86809 h 1012122"/>
-              <a:gd name="connsiteX1" fmla="*/ 1287000 w 1313252"/>
-              <a:gd name="connsiteY1" fmla="*/ 403654 h 1012122"/>
-              <a:gd name="connsiteX2" fmla="*/ 1313252 w 1313252"/>
-              <a:gd name="connsiteY2" fmla="*/ 426722 h 1012122"/>
-              <a:gd name="connsiteX3" fmla="*/ 827732 w 1313252"/>
-              <a:gd name="connsiteY3" fmla="*/ 1012122 h 1012122"/>
-              <a:gd name="connsiteX4" fmla="*/ 812312 w 1313252"/>
-              <a:gd name="connsiteY4" fmla="*/ 1002965 h 1012122"/>
-              <a:gd name="connsiteX5" fmla="*/ 392751 w 1313252"/>
-              <a:gd name="connsiteY5" fmla="*/ 800469 h 1012122"/>
-              <a:gd name="connsiteX6" fmla="*/ 0 w 1313252"/>
-              <a:gd name="connsiteY6" fmla="*/ 794943 h 1012122"/>
-              <a:gd name="connsiteX7" fmla="*/ 200187 w 1313252"/>
-              <a:gd name="connsiteY7" fmla="*/ 0 h 1012122"/>
-              <a:gd name="connsiteX8" fmla="*/ 59585 w 1313252"/>
-              <a:gd name="connsiteY8" fmla="*/ 3008 h 1012122"/>
-              <a:gd name="connsiteX9" fmla="*/ 694562 w 1313252"/>
-              <a:gd name="connsiteY9" fmla="*/ 86809 h 1012122"/>
-              <a:gd name="connsiteX0" fmla="*/ 704862 w 1323552"/>
-              <a:gd name="connsiteY0" fmla="*/ 83801 h 1009114"/>
-              <a:gd name="connsiteX1" fmla="*/ 1297300 w 1323552"/>
-              <a:gd name="connsiteY1" fmla="*/ 400646 h 1009114"/>
-              <a:gd name="connsiteX2" fmla="*/ 1323552 w 1323552"/>
-              <a:gd name="connsiteY2" fmla="*/ 423714 h 1009114"/>
-              <a:gd name="connsiteX3" fmla="*/ 838032 w 1323552"/>
-              <a:gd name="connsiteY3" fmla="*/ 1009114 h 1009114"/>
-              <a:gd name="connsiteX4" fmla="*/ 822612 w 1323552"/>
-              <a:gd name="connsiteY4" fmla="*/ 999957 h 1009114"/>
-              <a:gd name="connsiteX5" fmla="*/ 403051 w 1323552"/>
-              <a:gd name="connsiteY5" fmla="*/ 797461 h 1009114"/>
-              <a:gd name="connsiteX6" fmla="*/ 10300 w 1323552"/>
-              <a:gd name="connsiteY6" fmla="*/ 791935 h 1009114"/>
-              <a:gd name="connsiteX7" fmla="*/ 0 w 1323552"/>
-              <a:gd name="connsiteY7" fmla="*/ 14097 h 1009114"/>
-              <a:gd name="connsiteX8" fmla="*/ 69885 w 1323552"/>
-              <a:gd name="connsiteY8" fmla="*/ 0 h 1009114"/>
-              <a:gd name="connsiteX9" fmla="*/ 704862 w 1323552"/>
-              <a:gd name="connsiteY9" fmla="*/ 83801 h 1009114"/>
-            </a:gdLst>
-            <a:ahLst/>
-            <a:cxnLst>
-              <a:cxn ang="0">
-                <a:pos x="connsiteX0" y="connsiteY0"/>
-              </a:cxn>
-              <a:cxn ang="0">
-                <a:pos x="connsiteX1" y="connsiteY1"/>
-              </a:cxn>
-              <a:cxn ang="0">
-                <a:pos x="connsiteX2" y="connsiteY2"/>
-              </a:cxn>
-              <a:cxn ang="0">
-                <a:pos x="connsiteX3" y="connsiteY3"/>
-              </a:cxn>
-              <a:cxn ang="0">
-                <a:pos x="connsiteX4" y="connsiteY4"/>
-              </a:cxn>
-              <a:cxn ang="0">
-                <a:pos x="connsiteX5" y="connsiteY5"/>
-              </a:cxn>
-              <a:cxn ang="0">
-                <a:pos x="connsiteX6" y="connsiteY6"/>
-              </a:cxn>
-              <a:cxn ang="0">
-                <a:pos x="connsiteX7" y="connsiteY7"/>
-              </a:cxn>
-              <a:cxn ang="0">
-                <a:pos x="connsiteX8" y="connsiteY8"/>
-              </a:cxn>
-              <a:cxn ang="0">
-                <a:pos x="connsiteX9" y="connsiteY9"/>
-              </a:cxn>
-            </a:cxnLst>
-            <a:rect l="l" t="t" r="r" b="b"/>
-            <a:pathLst>
-              <a:path w="1323552" h="1009114">
-                <a:moveTo>
-                  <a:pt x="704862" y="83801"/>
-                </a:moveTo>
-                <a:cubicBezTo>
-                  <a:pt x="917329" y="151609"/>
-                  <a:pt x="1118616" y="257884"/>
-                  <a:pt x="1297300" y="400646"/>
-                </a:cubicBezTo>
-                <a:lnTo>
-                  <a:pt x="1323552" y="423714"/>
-                </a:lnTo>
-                <a:lnTo>
-                  <a:pt x="838032" y="1009114"/>
-                </a:lnTo>
-                <a:lnTo>
-                  <a:pt x="822612" y="999957"/>
-                </a:lnTo>
-                <a:cubicBezTo>
-                  <a:pt x="673633" y="880928"/>
-                  <a:pt x="587136" y="821512"/>
-                  <a:pt x="403051" y="797461"/>
-                </a:cubicBezTo>
-                <a:lnTo>
-                  <a:pt x="10300" y="791935"/>
-                </a:lnTo>
-                <a:lnTo>
-                  <a:pt x="0" y="14097"/>
-                </a:lnTo>
-                <a:lnTo>
-                  <a:pt x="69885" y="0"/>
-                </a:lnTo>
-                <a:cubicBezTo>
-                  <a:pt x="236992" y="6744"/>
-                  <a:pt x="545513" y="32945"/>
-                  <a:pt x="704862" y="83801"/>
-                </a:cubicBezTo>
-                <a:close/>
-              </a:path>
-            </a:pathLst>
-          </a:custGeom>
-          <a:gradFill flip="none" rotWithShape="1">
-            <a:gsLst>
-              <a:gs pos="21000">
-                <a:srgbClr val="E56A0D"/>
-              </a:gs>
-              <a:gs pos="62000">
-                <a:srgbClr val="5C176F"/>
-              </a:gs>
-            </a:gsLst>
-            <a:lin ang="1200000" scaled="0"/>
-            <a:tileRect/>
-          </a:gradFill>
-          <a:ln>
-            <a:noFill/>
-          </a:ln>
-        </p:spPr>
-        <p:style>
-          <a:lnRef idx="2">
-            <a:schemeClr val="accent1">
-              <a:shade val="50000"/>
-            </a:schemeClr>
-          </a:lnRef>
-          <a:fillRef idx="1">
-            <a:schemeClr val="accent1"/>
-          </a:fillRef>
-          <a:effectRef idx="0">
-            <a:schemeClr val="accent1"/>
-          </a:effectRef>
-          <a:fontRef idx="minor">
-            <a:schemeClr val="lt1"/>
-          </a:fontRef>
-        </p:style>
-        <p:txBody>
-          <a:bodyPr wrap="square" rtlCol="0" anchor="ctr">
-            <a:noAutofit/>
-          </a:bodyPr>
-          <a:lstStyle/>
-          <a:p>
-            <a:pPr algn="ctr"/>
-            <a:endParaRPr lang="en-US"/>
-          </a:p>
-        </p:txBody>
-      </p:sp>
-      <p:sp>
-        <p:nvSpPr>
-          <p:cNvPr id="78" name="Circle: Hollow 77">
-            <a:extLst>
-              <a:ext uri="{FF2B5EF4-FFF2-40B4-BE49-F238E27FC236}">
-                <a16:creationId xmlns:a16="http://schemas.microsoft.com/office/drawing/2014/main" id="{B4109577-37D3-8287-8A85-9BBB15153A69}"/>
-              </a:ext>
-            </a:extLst>
-          </p:cNvPr>
-          <p:cNvSpPr/>
-          <p:nvPr/>
-        </p:nvSpPr>
-        <p:spPr>
-          <a:xfrm>
-            <a:off x="2830189" y="1640830"/>
-            <a:ext cx="3530470" cy="3530471"/>
-          </a:xfrm>
-          <a:prstGeom prst="donut">
-            <a:avLst>
-              <a:gd name="adj" fmla="val 2304"/>
-            </a:avLst>
-          </a:prstGeom>
-          <a:solidFill>
-            <a:schemeClr val="bg1"/>
-          </a:solidFill>
-          <a:ln>
-            <a:noFill/>
-          </a:ln>
-        </p:spPr>
-        <p:style>
-          <a:lnRef idx="2">
-            <a:schemeClr val="accent1">
-              <a:shade val="50000"/>
-            </a:schemeClr>
-          </a:lnRef>
-          <a:fillRef idx="1">
-            <a:schemeClr val="accent1"/>
-          </a:fillRef>
-          <a:effectRef idx="0">
-            <a:schemeClr val="accent1"/>
-          </a:effectRef>
-          <a:fontRef idx="minor">
-            <a:schemeClr val="lt1"/>
-          </a:fontRef>
-        </p:style>
-        <p:txBody>
-          <a:bodyPr rtlCol="0" anchor="ctr"/>
-          <a:lstStyle/>
-          <a:p>
-            <a:pPr algn="ctr"/>
-            <a:endParaRPr lang="en-US" sz="1400">
-              <a:solidFill>
-                <a:schemeClr val="tx1"/>
-              </a:solidFill>
-            </a:endParaRPr>
-          </a:p>
-        </p:txBody>
-      </p:sp>
-      <p:sp>
-        <p:nvSpPr>
-          <p:cNvPr id="79" name="Circle: Hollow 78">
-            <a:extLst>
-              <a:ext uri="{FF2B5EF4-FFF2-40B4-BE49-F238E27FC236}">
-                <a16:creationId xmlns:a16="http://schemas.microsoft.com/office/drawing/2014/main" id="{7509BC96-BC65-767E-F461-BD98994A605F}"/>
-              </a:ext>
-            </a:extLst>
-          </p:cNvPr>
-          <p:cNvSpPr/>
-          <p:nvPr/>
-        </p:nvSpPr>
-        <p:spPr>
-          <a:xfrm>
-            <a:off x="3634511" y="2445151"/>
-            <a:ext cx="1921828" cy="1921828"/>
-          </a:xfrm>
-          <a:prstGeom prst="donut">
-            <a:avLst>
-              <a:gd name="adj" fmla="val 2304"/>
-            </a:avLst>
-          </a:prstGeom>
-          <a:solidFill>
-            <a:schemeClr val="bg1"/>
-          </a:solidFill>
-          <a:ln>
-            <a:noFill/>
-          </a:ln>
-        </p:spPr>
-        <p:style>
-          <a:lnRef idx="2">
-            <a:schemeClr val="accent1">
-              <a:shade val="50000"/>
-            </a:schemeClr>
-          </a:lnRef>
-          <a:fillRef idx="1">
-            <a:schemeClr val="accent1"/>
-          </a:fillRef>
-          <a:effectRef idx="0">
-            <a:schemeClr val="accent1"/>
-          </a:effectRef>
-          <a:fontRef idx="minor">
-            <a:schemeClr val="lt1"/>
-          </a:fontRef>
-        </p:style>
-        <p:txBody>
-          <a:bodyPr rtlCol="0" anchor="ctr"/>
-          <a:lstStyle/>
-          <a:p>
-            <a:pPr algn="ctr"/>
-            <a:endParaRPr lang="en-US" sz="1400">
-              <a:solidFill>
-                <a:schemeClr val="tx1"/>
-              </a:solidFill>
-            </a:endParaRPr>
-          </a:p>
-        </p:txBody>
-      </p:sp>
-      <p:sp>
-        <p:nvSpPr>
-          <p:cNvPr id="45" name="Circle: Hollow 44">
-            <a:extLst>
-              <a:ext uri="{FF2B5EF4-FFF2-40B4-BE49-F238E27FC236}">
-                <a16:creationId xmlns:a16="http://schemas.microsoft.com/office/drawing/2014/main" id="{EA08B53D-D913-3B19-D9DC-0162F5BDFBF5}"/>
-              </a:ext>
-            </a:extLst>
-          </p:cNvPr>
-          <p:cNvSpPr/>
-          <p:nvPr/>
-        </p:nvSpPr>
-        <p:spPr>
-          <a:xfrm>
-            <a:off x="3843644" y="2633735"/>
-            <a:ext cx="1516338" cy="1516338"/>
-          </a:xfrm>
-          <a:prstGeom prst="donut">
-            <a:avLst>
-              <a:gd name="adj" fmla="val 2304"/>
-            </a:avLst>
-          </a:prstGeom>
-          <a:solidFill>
-            <a:schemeClr val="bg1"/>
-          </a:solidFill>
-          <a:ln>
-            <a:noFill/>
-          </a:ln>
-        </p:spPr>
-        <p:style>
-          <a:lnRef idx="2">
-            <a:schemeClr val="accent1">
-              <a:shade val="50000"/>
-            </a:schemeClr>
-          </a:lnRef>
-          <a:fillRef idx="1">
-            <a:schemeClr val="accent1"/>
-          </a:fillRef>
-          <a:effectRef idx="0">
-            <a:schemeClr val="accent1"/>
-          </a:effectRef>
-          <a:fontRef idx="minor">
-            <a:schemeClr val="lt1"/>
-          </a:fontRef>
-        </p:style>
-        <p:txBody>
-          <a:bodyPr rtlCol="0" anchor="ctr"/>
-          <a:lstStyle/>
-          <a:p>
-            <a:pPr algn="ctr"/>
-            <a:endParaRPr lang="en-US" sz="1400">
-              <a:solidFill>
-                <a:schemeClr val="tx1"/>
-              </a:solidFill>
-            </a:endParaRPr>
-          </a:p>
-        </p:txBody>
-      </p:sp>
     </p:spTree>
     <p:extLst>
       <p:ext uri="{BB962C8B-B14F-4D97-AF65-F5344CB8AC3E}">
